--- a/Travel points.pptx
+++ b/Travel points.pptx
@@ -8,14 +8,18 @@
     <p:sldId id="256" r:id="rId2"/>
     <p:sldId id="258" r:id="rId3"/>
     <p:sldId id="262" r:id="rId4"/>
-    <p:sldId id="263" r:id="rId5"/>
-    <p:sldId id="264" r:id="rId6"/>
-    <p:sldId id="265" r:id="rId7"/>
-    <p:sldId id="268" r:id="rId8"/>
-    <p:sldId id="267" r:id="rId9"/>
-    <p:sldId id="266" r:id="rId10"/>
-    <p:sldId id="260" r:id="rId11"/>
-    <p:sldId id="270" r:id="rId12"/>
+    <p:sldId id="272" r:id="rId5"/>
+    <p:sldId id="263" r:id="rId6"/>
+    <p:sldId id="264" r:id="rId7"/>
+    <p:sldId id="273" r:id="rId8"/>
+    <p:sldId id="265" r:id="rId9"/>
+    <p:sldId id="268" r:id="rId10"/>
+    <p:sldId id="274" r:id="rId11"/>
+    <p:sldId id="271" r:id="rId12"/>
+    <p:sldId id="267" r:id="rId13"/>
+    <p:sldId id="266" r:id="rId14"/>
+    <p:sldId id="260" r:id="rId15"/>
+    <p:sldId id="270" r:id="rId16"/>
   </p:sldIdLst>
   <p:sldSz cx="12192000" cy="6858000"/>
   <p:notesSz cx="6858000" cy="9144000"/>
@@ -525,7 +529,7 @@
           <a:p>
             <a:fld id="{98524EA1-39F3-4DFA-A52D-8BEA7DD6A234}" type="datetimeFigureOut">
               <a:rPr lang="ro-RO" smtClean="0"/>
-              <a:t>24.04.2023</a:t>
+              <a:t>25.04.2023</a:t>
             </a:fld>
             <a:endParaRPr lang="ro-RO"/>
           </a:p>
@@ -704,7 +708,7 @@
           <a:p>
             <a:fld id="{98524EA1-39F3-4DFA-A52D-8BEA7DD6A234}" type="datetimeFigureOut">
               <a:rPr lang="ro-RO" smtClean="0"/>
-              <a:t>24.04.2023</a:t>
+              <a:t>25.04.2023</a:t>
             </a:fld>
             <a:endParaRPr lang="ro-RO"/>
           </a:p>
@@ -884,7 +888,7 @@
           <a:p>
             <a:fld id="{98524EA1-39F3-4DFA-A52D-8BEA7DD6A234}" type="datetimeFigureOut">
               <a:rPr lang="ro-RO" smtClean="0"/>
-              <a:t>24.04.2023</a:t>
+              <a:t>25.04.2023</a:t>
             </a:fld>
             <a:endParaRPr lang="ro-RO"/>
           </a:p>
@@ -1054,7 +1058,7 @@
           <a:p>
             <a:fld id="{98524EA1-39F3-4DFA-A52D-8BEA7DD6A234}" type="datetimeFigureOut">
               <a:rPr lang="ro-RO" smtClean="0"/>
-              <a:t>24.04.2023</a:t>
+              <a:t>25.04.2023</a:t>
             </a:fld>
             <a:endParaRPr lang="ro-RO"/>
           </a:p>
@@ -1367,7 +1371,7 @@
           <a:p>
             <a:fld id="{98524EA1-39F3-4DFA-A52D-8BEA7DD6A234}" type="datetimeFigureOut">
               <a:rPr lang="ro-RO" smtClean="0"/>
-              <a:t>24.04.2023</a:t>
+              <a:t>25.04.2023</a:t>
             </a:fld>
             <a:endParaRPr lang="ro-RO"/>
           </a:p>
@@ -1753,7 +1757,7 @@
           <a:p>
             <a:fld id="{98524EA1-39F3-4DFA-A52D-8BEA7DD6A234}" type="datetimeFigureOut">
               <a:rPr lang="ro-RO" smtClean="0"/>
-              <a:t>24.04.2023</a:t>
+              <a:t>25.04.2023</a:t>
             </a:fld>
             <a:endParaRPr lang="ro-RO"/>
           </a:p>
@@ -2187,7 +2191,7 @@
           <a:p>
             <a:fld id="{98524EA1-39F3-4DFA-A52D-8BEA7DD6A234}" type="datetimeFigureOut">
               <a:rPr lang="ro-RO" smtClean="0"/>
-              <a:t>24.04.2023</a:t>
+              <a:t>25.04.2023</a:t>
             </a:fld>
             <a:endParaRPr lang="ro-RO"/>
           </a:p>
@@ -2305,7 +2309,7 @@
           <a:p>
             <a:fld id="{98524EA1-39F3-4DFA-A52D-8BEA7DD6A234}" type="datetimeFigureOut">
               <a:rPr lang="ro-RO" smtClean="0"/>
-              <a:t>24.04.2023</a:t>
+              <a:t>25.04.2023</a:t>
             </a:fld>
             <a:endParaRPr lang="ro-RO"/>
           </a:p>
@@ -2400,7 +2404,7 @@
           <a:p>
             <a:fld id="{98524EA1-39F3-4DFA-A52D-8BEA7DD6A234}" type="datetimeFigureOut">
               <a:rPr lang="ro-RO" smtClean="0"/>
-              <a:t>24.04.2023</a:t>
+              <a:t>25.04.2023</a:t>
             </a:fld>
             <a:endParaRPr lang="ro-RO"/>
           </a:p>
@@ -2750,7 +2754,7 @@
           <a:p>
             <a:fld id="{98524EA1-39F3-4DFA-A52D-8BEA7DD6A234}" type="datetimeFigureOut">
               <a:rPr lang="ro-RO" smtClean="0"/>
-              <a:t>24.04.2023</a:t>
+              <a:t>25.04.2023</a:t>
             </a:fld>
             <a:endParaRPr lang="ro-RO"/>
           </a:p>
@@ -3175,7 +3179,7 @@
           <a:p>
             <a:fld id="{98524EA1-39F3-4DFA-A52D-8BEA7DD6A234}" type="datetimeFigureOut">
               <a:rPr lang="ro-RO" smtClean="0"/>
-              <a:t>24.04.2023</a:t>
+              <a:t>25.04.2023</a:t>
             </a:fld>
             <a:endParaRPr lang="ro-RO"/>
           </a:p>
@@ -3456,7 +3460,7 @@
           <a:p>
             <a:fld id="{98524EA1-39F3-4DFA-A52D-8BEA7DD6A234}" type="datetimeFigureOut">
               <a:rPr lang="ro-RO" smtClean="0"/>
-              <a:t>24.04.2023</a:t>
+              <a:t>25.04.2023</a:t>
             </a:fld>
             <a:endParaRPr lang="ro-RO"/>
           </a:p>
@@ -5204,8 +5208,8 @@
         </p:nvSpPr>
         <p:spPr>
           <a:xfrm>
-            <a:off x="323948" y="805865"/>
-            <a:ext cx="7207114" cy="4941465"/>
+            <a:off x="46322" y="1600200"/>
+            <a:ext cx="7207114" cy="3341265"/>
           </a:xfrm>
           <a:prstGeom prst="rect">
             <a:avLst/>
@@ -5217,76 +5221,7 @@
           </a:bodyPr>
           <a:lstStyle/>
           <a:p>
-            <a:pPr indent="-182880" defTabSz="914400">
-              <a:lnSpc>
-                <a:spcPct val="90000"/>
-              </a:lnSpc>
-              <a:spcAft>
-                <a:spcPts val="600"/>
-              </a:spcAft>
-              <a:buClr>
-                <a:schemeClr val="accent1">
-                  <a:lumMod val="75000"/>
-                </a:schemeClr>
-              </a:buClr>
-              <a:buSzPct val="85000"/>
-              <a:buFont typeface="Wingdings" pitchFamily="2" charset="2"/>
-              <a:buChar char="§"/>
-            </a:pPr>
-            <a:r>
-              <a:rPr lang="en-US" b="1" u="sng" dirty="0"/>
-              <a:t>POZITIVE:</a:t>
-            </a:r>
-          </a:p>
-          <a:p>
-            <a:pPr marL="285750" indent="-182880" defTabSz="914400">
-              <a:lnSpc>
-                <a:spcPct val="90000"/>
-              </a:lnSpc>
-              <a:spcAft>
-                <a:spcPts val="600"/>
-              </a:spcAft>
-              <a:buClr>
-                <a:schemeClr val="accent1">
-                  <a:lumMod val="75000"/>
-                </a:schemeClr>
-              </a:buClr>
-              <a:buSzPct val="85000"/>
-              <a:buFont typeface="Wingdings" pitchFamily="2" charset="2"/>
-              <a:buChar char="§"/>
-            </a:pPr>
-            <a:r>
-              <a:rPr lang="en-US" dirty="0" err="1"/>
-              <a:t>Îmbunătățirea</a:t>
-            </a:r>
-            <a:r>
-              <a:rPr lang="en-US" dirty="0"/>
-              <a:t> </a:t>
-            </a:r>
-            <a:r>
-              <a:rPr lang="en-US" dirty="0" err="1"/>
-              <a:t>lucrului</a:t>
-            </a:r>
-            <a:r>
-              <a:rPr lang="en-US" dirty="0"/>
-              <a:t> </a:t>
-            </a:r>
-            <a:r>
-              <a:rPr lang="en-US" dirty="0" err="1"/>
-              <a:t>în</a:t>
-            </a:r>
-            <a:r>
-              <a:rPr lang="en-US" dirty="0"/>
-              <a:t> </a:t>
-            </a:r>
-            <a:r>
-              <a:rPr lang="en-US" dirty="0" err="1"/>
-              <a:t>echipă</a:t>
-            </a:r>
-            <a:endParaRPr lang="en-US" dirty="0"/>
-          </a:p>
-          <a:p>
-            <a:pPr marL="285750" indent="-182880" defTabSz="914400">
+            <a:pPr marL="285750" indent="-182880" algn="just" defTabSz="914400">
               <a:lnSpc>
                 <a:spcPct val="90000"/>
               </a:lnSpc>
@@ -5303,161 +5238,6 @@
               <a:buChar char="§"/>
             </a:pPr>
             <a:endParaRPr lang="en-US" dirty="0"/>
-          </a:p>
-          <a:p>
-            <a:pPr marL="285750" indent="-182880" defTabSz="914400">
-              <a:lnSpc>
-                <a:spcPct val="90000"/>
-              </a:lnSpc>
-              <a:spcAft>
-                <a:spcPts val="600"/>
-              </a:spcAft>
-              <a:buClr>
-                <a:schemeClr val="accent1">
-                  <a:lumMod val="75000"/>
-                </a:schemeClr>
-              </a:buClr>
-              <a:buSzPct val="85000"/>
-              <a:buFont typeface="Wingdings" pitchFamily="2" charset="2"/>
-              <a:buChar char="§"/>
-            </a:pPr>
-            <a:r>
-              <a:rPr lang="en-US" dirty="0" err="1"/>
-              <a:t>Oportunitatea</a:t>
-            </a:r>
-            <a:r>
-              <a:rPr lang="en-US" dirty="0"/>
-              <a:t> de a </a:t>
-            </a:r>
-            <a:r>
-              <a:rPr lang="en-US" dirty="0" err="1"/>
-              <a:t>învăța</a:t>
-            </a:r>
-            <a:r>
-              <a:rPr lang="en-US" dirty="0"/>
-              <a:t> </a:t>
-            </a:r>
-            <a:r>
-              <a:rPr lang="en-US" dirty="0" err="1"/>
-              <a:t>noi</a:t>
-            </a:r>
-            <a:r>
-              <a:rPr lang="en-US" dirty="0"/>
-              <a:t> </a:t>
-            </a:r>
-            <a:r>
-              <a:rPr lang="en-US" dirty="0" err="1"/>
-              <a:t>modalități</a:t>
-            </a:r>
-            <a:r>
-              <a:rPr lang="en-US" dirty="0"/>
-              <a:t> de </a:t>
-            </a:r>
-            <a:r>
-              <a:rPr lang="en-US" dirty="0" err="1"/>
-              <a:t>lucru</a:t>
-            </a:r>
-            <a:r>
-              <a:rPr lang="en-US" dirty="0"/>
-              <a:t> </a:t>
-            </a:r>
-            <a:r>
-              <a:rPr lang="en-US" dirty="0" err="1"/>
-              <a:t>și</a:t>
-            </a:r>
-            <a:r>
-              <a:rPr lang="en-US" dirty="0"/>
-              <a:t> de a </a:t>
-            </a:r>
-            <a:r>
-              <a:rPr lang="en-US" dirty="0" err="1"/>
-              <a:t>primi</a:t>
-            </a:r>
-            <a:r>
-              <a:rPr lang="en-US" dirty="0"/>
-              <a:t> </a:t>
-            </a:r>
-            <a:r>
-              <a:rPr lang="en-US" dirty="0" err="1"/>
-              <a:t>sfaturi</a:t>
-            </a:r>
-            <a:endParaRPr lang="ro-RO" dirty="0"/>
-          </a:p>
-          <a:p>
-            <a:pPr marL="102870" defTabSz="914400">
-              <a:lnSpc>
-                <a:spcPct val="90000"/>
-              </a:lnSpc>
-              <a:spcAft>
-                <a:spcPts val="600"/>
-              </a:spcAft>
-              <a:buClr>
-                <a:schemeClr val="accent1">
-                  <a:lumMod val="75000"/>
-                </a:schemeClr>
-              </a:buClr>
-              <a:buSzPct val="85000"/>
-            </a:pPr>
-            <a:endParaRPr lang="en-US" dirty="0"/>
-          </a:p>
-          <a:p>
-            <a:pPr marL="285750" indent="-182880" defTabSz="914400">
-              <a:lnSpc>
-                <a:spcPct val="90000"/>
-              </a:lnSpc>
-              <a:spcAft>
-                <a:spcPts val="600"/>
-              </a:spcAft>
-              <a:buClr>
-                <a:schemeClr val="accent1">
-                  <a:lumMod val="75000"/>
-                </a:schemeClr>
-              </a:buClr>
-              <a:buSzPct val="85000"/>
-              <a:buFont typeface="Wingdings" pitchFamily="2" charset="2"/>
-              <a:buChar char="§"/>
-            </a:pPr>
-            <a:endParaRPr lang="ro-RO" dirty="0"/>
-          </a:p>
-          <a:p>
-            <a:pPr marL="285750" indent="-285750">
-              <a:spcAft>
-                <a:spcPts val="600"/>
-              </a:spcAft>
-              <a:buClr>
-                <a:schemeClr val="accent2"/>
-              </a:buClr>
-              <a:buFont typeface="Wingdings" panose="05000000000000000000" pitchFamily="2" charset="2"/>
-              <a:buChar char="§"/>
-            </a:pPr>
-            <a:r>
-              <a:rPr lang="ro-RO" b="1" u="sng" dirty="0"/>
-              <a:t>NEGATIVE:</a:t>
-            </a:r>
-          </a:p>
-          <a:p>
-            <a:pPr marL="742950" lvl="1" indent="-285750">
-              <a:spcAft>
-                <a:spcPts val="600"/>
-              </a:spcAft>
-              <a:buClr>
-                <a:schemeClr val="accent2"/>
-              </a:buClr>
-              <a:buFont typeface="Wingdings" panose="05000000000000000000" pitchFamily="2" charset="2"/>
-              <a:buChar char="§"/>
-            </a:pPr>
-            <a:r>
-              <a:rPr lang="ro-RO" dirty="0"/>
-              <a:t>Sincronizarea între coechipieri</a:t>
-            </a:r>
-          </a:p>
-          <a:p>
-            <a:pPr>
-              <a:spcAft>
-                <a:spcPts val="600"/>
-              </a:spcAft>
-            </a:pPr>
-            <a:endParaRPr lang="ro-RO" dirty="0"/>
           </a:p>
         </p:txBody>
       </p:sp>
@@ -5774,6 +5554,3793 @@
           <a:p>
             <a:pPr algn="ctr"/>
             <a:r>
+              <a:rPr lang="en-US" sz="3200" i="1" dirty="0">
+                <a:solidFill>
+                  <a:schemeClr val="bg1">
+                    <a:shade val="97000"/>
+                    <a:satMod val="150000"/>
+                  </a:schemeClr>
+                </a:solidFill>
+                <a:effectLst>
+                  <a:outerShdw blurRad="38100" dist="38100" dir="2700000" algn="tl">
+                    <a:srgbClr val="000000">
+                      <a:alpha val="43137"/>
+                    </a:srgbClr>
+                  </a:outerShdw>
+                </a:effectLst>
+              </a:rPr>
+              <a:t>IMPLEMENTARE</a:t>
+            </a:r>
+          </a:p>
+        </p:txBody>
+      </p:sp>
+      <p:sp>
+        <p:nvSpPr>
+          <p:cNvPr id="4" name="CasetăText 3">
+            <a:extLst>
+              <a:ext uri="{FF2B5EF4-FFF2-40B4-BE49-F238E27FC236}">
+                <a16:creationId xmlns:a16="http://schemas.microsoft.com/office/drawing/2014/main" id="{9FFCD8AD-7B49-B72C-442A-8CC0150B1EBA}"/>
+              </a:ext>
+            </a:extLst>
+          </p:cNvPr>
+          <p:cNvSpPr txBox="1"/>
+          <p:nvPr/>
+        </p:nvSpPr>
+        <p:spPr>
+          <a:xfrm>
+            <a:off x="341186" y="160982"/>
+            <a:ext cx="4216893" cy="523220"/>
+          </a:xfrm>
+          <a:prstGeom prst="rect">
+            <a:avLst/>
+          </a:prstGeom>
+          <a:noFill/>
+        </p:spPr>
+        <p:txBody>
+          <a:bodyPr wrap="square" rtlCol="0">
+            <a:spAutoFit/>
+          </a:bodyPr>
+          <a:lstStyle/>
+          <a:p>
+            <a:r>
+              <a:rPr lang="ro-RO" sz="2800" i="1" u="sng" dirty="0" err="1">
+                <a:effectLst>
+                  <a:outerShdw blurRad="38100" dist="38100" dir="2700000" algn="tl">
+                    <a:srgbClr val="000000">
+                      <a:alpha val="43137"/>
+                    </a:srgbClr>
+                  </a:outerShdw>
+                </a:effectLst>
+              </a:rPr>
+              <a:t>Matioc</a:t>
+            </a:r>
+            <a:r>
+              <a:rPr lang="ro-RO" sz="2800" i="1" u="sng" dirty="0">
+                <a:effectLst>
+                  <a:outerShdw blurRad="38100" dist="38100" dir="2700000" algn="tl">
+                    <a:srgbClr val="000000">
+                      <a:alpha val="43137"/>
+                    </a:srgbClr>
+                  </a:outerShdw>
+                </a:effectLst>
+              </a:rPr>
+              <a:t> Bogdan</a:t>
+            </a:r>
+          </a:p>
+        </p:txBody>
+      </p:sp>
+      <p:sp>
+        <p:nvSpPr>
+          <p:cNvPr id="5" name="CasetăText 4">
+            <a:extLst>
+              <a:ext uri="{FF2B5EF4-FFF2-40B4-BE49-F238E27FC236}">
+                <a16:creationId xmlns:a16="http://schemas.microsoft.com/office/drawing/2014/main" id="{46F33047-DECF-FEFE-14ED-1D85B5528AC9}"/>
+              </a:ext>
+            </a:extLst>
+          </p:cNvPr>
+          <p:cNvSpPr txBox="1"/>
+          <p:nvPr/>
+        </p:nvSpPr>
+        <p:spPr>
+          <a:xfrm>
+            <a:off x="523783" y="2116670"/>
+            <a:ext cx="6364924" cy="1477328"/>
+          </a:xfrm>
+          <a:prstGeom prst="rect">
+            <a:avLst/>
+          </a:prstGeom>
+          <a:noFill/>
+        </p:spPr>
+        <p:txBody>
+          <a:bodyPr wrap="square" rtlCol="0">
+            <a:spAutoFit/>
+          </a:bodyPr>
+          <a:lstStyle/>
+          <a:p>
+            <a:pPr marL="285750" indent="-285750" algn="just">
+              <a:buClr>
+                <a:schemeClr val="accent2"/>
+              </a:buClr>
+              <a:buFont typeface="Wingdings" panose="05000000000000000000" pitchFamily="2" charset="2"/>
+              <a:buChar char="§"/>
+            </a:pPr>
+            <a:r>
+              <a:rPr lang="ro-RO" dirty="0"/>
+              <a:t>BE: </a:t>
+            </a:r>
+            <a:r>
+              <a:rPr lang="ro-RO" dirty="0" err="1"/>
+              <a:t>login</a:t>
+            </a:r>
+            <a:r>
+              <a:rPr lang="ro-RO" dirty="0"/>
+              <a:t>, </a:t>
+            </a:r>
+            <a:r>
+              <a:rPr lang="ro-RO" dirty="0" err="1"/>
+              <a:t>landmark</a:t>
+            </a:r>
+            <a:r>
+              <a:rPr lang="ro-RO" dirty="0"/>
+              <a:t> </a:t>
+            </a:r>
+            <a:r>
+              <a:rPr lang="ro-RO" dirty="0" err="1"/>
+              <a:t>entity</a:t>
+            </a:r>
+            <a:r>
+              <a:rPr lang="ro-RO" dirty="0"/>
+              <a:t>, </a:t>
+            </a:r>
+            <a:r>
+              <a:rPr lang="ro-RO" dirty="0" err="1"/>
+              <a:t>add</a:t>
+            </a:r>
+            <a:r>
+              <a:rPr lang="ro-RO" dirty="0"/>
+              <a:t> </a:t>
+            </a:r>
+            <a:r>
+              <a:rPr lang="ro-RO" dirty="0" err="1"/>
+              <a:t>landmark</a:t>
+            </a:r>
+            <a:r>
+              <a:rPr lang="ro-RO" dirty="0"/>
+              <a:t>, get </a:t>
+            </a:r>
+            <a:r>
+              <a:rPr lang="ro-RO" dirty="0" err="1"/>
+              <a:t>landmarks</a:t>
+            </a:r>
+            <a:r>
+              <a:rPr lang="ro-RO" dirty="0"/>
+              <a:t>, </a:t>
+            </a:r>
+            <a:r>
+              <a:rPr lang="ro-RO" dirty="0" err="1"/>
+              <a:t>delete</a:t>
+            </a:r>
+            <a:r>
+              <a:rPr lang="ro-RO" dirty="0"/>
+              <a:t> </a:t>
+            </a:r>
+            <a:r>
+              <a:rPr lang="ro-RO" dirty="0" err="1"/>
+              <a:t>landmark</a:t>
+            </a:r>
+            <a:r>
+              <a:rPr lang="ro-RO" dirty="0"/>
+              <a:t>; </a:t>
+            </a:r>
+            <a:endParaRPr lang="en-US" dirty="0"/>
+          </a:p>
+          <a:p>
+            <a:pPr marL="285750" indent="-285750" algn="just">
+              <a:buClr>
+                <a:schemeClr val="accent2"/>
+              </a:buClr>
+              <a:buFont typeface="Wingdings" panose="05000000000000000000" pitchFamily="2" charset="2"/>
+              <a:buChar char="§"/>
+            </a:pPr>
+            <a:endParaRPr lang="en-US" dirty="0"/>
+          </a:p>
+          <a:p>
+            <a:pPr marL="285750" indent="-285750" algn="just">
+              <a:buClr>
+                <a:schemeClr val="accent2"/>
+              </a:buClr>
+              <a:buFont typeface="Wingdings" panose="05000000000000000000" pitchFamily="2" charset="2"/>
+              <a:buChar char="§"/>
+            </a:pPr>
+            <a:r>
+              <a:rPr lang="ro-RO" dirty="0"/>
+              <a:t>FE: </a:t>
+            </a:r>
+            <a:r>
+              <a:rPr lang="ro-RO" dirty="0" err="1"/>
+              <a:t>project</a:t>
+            </a:r>
+            <a:r>
+              <a:rPr lang="ro-RO" dirty="0"/>
+              <a:t> </a:t>
+            </a:r>
+            <a:r>
+              <a:rPr lang="ro-RO" dirty="0" err="1"/>
+              <a:t>setup</a:t>
+            </a:r>
+            <a:r>
+              <a:rPr lang="ro-RO" dirty="0"/>
+              <a:t>, </a:t>
+            </a:r>
+            <a:r>
+              <a:rPr lang="ro-RO" dirty="0" err="1"/>
+              <a:t>login</a:t>
+            </a:r>
+            <a:r>
+              <a:rPr lang="ro-RO" dirty="0"/>
+              <a:t> page, </a:t>
+            </a:r>
+            <a:r>
+              <a:rPr lang="ro-RO" dirty="0" err="1"/>
+              <a:t>delete</a:t>
+            </a:r>
+            <a:r>
+              <a:rPr lang="ro-RO" dirty="0"/>
+              <a:t> </a:t>
+            </a:r>
+            <a:r>
+              <a:rPr lang="ro-RO" dirty="0" err="1"/>
+              <a:t>landmark</a:t>
+            </a:r>
+            <a:r>
+              <a:rPr lang="ro-RO" dirty="0"/>
+              <a:t>, </a:t>
+            </a:r>
+            <a:r>
+              <a:rPr lang="ro-RO" dirty="0" err="1"/>
+              <a:t>edit</a:t>
+            </a:r>
+            <a:r>
+              <a:rPr lang="ro-RO" dirty="0"/>
+              <a:t> </a:t>
+            </a:r>
+            <a:r>
+              <a:rPr lang="ro-RO" dirty="0" err="1"/>
+              <a:t>landmark</a:t>
+            </a:r>
+            <a:endParaRPr lang="ro-RO" dirty="0"/>
+          </a:p>
+        </p:txBody>
+      </p:sp>
+    </p:spTree>
+    <p:extLst>
+      <p:ext uri="{BB962C8B-B14F-4D97-AF65-F5344CB8AC3E}">
+        <p14:creationId xmlns:p14="http://schemas.microsoft.com/office/powerpoint/2010/main" val="3672197309"/>
+      </p:ext>
+    </p:extLst>
+  </p:cSld>
+  <p:clrMapOvr>
+    <a:masterClrMapping/>
+  </p:clrMapOvr>
+</p:sld>
+</file>
+
+<file path=ppt/slides/slide11.xml><?xml version="1.0" encoding="utf-8"?>
+<p:sld xmlns:a="http://schemas.openxmlformats.org/drawingml/2006/main" xmlns:r="http://schemas.openxmlformats.org/officeDocument/2006/relationships" xmlns:p="http://schemas.openxmlformats.org/presentationml/2006/main">
+  <p:cSld>
+    <p:bg>
+      <p:bgPr>
+        <a:solidFill>
+          <a:schemeClr val="bg1"/>
+        </a:solidFill>
+        <a:effectLst/>
+      </p:bgPr>
+    </p:bg>
+    <p:spTree>
+      <p:nvGrpSpPr>
+        <p:cNvPr id="1" name=""/>
+        <p:cNvGrpSpPr/>
+        <p:nvPr/>
+      </p:nvGrpSpPr>
+      <p:grpSpPr>
+        <a:xfrm>
+          <a:off x="0" y="0"/>
+          <a:ext cx="0" cy="0"/>
+          <a:chOff x="0" y="0"/>
+          <a:chExt cx="0" cy="0"/>
+        </a:xfrm>
+      </p:grpSpPr>
+      <p:grpSp>
+        <p:nvGrpSpPr>
+          <p:cNvPr id="9" name="Group 8">
+            <a:extLst>
+              <a:ext uri="{FF2B5EF4-FFF2-40B4-BE49-F238E27FC236}">
+                <a16:creationId xmlns:a16="http://schemas.microsoft.com/office/drawing/2014/main" id="{132FD491-28F3-42E7-AEBF-A9E3C462C92A}"/>
+              </a:ext>
+              <a:ext uri="{C183D7F6-B498-43B3-948B-1728B52AA6E4}">
+                <adec:decorative xmlns:adec="http://schemas.microsoft.com/office/drawing/2017/decorative" val="1"/>
+              </a:ext>
+            </a:extLst>
+          </p:cNvPr>
+          <p:cNvGrpSpPr>
+            <a:grpSpLocks noGrp="1" noUngrp="1" noRot="1" noChangeAspect="1" noMove="1" noResize="1"/>
+          </p:cNvGrpSpPr>
+          <p:nvPr>
+            <p:extLst>
+              <p:ext uri="{386F3935-93C4-4BCD-93E2-E3B085C9AB24}">
+                <p16:designElem xmlns:p16="http://schemas.microsoft.com/office/powerpoint/2015/main" val="1"/>
+              </p:ext>
+            </p:extLst>
+          </p:nvPr>
+        </p:nvGrpSpPr>
+        <p:grpSpPr>
+          <a:xfrm>
+            <a:off x="11401725" y="6229681"/>
+            <a:ext cx="457200" cy="457200"/>
+            <a:chOff x="11361456" y="6195813"/>
+            <a:chExt cx="548640" cy="548640"/>
+          </a:xfrm>
+        </p:grpSpPr>
+        <p:sp>
+          <p:nvSpPr>
+            <p:cNvPr id="10" name="Oval 9">
+              <a:extLst>
+                <a:ext uri="{FF2B5EF4-FFF2-40B4-BE49-F238E27FC236}">
+                  <a16:creationId xmlns:a16="http://schemas.microsoft.com/office/drawing/2014/main" id="{AD016B6E-F283-4CFB-9099-05C8DA6AB3FB}"/>
+                </a:ext>
+                <a:ext uri="{C183D7F6-B498-43B3-948B-1728B52AA6E4}">
+                  <adec:decorative xmlns:adec="http://schemas.microsoft.com/office/drawing/2017/decorative" val="1"/>
+                </a:ext>
+              </a:extLst>
+            </p:cNvPr>
+            <p:cNvSpPr/>
+            <p:nvPr>
+              <p:extLst>
+                <p:ext uri="{386F3935-93C4-4BCD-93E2-E3B085C9AB24}">
+                  <p16:designElem xmlns:p16="http://schemas.microsoft.com/office/powerpoint/2015/main" val="1"/>
+                </p:ext>
+              </p:extLst>
+            </p:nvPr>
+          </p:nvSpPr>
+          <p:spPr>
+            <a:xfrm>
+              <a:off x="11361456" y="6195813"/>
+              <a:ext cx="548640" cy="548640"/>
+            </a:xfrm>
+            <a:prstGeom prst="ellipse">
+              <a:avLst/>
+            </a:prstGeom>
+            <a:blipFill dpi="0" rotWithShape="1">
+              <a:blip r:embed="rId2">
+                <a:duotone>
+                  <a:schemeClr val="accent1">
+                    <a:shade val="45000"/>
+                    <a:satMod val="135000"/>
+                  </a:schemeClr>
+                  <a:prstClr val="white"/>
+                </a:duotone>
+                <a:extLst>
+                  <a:ext uri="{BEBA8EAE-BF5A-486C-A8C5-ECC9F3942E4B}">
+                    <a14:imgProps xmlns:a14="http://schemas.microsoft.com/office/drawing/2010/main">
+                      <a14:imgLayer r:embed="rId3">
+                        <a14:imgEffect>
+                          <a14:saturation sat="95000"/>
+                        </a14:imgEffect>
+                        <a14:imgEffect>
+                          <a14:brightnessContrast bright="-40000" contrast="20000"/>
+                        </a14:imgEffect>
+                      </a14:imgLayer>
+                    </a14:imgProps>
+                  </a:ext>
+                </a:extLst>
+              </a:blip>
+              <a:srcRect/>
+              <a:tile tx="50800" ty="0" sx="85000" sy="85000" flip="none" algn="tl"/>
+            </a:blipFill>
+            <a:ln w="25400" cap="flat" cmpd="sng" algn="ctr">
+              <a:noFill/>
+              <a:prstDash val="solid"/>
+            </a:ln>
+            <a:effectLst/>
+          </p:spPr>
+        </p:sp>
+        <p:sp>
+          <p:nvSpPr>
+            <p:cNvPr id="11" name="Oval 10">
+              <a:extLst>
+                <a:ext uri="{FF2B5EF4-FFF2-40B4-BE49-F238E27FC236}">
+                  <a16:creationId xmlns:a16="http://schemas.microsoft.com/office/drawing/2014/main" id="{72D0360E-345F-4790-B0A0-03ADC36B5E45}"/>
+                </a:ext>
+                <a:ext uri="{C183D7F6-B498-43B3-948B-1728B52AA6E4}">
+                  <adec:decorative xmlns:adec="http://schemas.microsoft.com/office/drawing/2017/decorative" val="1"/>
+                </a:ext>
+              </a:extLst>
+            </p:cNvPr>
+            <p:cNvSpPr/>
+            <p:nvPr>
+              <p:extLst>
+                <p:ext uri="{386F3935-93C4-4BCD-93E2-E3B085C9AB24}">
+                  <p16:designElem xmlns:p16="http://schemas.microsoft.com/office/powerpoint/2015/main" val="1"/>
+                </p:ext>
+              </p:extLst>
+            </p:nvPr>
+          </p:nvSpPr>
+          <p:spPr>
+            <a:xfrm>
+              <a:off x="11396488" y="6230844"/>
+              <a:ext cx="478576" cy="478578"/>
+            </a:xfrm>
+            <a:prstGeom prst="ellipse">
+              <a:avLst/>
+            </a:prstGeom>
+            <a:noFill/>
+            <a:ln w="12700" cap="flat" cmpd="sng" algn="ctr">
+              <a:solidFill>
+                <a:srgbClr val="FFFFFF"/>
+              </a:solidFill>
+              <a:prstDash val="solid"/>
+            </a:ln>
+            <a:effectLst/>
+          </p:spPr>
+        </p:sp>
+      </p:grpSp>
+      <p:sp useBgFill="1">
+        <p:nvSpPr>
+          <p:cNvPr id="13" name="Rectangle 12">
+            <a:extLst>
+              <a:ext uri="{FF2B5EF4-FFF2-40B4-BE49-F238E27FC236}">
+                <a16:creationId xmlns:a16="http://schemas.microsoft.com/office/drawing/2014/main" id="{5118BA95-03E7-41B7-B442-0AF8C0A7FF68}"/>
+              </a:ext>
+              <a:ext uri="{C183D7F6-B498-43B3-948B-1728B52AA6E4}">
+                <adec:decorative xmlns:adec="http://schemas.microsoft.com/office/drawing/2017/decorative" val="1"/>
+              </a:ext>
+            </a:extLst>
+          </p:cNvPr>
+          <p:cNvSpPr>
+            <a:spLocks noGrp="1" noRot="1" noChangeAspect="1" noMove="1" noResize="1" noEditPoints="1" noAdjustHandles="1" noChangeArrowheads="1" noChangeShapeType="1" noTextEdit="1"/>
+          </p:cNvSpPr>
+          <p:nvPr>
+            <p:extLst>
+              <p:ext uri="{386F3935-93C4-4BCD-93E2-E3B085C9AB24}">
+                <p16:designElem xmlns:p16="http://schemas.microsoft.com/office/powerpoint/2015/main" val="1"/>
+              </p:ext>
+            </p:extLst>
+          </p:nvPr>
+        </p:nvSpPr>
+        <p:spPr bwMode="white">
+          <a:xfrm>
+            <a:off x="0" y="0"/>
+            <a:ext cx="12188952" cy="6858001"/>
+          </a:xfrm>
+          <a:prstGeom prst="rect">
+            <a:avLst/>
+          </a:prstGeom>
+          <a:ln>
+            <a:noFill/>
+          </a:ln>
+        </p:spPr>
+        <p:style>
+          <a:lnRef idx="2">
+            <a:schemeClr val="accent1">
+              <a:shade val="50000"/>
+            </a:schemeClr>
+          </a:lnRef>
+          <a:fillRef idx="1">
+            <a:schemeClr val="accent1"/>
+          </a:fillRef>
+          <a:effectRef idx="0">
+            <a:schemeClr val="accent1"/>
+          </a:effectRef>
+          <a:fontRef idx="minor">
+            <a:schemeClr val="lt1"/>
+          </a:fontRef>
+        </p:style>
+        <p:txBody>
+          <a:bodyPr rot="0" spcFirstLastPara="0" vert="horz" wrap="square" lIns="91440" tIns="45720" rIns="91440" bIns="45720" numCol="1" spcCol="0" rtlCol="0" fromWordArt="0" anchor="ctr" anchorCtr="0" forceAA="0" compatLnSpc="1">
+            <a:prstTxWarp prst="textNoShape">
+              <a:avLst/>
+            </a:prstTxWarp>
+            <a:noAutofit/>
+          </a:bodyPr>
+          <a:lstStyle>
+            <a:defPPr>
+              <a:defRPr lang="en-US"/>
+            </a:defPPr>
+            <a:lvl1pPr marL="0" algn="l" defTabSz="914400" rtl="0" eaLnBrk="1" latinLnBrk="0" hangingPunct="1">
+              <a:defRPr sz="1800" kern="1200">
+                <a:solidFill>
+                  <a:schemeClr val="lt1"/>
+                </a:solidFill>
+                <a:latin typeface="+mn-lt"/>
+                <a:ea typeface="+mn-ea"/>
+                <a:cs typeface="+mn-cs"/>
+              </a:defRPr>
+            </a:lvl1pPr>
+            <a:lvl2pPr marL="457200" algn="l" defTabSz="914400" rtl="0" eaLnBrk="1" latinLnBrk="0" hangingPunct="1">
+              <a:defRPr sz="1800" kern="1200">
+                <a:solidFill>
+                  <a:schemeClr val="lt1"/>
+                </a:solidFill>
+                <a:latin typeface="+mn-lt"/>
+                <a:ea typeface="+mn-ea"/>
+                <a:cs typeface="+mn-cs"/>
+              </a:defRPr>
+            </a:lvl2pPr>
+            <a:lvl3pPr marL="914400" algn="l" defTabSz="914400" rtl="0" eaLnBrk="1" latinLnBrk="0" hangingPunct="1">
+              <a:defRPr sz="1800" kern="1200">
+                <a:solidFill>
+                  <a:schemeClr val="lt1"/>
+                </a:solidFill>
+                <a:latin typeface="+mn-lt"/>
+                <a:ea typeface="+mn-ea"/>
+                <a:cs typeface="+mn-cs"/>
+              </a:defRPr>
+            </a:lvl3pPr>
+            <a:lvl4pPr marL="1371600" algn="l" defTabSz="914400" rtl="0" eaLnBrk="1" latinLnBrk="0" hangingPunct="1">
+              <a:defRPr sz="1800" kern="1200">
+                <a:solidFill>
+                  <a:schemeClr val="lt1"/>
+                </a:solidFill>
+                <a:latin typeface="+mn-lt"/>
+                <a:ea typeface="+mn-ea"/>
+                <a:cs typeface="+mn-cs"/>
+              </a:defRPr>
+            </a:lvl4pPr>
+            <a:lvl5pPr marL="1828800" algn="l" defTabSz="914400" rtl="0" eaLnBrk="1" latinLnBrk="0" hangingPunct="1">
+              <a:defRPr sz="1800" kern="1200">
+                <a:solidFill>
+                  <a:schemeClr val="lt1"/>
+                </a:solidFill>
+                <a:latin typeface="+mn-lt"/>
+                <a:ea typeface="+mn-ea"/>
+                <a:cs typeface="+mn-cs"/>
+              </a:defRPr>
+            </a:lvl5pPr>
+            <a:lvl6pPr marL="2286000" algn="l" defTabSz="914400" rtl="0" eaLnBrk="1" latinLnBrk="0" hangingPunct="1">
+              <a:defRPr sz="1800" kern="1200">
+                <a:solidFill>
+                  <a:schemeClr val="lt1"/>
+                </a:solidFill>
+                <a:latin typeface="+mn-lt"/>
+                <a:ea typeface="+mn-ea"/>
+                <a:cs typeface="+mn-cs"/>
+              </a:defRPr>
+            </a:lvl6pPr>
+            <a:lvl7pPr marL="2743200" algn="l" defTabSz="914400" rtl="0" eaLnBrk="1" latinLnBrk="0" hangingPunct="1">
+              <a:defRPr sz="1800" kern="1200">
+                <a:solidFill>
+                  <a:schemeClr val="lt1"/>
+                </a:solidFill>
+                <a:latin typeface="+mn-lt"/>
+                <a:ea typeface="+mn-ea"/>
+                <a:cs typeface="+mn-cs"/>
+              </a:defRPr>
+            </a:lvl7pPr>
+            <a:lvl8pPr marL="3200400" algn="l" defTabSz="914400" rtl="0" eaLnBrk="1" latinLnBrk="0" hangingPunct="1">
+              <a:defRPr sz="1800" kern="1200">
+                <a:solidFill>
+                  <a:schemeClr val="lt1"/>
+                </a:solidFill>
+                <a:latin typeface="+mn-lt"/>
+                <a:ea typeface="+mn-ea"/>
+                <a:cs typeface="+mn-cs"/>
+              </a:defRPr>
+            </a:lvl8pPr>
+            <a:lvl9pPr marL="3657600" algn="l" defTabSz="914400" rtl="0" eaLnBrk="1" latinLnBrk="0" hangingPunct="1">
+              <a:defRPr sz="1800" kern="1200">
+                <a:solidFill>
+                  <a:schemeClr val="lt1"/>
+                </a:solidFill>
+                <a:latin typeface="+mn-lt"/>
+                <a:ea typeface="+mn-ea"/>
+                <a:cs typeface="+mn-cs"/>
+              </a:defRPr>
+            </a:lvl9pPr>
+          </a:lstStyle>
+          <a:p>
+            <a:pPr algn="ctr"/>
+            <a:endParaRPr lang="en-US"/>
+          </a:p>
+        </p:txBody>
+      </p:sp>
+      <p:sp>
+        <p:nvSpPr>
+          <p:cNvPr id="3" name="CasetăText 2">
+            <a:extLst>
+              <a:ext uri="{FF2B5EF4-FFF2-40B4-BE49-F238E27FC236}">
+                <a16:creationId xmlns:a16="http://schemas.microsoft.com/office/drawing/2014/main" id="{F7FD7598-B4B7-6151-490A-5223DDEF00E0}"/>
+              </a:ext>
+            </a:extLst>
+          </p:cNvPr>
+          <p:cNvSpPr txBox="1"/>
+          <p:nvPr/>
+        </p:nvSpPr>
+        <p:spPr>
+          <a:xfrm>
+            <a:off x="46322" y="1600200"/>
+            <a:ext cx="7207114" cy="3341265"/>
+          </a:xfrm>
+          <a:prstGeom prst="rect">
+            <a:avLst/>
+          </a:prstGeom>
+        </p:spPr>
+        <p:txBody>
+          <a:bodyPr vert="horz" lIns="91440" tIns="45720" rIns="91440" bIns="45720" rtlCol="0" anchor="ctr">
+            <a:normAutofit/>
+          </a:bodyPr>
+          <a:lstStyle/>
+          <a:p>
+            <a:pPr marL="285750" indent="-182880" algn="just" defTabSz="914400">
+              <a:lnSpc>
+                <a:spcPct val="90000"/>
+              </a:lnSpc>
+              <a:spcAft>
+                <a:spcPts val="600"/>
+              </a:spcAft>
+              <a:buClr>
+                <a:schemeClr val="accent1">
+                  <a:lumMod val="75000"/>
+                </a:schemeClr>
+              </a:buClr>
+              <a:buSzPct val="85000"/>
+              <a:buFont typeface="Wingdings" pitchFamily="2" charset="2"/>
+              <a:buChar char="§"/>
+            </a:pPr>
+            <a:endParaRPr lang="en-US" dirty="0"/>
+          </a:p>
+        </p:txBody>
+      </p:sp>
+      <p:sp>
+        <p:nvSpPr>
+          <p:cNvPr id="15" name="Rectangle 14">
+            <a:extLst>
+              <a:ext uri="{FF2B5EF4-FFF2-40B4-BE49-F238E27FC236}">
+                <a16:creationId xmlns:a16="http://schemas.microsoft.com/office/drawing/2014/main" id="{AD9B3EAD-A2B3-42C4-927C-3455E3E69EE6}"/>
+              </a:ext>
+              <a:ext uri="{C183D7F6-B498-43B3-948B-1728B52AA6E4}">
+                <adec:decorative xmlns:adec="http://schemas.microsoft.com/office/drawing/2017/decorative" val="1"/>
+              </a:ext>
+            </a:extLst>
+          </p:cNvPr>
+          <p:cNvSpPr>
+            <a:spLocks noGrp="1" noRot="1" noChangeAspect="1" noMove="1" noResize="1" noEditPoints="1" noAdjustHandles="1" noChangeArrowheads="1" noChangeShapeType="1" noTextEdit="1"/>
+          </p:cNvSpPr>
+          <p:nvPr>
+            <p:extLst>
+              <p:ext uri="{386F3935-93C4-4BCD-93E2-E3B085C9AB24}">
+                <p16:designElem xmlns:p16="http://schemas.microsoft.com/office/powerpoint/2015/main" val="1"/>
+              </p:ext>
+            </p:extLst>
+          </p:nvPr>
+        </p:nvSpPr>
+        <p:spPr>
+          <a:xfrm rot="5400000">
+            <a:off x="5586983" y="3388659"/>
+            <a:ext cx="3657600" cy="80683"/>
+          </a:xfrm>
+          <a:prstGeom prst="rect">
+            <a:avLst/>
+          </a:prstGeom>
+          <a:blipFill dpi="0" rotWithShape="1">
+            <a:blip r:embed="rId4">
+              <a:alphaModFix amt="85000"/>
+              <a:lum bright="70000" contrast="-70000"/>
+              <a:extLst>
+                <a:ext uri="{BEBA8EAE-BF5A-486C-A8C5-ECC9F3942E4B}">
+                  <a14:imgProps xmlns:a14="http://schemas.microsoft.com/office/drawing/2010/main">
+                    <a14:imgLayer r:embed="rId5">
+                      <a14:imgEffect>
+                        <a14:sharpenSoften amount="61000"/>
+                      </a14:imgEffect>
+                    </a14:imgLayer>
+                  </a14:imgProps>
+                </a:ext>
+                <a:ext uri="{28A0092B-C50C-407E-A947-70E740481C1C}">
+                  <a14:useLocalDpi xmlns:a14="http://schemas.microsoft.com/office/drawing/2010/main" val="0"/>
+                </a:ext>
+              </a:extLst>
+            </a:blip>
+            <a:srcRect/>
+            <a:tile tx="0" ty="-717550" sx="92000" sy="89000" flip="xy" algn="ctr"/>
+          </a:blipFill>
+          <a:ln>
+            <a:noFill/>
+          </a:ln>
+        </p:spPr>
+        <p:style>
+          <a:lnRef idx="2">
+            <a:schemeClr val="accent1">
+              <a:shade val="50000"/>
+            </a:schemeClr>
+          </a:lnRef>
+          <a:fillRef idx="1">
+            <a:schemeClr val="accent1"/>
+          </a:fillRef>
+          <a:effectRef idx="0">
+            <a:schemeClr val="accent1"/>
+          </a:effectRef>
+          <a:fontRef idx="minor">
+            <a:schemeClr val="lt1"/>
+          </a:fontRef>
+        </p:style>
+      </p:sp>
+      <p:grpSp>
+        <p:nvGrpSpPr>
+          <p:cNvPr id="17" name="Group 16">
+            <a:extLst>
+              <a:ext uri="{FF2B5EF4-FFF2-40B4-BE49-F238E27FC236}">
+                <a16:creationId xmlns:a16="http://schemas.microsoft.com/office/drawing/2014/main" id="{4BF9B298-BC35-4C0F-8301-5D63A1E6D281}"/>
+              </a:ext>
+              <a:ext uri="{C183D7F6-B498-43B3-948B-1728B52AA6E4}">
+                <adec:decorative xmlns:adec="http://schemas.microsoft.com/office/drawing/2017/decorative" val="1"/>
+              </a:ext>
+            </a:extLst>
+          </p:cNvPr>
+          <p:cNvGrpSpPr>
+            <a:grpSpLocks noGrp="1" noUngrp="1" noRot="1" noChangeAspect="1" noMove="1" noResize="1"/>
+          </p:cNvGrpSpPr>
+          <p:nvPr>
+            <p:extLst>
+              <p:ext uri="{386F3935-93C4-4BCD-93E2-E3B085C9AB24}">
+                <p16:designElem xmlns:p16="http://schemas.microsoft.com/office/powerpoint/2015/main" val="1"/>
+              </p:ext>
+            </p:extLst>
+          </p:nvPr>
+        </p:nvGrpSpPr>
+        <p:grpSpPr>
+          <a:xfrm>
+            <a:off x="7942859" y="1679571"/>
+            <a:ext cx="3498864" cy="3498858"/>
+            <a:chOff x="7942859" y="1679571"/>
+            <a:chExt cx="3498864" cy="3498858"/>
+          </a:xfrm>
+        </p:grpSpPr>
+        <p:sp>
+          <p:nvSpPr>
+            <p:cNvPr id="18" name="Oval 17">
+              <a:extLst>
+                <a:ext uri="{FF2B5EF4-FFF2-40B4-BE49-F238E27FC236}">
+                  <a16:creationId xmlns:a16="http://schemas.microsoft.com/office/drawing/2014/main" id="{059D8741-EAD6-41B1-A882-70D70FC35821}"/>
+                </a:ext>
+                <a:ext uri="{C183D7F6-B498-43B3-948B-1728B52AA6E4}">
+                  <adec:decorative xmlns:adec="http://schemas.microsoft.com/office/drawing/2017/decorative" val="1"/>
+                </a:ext>
+              </a:extLst>
+            </p:cNvPr>
+            <p:cNvSpPr/>
+            <p:nvPr>
+              <p:extLst>
+                <p:ext uri="{386F3935-93C4-4BCD-93E2-E3B085C9AB24}">
+                  <p16:designElem xmlns:p16="http://schemas.microsoft.com/office/powerpoint/2015/main" val="1"/>
+                </p:ext>
+              </p:extLst>
+            </p:nvPr>
+          </p:nvSpPr>
+          <p:spPr>
+            <a:xfrm>
+              <a:off x="7942859" y="1679571"/>
+              <a:ext cx="3498864" cy="3498858"/>
+            </a:xfrm>
+            <a:prstGeom prst="ellipse">
+              <a:avLst/>
+            </a:prstGeom>
+            <a:blipFill dpi="0" rotWithShape="1">
+              <a:blip r:embed="rId6">
+                <a:duotone>
+                  <a:schemeClr val="accent1">
+                    <a:shade val="45000"/>
+                    <a:satMod val="135000"/>
+                  </a:schemeClr>
+                  <a:prstClr val="white"/>
+                </a:duotone>
+                <a:extLst>
+                  <a:ext uri="{BEBA8EAE-BF5A-486C-A8C5-ECC9F3942E4B}">
+                    <a14:imgProps xmlns:a14="http://schemas.microsoft.com/office/drawing/2010/main">
+                      <a14:imgLayer r:embed="rId7">
+                        <a14:imgEffect>
+                          <a14:saturation sat="400000"/>
+                        </a14:imgEffect>
+                        <a14:imgEffect>
+                          <a14:brightnessContrast bright="-40000" contrast="40000"/>
+                        </a14:imgEffect>
+                      </a14:imgLayer>
+                    </a14:imgProps>
+                  </a:ext>
+                </a:extLst>
+              </a:blip>
+              <a:srcRect/>
+              <a:tile tx="0" ty="0" sx="85000" sy="85000" flip="none" algn="tl"/>
+            </a:blipFill>
+            <a:ln w="25400" cap="flat" cmpd="sng" algn="ctr">
+              <a:noFill/>
+              <a:prstDash val="solid"/>
+            </a:ln>
+            <a:effectLst/>
+          </p:spPr>
+          <p:txBody>
+            <a:bodyPr lIns="0" tIns="0" rIns="0" bIns="0" rtlCol="0" anchor="ctr"/>
+            <a:lstStyle/>
+            <a:p>
+              <a:pPr marL="0" marR="0" lvl="0" indent="0" algn="ctr" defTabSz="914400" eaLnBrk="1" fontAlgn="auto" latinLnBrk="0" hangingPunct="1">
+                <a:lnSpc>
+                  <a:spcPct val="100000"/>
+                </a:lnSpc>
+                <a:spcBef>
+                  <a:spcPts val="0"/>
+                </a:spcBef>
+                <a:spcAft>
+                  <a:spcPts val="0"/>
+                </a:spcAft>
+                <a:buClrTx/>
+                <a:buSzTx/>
+                <a:buFontTx/>
+                <a:buNone/>
+                <a:tabLst/>
+                <a:defRPr/>
+              </a:pPr>
+              <a:endParaRPr kumimoji="0" lang="en-US" sz="2000" b="0" i="0" u="none" strike="noStrike" kern="0" cap="none" spc="0" normalizeH="0" baseline="0" noProof="0" dirty="0">
+                <a:ln>
+                  <a:noFill/>
+                </a:ln>
+                <a:solidFill>
+                  <a:prstClr val="white"/>
+                </a:solidFill>
+                <a:effectLst/>
+                <a:uLnTx/>
+                <a:uFillTx/>
+                <a:latin typeface="Rockwell Extra Bold" pitchFamily="18" charset="0"/>
+                <a:ea typeface="+mn-ea"/>
+                <a:cs typeface="+mn-cs"/>
+              </a:endParaRPr>
+            </a:p>
+          </p:txBody>
+        </p:sp>
+        <p:sp>
+          <p:nvSpPr>
+            <p:cNvPr id="19" name="Oval 18">
+              <a:extLst>
+                <a:ext uri="{FF2B5EF4-FFF2-40B4-BE49-F238E27FC236}">
+                  <a16:creationId xmlns:a16="http://schemas.microsoft.com/office/drawing/2014/main" id="{45444F36-3103-4D11-A25F-C054D4606DA4}"/>
+                </a:ext>
+                <a:ext uri="{C183D7F6-B498-43B3-948B-1728B52AA6E4}">
+                  <adec:decorative xmlns:adec="http://schemas.microsoft.com/office/drawing/2017/decorative" val="1"/>
+                </a:ext>
+              </a:extLst>
+            </p:cNvPr>
+            <p:cNvSpPr/>
+            <p:nvPr>
+              <p:extLst>
+                <p:ext uri="{386F3935-93C4-4BCD-93E2-E3B085C9AB24}">
+                  <p16:designElem xmlns:p16="http://schemas.microsoft.com/office/powerpoint/2015/main" val="1"/>
+                </p:ext>
+              </p:extLst>
+            </p:nvPr>
+          </p:nvSpPr>
+          <p:spPr>
+            <a:xfrm>
+              <a:off x="8127958" y="1864667"/>
+              <a:ext cx="3128666" cy="3128662"/>
+            </a:xfrm>
+            <a:prstGeom prst="ellipse">
+              <a:avLst/>
+            </a:prstGeom>
+            <a:noFill/>
+            <a:ln w="25400" cap="flat" cmpd="sng" algn="ctr">
+              <a:solidFill>
+                <a:sysClr val="window" lastClr="FFFFFF"/>
+              </a:solidFill>
+              <a:prstDash val="solid"/>
+            </a:ln>
+            <a:effectLst/>
+          </p:spPr>
+          <p:txBody>
+            <a:bodyPr rtlCol="0" anchor="ctr"/>
+            <a:lstStyle/>
+            <a:p>
+              <a:pPr marL="0" marR="0" lvl="0" indent="0" algn="ctr" defTabSz="914400" eaLnBrk="1" fontAlgn="auto" latinLnBrk="0" hangingPunct="1">
+                <a:lnSpc>
+                  <a:spcPct val="100000"/>
+                </a:lnSpc>
+                <a:spcBef>
+                  <a:spcPts val="0"/>
+                </a:spcBef>
+                <a:spcAft>
+                  <a:spcPts val="0"/>
+                </a:spcAft>
+                <a:buClrTx/>
+                <a:buSzTx/>
+                <a:buFontTx/>
+                <a:buNone/>
+                <a:tabLst/>
+                <a:defRPr/>
+              </a:pPr>
+              <a:endParaRPr kumimoji="0" lang="en-US" sz="1800" b="0" i="0" u="none" strike="noStrike" kern="0" cap="none" spc="0" normalizeH="0" baseline="0" noProof="0" dirty="0">
+                <a:ln>
+                  <a:noFill/>
+                </a:ln>
+                <a:solidFill>
+                  <a:prstClr val="white"/>
+                </a:solidFill>
+                <a:effectLst/>
+                <a:uLnTx/>
+                <a:uFillTx/>
+                <a:latin typeface="Calibri"/>
+                <a:ea typeface="+mn-ea"/>
+                <a:cs typeface="+mn-cs"/>
+              </a:endParaRPr>
+            </a:p>
+          </p:txBody>
+        </p:sp>
+      </p:grpSp>
+      <p:sp>
+        <p:nvSpPr>
+          <p:cNvPr id="2" name="Titlu 1">
+            <a:extLst>
+              <a:ext uri="{FF2B5EF4-FFF2-40B4-BE49-F238E27FC236}">
+                <a16:creationId xmlns:a16="http://schemas.microsoft.com/office/drawing/2014/main" id="{B94B73D2-D4BF-7644-E497-0B85B5F8E1DD}"/>
+              </a:ext>
+            </a:extLst>
+          </p:cNvPr>
+          <p:cNvSpPr>
+            <a:spLocks noGrp="1"/>
+          </p:cNvSpPr>
+          <p:nvPr>
+            <p:ph type="title"/>
+          </p:nvPr>
+        </p:nvSpPr>
+        <p:spPr>
+          <a:xfrm>
+            <a:off x="8371968" y="2376862"/>
+            <a:ext cx="2640646" cy="2104273"/>
+          </a:xfrm>
+          <a:noFill/>
+        </p:spPr>
+        <p:txBody>
+          <a:bodyPr vert="horz" lIns="91440" tIns="45720" rIns="91440" bIns="45720" rtlCol="0" anchor="ctr">
+            <a:normAutofit/>
+          </a:bodyPr>
+          <a:lstStyle/>
+          <a:p>
+            <a:pPr algn="ctr"/>
+            <a:r>
+              <a:rPr lang="ro-RO" sz="3200" i="1" dirty="0">
+                <a:solidFill>
+                  <a:schemeClr val="bg1">
+                    <a:shade val="97000"/>
+                    <a:satMod val="150000"/>
+                  </a:schemeClr>
+                </a:solidFill>
+                <a:effectLst>
+                  <a:outerShdw blurRad="38100" dist="38100" dir="2700000" algn="tl">
+                    <a:srgbClr val="000000">
+                      <a:alpha val="43137"/>
+                    </a:srgbClr>
+                  </a:outerShdw>
+                </a:effectLst>
+              </a:rPr>
+              <a:t>Aspecte de îmbunătățit</a:t>
+            </a:r>
+            <a:endParaRPr lang="en-US" sz="3200" i="1" dirty="0">
+              <a:solidFill>
+                <a:schemeClr val="bg1">
+                  <a:shade val="97000"/>
+                  <a:satMod val="150000"/>
+                </a:schemeClr>
+              </a:solidFill>
+              <a:effectLst>
+                <a:outerShdw blurRad="38100" dist="38100" dir="2700000" algn="tl">
+                  <a:srgbClr val="000000">
+                    <a:alpha val="43137"/>
+                  </a:srgbClr>
+                </a:outerShdw>
+              </a:effectLst>
+            </a:endParaRPr>
+          </a:p>
+        </p:txBody>
+      </p:sp>
+      <p:sp>
+        <p:nvSpPr>
+          <p:cNvPr id="4" name="CasetăText 3">
+            <a:extLst>
+              <a:ext uri="{FF2B5EF4-FFF2-40B4-BE49-F238E27FC236}">
+                <a16:creationId xmlns:a16="http://schemas.microsoft.com/office/drawing/2014/main" id="{9FFCD8AD-7B49-B72C-442A-8CC0150B1EBA}"/>
+              </a:ext>
+            </a:extLst>
+          </p:cNvPr>
+          <p:cNvSpPr txBox="1"/>
+          <p:nvPr/>
+        </p:nvSpPr>
+        <p:spPr>
+          <a:xfrm>
+            <a:off x="341186" y="160982"/>
+            <a:ext cx="4216893" cy="523220"/>
+          </a:xfrm>
+          <a:prstGeom prst="rect">
+            <a:avLst/>
+          </a:prstGeom>
+          <a:noFill/>
+        </p:spPr>
+        <p:txBody>
+          <a:bodyPr wrap="square" rtlCol="0">
+            <a:spAutoFit/>
+          </a:bodyPr>
+          <a:lstStyle/>
+          <a:p>
+            <a:r>
+              <a:rPr lang="ro-RO" sz="2800" i="1" u="sng" dirty="0" err="1">
+                <a:effectLst>
+                  <a:outerShdw blurRad="38100" dist="38100" dir="2700000" algn="tl">
+                    <a:srgbClr val="000000">
+                      <a:alpha val="43137"/>
+                    </a:srgbClr>
+                  </a:outerShdw>
+                </a:effectLst>
+              </a:rPr>
+              <a:t>Matioc</a:t>
+            </a:r>
+            <a:r>
+              <a:rPr lang="ro-RO" sz="2800" i="1" u="sng" dirty="0">
+                <a:effectLst>
+                  <a:outerShdw blurRad="38100" dist="38100" dir="2700000" algn="tl">
+                    <a:srgbClr val="000000">
+                      <a:alpha val="43137"/>
+                    </a:srgbClr>
+                  </a:outerShdw>
+                </a:effectLst>
+              </a:rPr>
+              <a:t> Bogdan</a:t>
+            </a:r>
+          </a:p>
+        </p:txBody>
+      </p:sp>
+      <p:sp>
+        <p:nvSpPr>
+          <p:cNvPr id="5" name="CasetăText 4">
+            <a:extLst>
+              <a:ext uri="{FF2B5EF4-FFF2-40B4-BE49-F238E27FC236}">
+                <a16:creationId xmlns:a16="http://schemas.microsoft.com/office/drawing/2014/main" id="{46F33047-DECF-FEFE-14ED-1D85B5528AC9}"/>
+              </a:ext>
+            </a:extLst>
+          </p:cNvPr>
+          <p:cNvSpPr txBox="1"/>
+          <p:nvPr/>
+        </p:nvSpPr>
+        <p:spPr>
+          <a:xfrm>
+            <a:off x="505259" y="2376862"/>
+            <a:ext cx="6364924" cy="1200329"/>
+          </a:xfrm>
+          <a:prstGeom prst="rect">
+            <a:avLst/>
+          </a:prstGeom>
+          <a:noFill/>
+        </p:spPr>
+        <p:txBody>
+          <a:bodyPr wrap="square" rtlCol="0">
+            <a:spAutoFit/>
+          </a:bodyPr>
+          <a:lstStyle/>
+          <a:p>
+            <a:pPr marL="285750" indent="-285750" algn="just">
+              <a:buClr>
+                <a:schemeClr val="accent2"/>
+              </a:buClr>
+              <a:buFont typeface="Wingdings" panose="05000000000000000000" pitchFamily="2" charset="2"/>
+              <a:buChar char="§"/>
+            </a:pPr>
+            <a:r>
+              <a:rPr lang="it-IT" dirty="0"/>
+              <a:t>Definarea mai granulara a taskurilor</a:t>
+            </a:r>
+          </a:p>
+          <a:p>
+            <a:pPr marL="285750" indent="-285750" algn="just">
+              <a:buClr>
+                <a:schemeClr val="accent2"/>
+              </a:buClr>
+              <a:buFont typeface="Wingdings" panose="05000000000000000000" pitchFamily="2" charset="2"/>
+              <a:buChar char="§"/>
+            </a:pPr>
+            <a:endParaRPr lang="it-IT" dirty="0"/>
+          </a:p>
+          <a:p>
+            <a:pPr marL="285750" indent="-285750" algn="just">
+              <a:buClr>
+                <a:schemeClr val="accent2"/>
+              </a:buClr>
+              <a:buFont typeface="Wingdings" panose="05000000000000000000" pitchFamily="2" charset="2"/>
+              <a:buChar char="§"/>
+            </a:pPr>
+            <a:r>
+              <a:rPr lang="it-IT" dirty="0"/>
+              <a:t>Imbunatatire prioritizarii si rezolvarea taskurilor in functie de prioritate</a:t>
+            </a:r>
+            <a:endParaRPr lang="ro-RO" dirty="0"/>
+          </a:p>
+        </p:txBody>
+      </p:sp>
+    </p:spTree>
+    <p:extLst>
+      <p:ext uri="{BB962C8B-B14F-4D97-AF65-F5344CB8AC3E}">
+        <p14:creationId xmlns:p14="http://schemas.microsoft.com/office/powerpoint/2010/main" val="2188626314"/>
+      </p:ext>
+    </p:extLst>
+  </p:cSld>
+  <p:clrMapOvr>
+    <a:masterClrMapping/>
+  </p:clrMapOvr>
+</p:sld>
+</file>
+
+<file path=ppt/slides/slide12.xml><?xml version="1.0" encoding="utf-8"?>
+<p:sld xmlns:a="http://schemas.openxmlformats.org/drawingml/2006/main" xmlns:r="http://schemas.openxmlformats.org/officeDocument/2006/relationships" xmlns:p="http://schemas.openxmlformats.org/presentationml/2006/main">
+  <p:cSld>
+    <p:bg>
+      <p:bgPr>
+        <a:solidFill>
+          <a:schemeClr val="bg1"/>
+        </a:solidFill>
+        <a:effectLst/>
+      </p:bgPr>
+    </p:bg>
+    <p:spTree>
+      <p:nvGrpSpPr>
+        <p:cNvPr id="1" name=""/>
+        <p:cNvGrpSpPr/>
+        <p:nvPr/>
+      </p:nvGrpSpPr>
+      <p:grpSpPr>
+        <a:xfrm>
+          <a:off x="0" y="0"/>
+          <a:ext cx="0" cy="0"/>
+          <a:chOff x="0" y="0"/>
+          <a:chExt cx="0" cy="0"/>
+        </a:xfrm>
+      </p:grpSpPr>
+      <p:grpSp>
+        <p:nvGrpSpPr>
+          <p:cNvPr id="9" name="Group 8">
+            <a:extLst>
+              <a:ext uri="{FF2B5EF4-FFF2-40B4-BE49-F238E27FC236}">
+                <a16:creationId xmlns:a16="http://schemas.microsoft.com/office/drawing/2014/main" id="{132FD491-28F3-42E7-AEBF-A9E3C462C92A}"/>
+              </a:ext>
+              <a:ext uri="{C183D7F6-B498-43B3-948B-1728B52AA6E4}">
+                <adec:decorative xmlns:adec="http://schemas.microsoft.com/office/drawing/2017/decorative" val="1"/>
+              </a:ext>
+            </a:extLst>
+          </p:cNvPr>
+          <p:cNvGrpSpPr>
+            <a:grpSpLocks noGrp="1" noUngrp="1" noRot="1" noChangeAspect="1" noMove="1" noResize="1"/>
+          </p:cNvGrpSpPr>
+          <p:nvPr>
+            <p:extLst>
+              <p:ext uri="{386F3935-93C4-4BCD-93E2-E3B085C9AB24}">
+                <p16:designElem xmlns:p16="http://schemas.microsoft.com/office/powerpoint/2015/main" val="1"/>
+              </p:ext>
+            </p:extLst>
+          </p:nvPr>
+        </p:nvGrpSpPr>
+        <p:grpSpPr>
+          <a:xfrm>
+            <a:off x="11401725" y="6229681"/>
+            <a:ext cx="457200" cy="457200"/>
+            <a:chOff x="11361456" y="6195813"/>
+            <a:chExt cx="548640" cy="548640"/>
+          </a:xfrm>
+        </p:grpSpPr>
+        <p:sp>
+          <p:nvSpPr>
+            <p:cNvPr id="10" name="Oval 9">
+              <a:extLst>
+                <a:ext uri="{FF2B5EF4-FFF2-40B4-BE49-F238E27FC236}">
+                  <a16:creationId xmlns:a16="http://schemas.microsoft.com/office/drawing/2014/main" id="{AD016B6E-F283-4CFB-9099-05C8DA6AB3FB}"/>
+                </a:ext>
+                <a:ext uri="{C183D7F6-B498-43B3-948B-1728B52AA6E4}">
+                  <adec:decorative xmlns:adec="http://schemas.microsoft.com/office/drawing/2017/decorative" val="1"/>
+                </a:ext>
+              </a:extLst>
+            </p:cNvPr>
+            <p:cNvSpPr/>
+            <p:nvPr>
+              <p:extLst>
+                <p:ext uri="{386F3935-93C4-4BCD-93E2-E3B085C9AB24}">
+                  <p16:designElem xmlns:p16="http://schemas.microsoft.com/office/powerpoint/2015/main" val="1"/>
+                </p:ext>
+              </p:extLst>
+            </p:nvPr>
+          </p:nvSpPr>
+          <p:spPr>
+            <a:xfrm>
+              <a:off x="11361456" y="6195813"/>
+              <a:ext cx="548640" cy="548640"/>
+            </a:xfrm>
+            <a:prstGeom prst="ellipse">
+              <a:avLst/>
+            </a:prstGeom>
+            <a:blipFill dpi="0" rotWithShape="1">
+              <a:blip r:embed="rId2">
+                <a:duotone>
+                  <a:schemeClr val="accent1">
+                    <a:shade val="45000"/>
+                    <a:satMod val="135000"/>
+                  </a:schemeClr>
+                  <a:prstClr val="white"/>
+                </a:duotone>
+                <a:extLst>
+                  <a:ext uri="{BEBA8EAE-BF5A-486C-A8C5-ECC9F3942E4B}">
+                    <a14:imgProps xmlns:a14="http://schemas.microsoft.com/office/drawing/2010/main">
+                      <a14:imgLayer r:embed="rId3">
+                        <a14:imgEffect>
+                          <a14:saturation sat="95000"/>
+                        </a14:imgEffect>
+                        <a14:imgEffect>
+                          <a14:brightnessContrast bright="-40000" contrast="20000"/>
+                        </a14:imgEffect>
+                      </a14:imgLayer>
+                    </a14:imgProps>
+                  </a:ext>
+                </a:extLst>
+              </a:blip>
+              <a:srcRect/>
+              <a:tile tx="50800" ty="0" sx="85000" sy="85000" flip="none" algn="tl"/>
+            </a:blipFill>
+            <a:ln w="25400" cap="flat" cmpd="sng" algn="ctr">
+              <a:noFill/>
+              <a:prstDash val="solid"/>
+            </a:ln>
+            <a:effectLst/>
+          </p:spPr>
+        </p:sp>
+        <p:sp>
+          <p:nvSpPr>
+            <p:cNvPr id="11" name="Oval 10">
+              <a:extLst>
+                <a:ext uri="{FF2B5EF4-FFF2-40B4-BE49-F238E27FC236}">
+                  <a16:creationId xmlns:a16="http://schemas.microsoft.com/office/drawing/2014/main" id="{72D0360E-345F-4790-B0A0-03ADC36B5E45}"/>
+                </a:ext>
+                <a:ext uri="{C183D7F6-B498-43B3-948B-1728B52AA6E4}">
+                  <adec:decorative xmlns:adec="http://schemas.microsoft.com/office/drawing/2017/decorative" val="1"/>
+                </a:ext>
+              </a:extLst>
+            </p:cNvPr>
+            <p:cNvSpPr/>
+            <p:nvPr>
+              <p:extLst>
+                <p:ext uri="{386F3935-93C4-4BCD-93E2-E3B085C9AB24}">
+                  <p16:designElem xmlns:p16="http://schemas.microsoft.com/office/powerpoint/2015/main" val="1"/>
+                </p:ext>
+              </p:extLst>
+            </p:nvPr>
+          </p:nvSpPr>
+          <p:spPr>
+            <a:xfrm>
+              <a:off x="11396488" y="6230844"/>
+              <a:ext cx="478576" cy="478578"/>
+            </a:xfrm>
+            <a:prstGeom prst="ellipse">
+              <a:avLst/>
+            </a:prstGeom>
+            <a:noFill/>
+            <a:ln w="12700" cap="flat" cmpd="sng" algn="ctr">
+              <a:solidFill>
+                <a:srgbClr val="FFFFFF"/>
+              </a:solidFill>
+              <a:prstDash val="solid"/>
+            </a:ln>
+            <a:effectLst/>
+          </p:spPr>
+        </p:sp>
+      </p:grpSp>
+      <p:sp useBgFill="1">
+        <p:nvSpPr>
+          <p:cNvPr id="13" name="Rectangle 12">
+            <a:extLst>
+              <a:ext uri="{FF2B5EF4-FFF2-40B4-BE49-F238E27FC236}">
+                <a16:creationId xmlns:a16="http://schemas.microsoft.com/office/drawing/2014/main" id="{5118BA95-03E7-41B7-B442-0AF8C0A7FF68}"/>
+              </a:ext>
+              <a:ext uri="{C183D7F6-B498-43B3-948B-1728B52AA6E4}">
+                <adec:decorative xmlns:adec="http://schemas.microsoft.com/office/drawing/2017/decorative" val="1"/>
+              </a:ext>
+            </a:extLst>
+          </p:cNvPr>
+          <p:cNvSpPr>
+            <a:spLocks noGrp="1" noRot="1" noChangeAspect="1" noMove="1" noResize="1" noEditPoints="1" noAdjustHandles="1" noChangeArrowheads="1" noChangeShapeType="1" noTextEdit="1"/>
+          </p:cNvSpPr>
+          <p:nvPr>
+            <p:extLst>
+              <p:ext uri="{386F3935-93C4-4BCD-93E2-E3B085C9AB24}">
+                <p16:designElem xmlns:p16="http://schemas.microsoft.com/office/powerpoint/2015/main" val="1"/>
+              </p:ext>
+            </p:extLst>
+          </p:nvPr>
+        </p:nvSpPr>
+        <p:spPr bwMode="white">
+          <a:xfrm>
+            <a:off x="0" y="0"/>
+            <a:ext cx="12188952" cy="6858001"/>
+          </a:xfrm>
+          <a:prstGeom prst="rect">
+            <a:avLst/>
+          </a:prstGeom>
+          <a:ln>
+            <a:noFill/>
+          </a:ln>
+        </p:spPr>
+        <p:style>
+          <a:lnRef idx="2">
+            <a:schemeClr val="accent1">
+              <a:shade val="50000"/>
+            </a:schemeClr>
+          </a:lnRef>
+          <a:fillRef idx="1">
+            <a:schemeClr val="accent1"/>
+          </a:fillRef>
+          <a:effectRef idx="0">
+            <a:schemeClr val="accent1"/>
+          </a:effectRef>
+          <a:fontRef idx="minor">
+            <a:schemeClr val="lt1"/>
+          </a:fontRef>
+        </p:style>
+        <p:txBody>
+          <a:bodyPr rot="0" spcFirstLastPara="0" vert="horz" wrap="square" lIns="91440" tIns="45720" rIns="91440" bIns="45720" numCol="1" spcCol="0" rtlCol="0" fromWordArt="0" anchor="ctr" anchorCtr="0" forceAA="0" compatLnSpc="1">
+            <a:prstTxWarp prst="textNoShape">
+              <a:avLst/>
+            </a:prstTxWarp>
+            <a:noAutofit/>
+          </a:bodyPr>
+          <a:lstStyle>
+            <a:defPPr>
+              <a:defRPr lang="en-US"/>
+            </a:defPPr>
+            <a:lvl1pPr marL="0" algn="l" defTabSz="914400" rtl="0" eaLnBrk="1" latinLnBrk="0" hangingPunct="1">
+              <a:defRPr sz="1800" kern="1200">
+                <a:solidFill>
+                  <a:schemeClr val="lt1"/>
+                </a:solidFill>
+                <a:latin typeface="+mn-lt"/>
+                <a:ea typeface="+mn-ea"/>
+                <a:cs typeface="+mn-cs"/>
+              </a:defRPr>
+            </a:lvl1pPr>
+            <a:lvl2pPr marL="457200" algn="l" defTabSz="914400" rtl="0" eaLnBrk="1" latinLnBrk="0" hangingPunct="1">
+              <a:defRPr sz="1800" kern="1200">
+                <a:solidFill>
+                  <a:schemeClr val="lt1"/>
+                </a:solidFill>
+                <a:latin typeface="+mn-lt"/>
+                <a:ea typeface="+mn-ea"/>
+                <a:cs typeface="+mn-cs"/>
+              </a:defRPr>
+            </a:lvl2pPr>
+            <a:lvl3pPr marL="914400" algn="l" defTabSz="914400" rtl="0" eaLnBrk="1" latinLnBrk="0" hangingPunct="1">
+              <a:defRPr sz="1800" kern="1200">
+                <a:solidFill>
+                  <a:schemeClr val="lt1"/>
+                </a:solidFill>
+                <a:latin typeface="+mn-lt"/>
+                <a:ea typeface="+mn-ea"/>
+                <a:cs typeface="+mn-cs"/>
+              </a:defRPr>
+            </a:lvl3pPr>
+            <a:lvl4pPr marL="1371600" algn="l" defTabSz="914400" rtl="0" eaLnBrk="1" latinLnBrk="0" hangingPunct="1">
+              <a:defRPr sz="1800" kern="1200">
+                <a:solidFill>
+                  <a:schemeClr val="lt1"/>
+                </a:solidFill>
+                <a:latin typeface="+mn-lt"/>
+                <a:ea typeface="+mn-ea"/>
+                <a:cs typeface="+mn-cs"/>
+              </a:defRPr>
+            </a:lvl4pPr>
+            <a:lvl5pPr marL="1828800" algn="l" defTabSz="914400" rtl="0" eaLnBrk="1" latinLnBrk="0" hangingPunct="1">
+              <a:defRPr sz="1800" kern="1200">
+                <a:solidFill>
+                  <a:schemeClr val="lt1"/>
+                </a:solidFill>
+                <a:latin typeface="+mn-lt"/>
+                <a:ea typeface="+mn-ea"/>
+                <a:cs typeface="+mn-cs"/>
+              </a:defRPr>
+            </a:lvl5pPr>
+            <a:lvl6pPr marL="2286000" algn="l" defTabSz="914400" rtl="0" eaLnBrk="1" latinLnBrk="0" hangingPunct="1">
+              <a:defRPr sz="1800" kern="1200">
+                <a:solidFill>
+                  <a:schemeClr val="lt1"/>
+                </a:solidFill>
+                <a:latin typeface="+mn-lt"/>
+                <a:ea typeface="+mn-ea"/>
+                <a:cs typeface="+mn-cs"/>
+              </a:defRPr>
+            </a:lvl6pPr>
+            <a:lvl7pPr marL="2743200" algn="l" defTabSz="914400" rtl="0" eaLnBrk="1" latinLnBrk="0" hangingPunct="1">
+              <a:defRPr sz="1800" kern="1200">
+                <a:solidFill>
+                  <a:schemeClr val="lt1"/>
+                </a:solidFill>
+                <a:latin typeface="+mn-lt"/>
+                <a:ea typeface="+mn-ea"/>
+                <a:cs typeface="+mn-cs"/>
+              </a:defRPr>
+            </a:lvl7pPr>
+            <a:lvl8pPr marL="3200400" algn="l" defTabSz="914400" rtl="0" eaLnBrk="1" latinLnBrk="0" hangingPunct="1">
+              <a:defRPr sz="1800" kern="1200">
+                <a:solidFill>
+                  <a:schemeClr val="lt1"/>
+                </a:solidFill>
+                <a:latin typeface="+mn-lt"/>
+                <a:ea typeface="+mn-ea"/>
+                <a:cs typeface="+mn-cs"/>
+              </a:defRPr>
+            </a:lvl8pPr>
+            <a:lvl9pPr marL="3657600" algn="l" defTabSz="914400" rtl="0" eaLnBrk="1" latinLnBrk="0" hangingPunct="1">
+              <a:defRPr sz="1800" kern="1200">
+                <a:solidFill>
+                  <a:schemeClr val="lt1"/>
+                </a:solidFill>
+                <a:latin typeface="+mn-lt"/>
+                <a:ea typeface="+mn-ea"/>
+                <a:cs typeface="+mn-cs"/>
+              </a:defRPr>
+            </a:lvl9pPr>
+          </a:lstStyle>
+          <a:p>
+            <a:pPr algn="ctr"/>
+            <a:endParaRPr lang="en-US"/>
+          </a:p>
+        </p:txBody>
+      </p:sp>
+      <p:sp>
+        <p:nvSpPr>
+          <p:cNvPr id="3" name="CasetăText 2">
+            <a:extLst>
+              <a:ext uri="{FF2B5EF4-FFF2-40B4-BE49-F238E27FC236}">
+                <a16:creationId xmlns:a16="http://schemas.microsoft.com/office/drawing/2014/main" id="{F7FD7598-B4B7-6151-490A-5223DDEF00E0}"/>
+              </a:ext>
+            </a:extLst>
+          </p:cNvPr>
+          <p:cNvSpPr txBox="1"/>
+          <p:nvPr/>
+        </p:nvSpPr>
+        <p:spPr>
+          <a:xfrm>
+            <a:off x="46322" y="836928"/>
+            <a:ext cx="7207114" cy="4941465"/>
+          </a:xfrm>
+          <a:prstGeom prst="rect">
+            <a:avLst/>
+          </a:prstGeom>
+        </p:spPr>
+        <p:txBody>
+          <a:bodyPr vert="horz" lIns="91440" tIns="45720" rIns="91440" bIns="45720" rtlCol="0" anchor="ctr">
+            <a:normAutofit/>
+          </a:bodyPr>
+          <a:lstStyle/>
+          <a:p>
+            <a:pPr marL="388620" indent="-285750" algn="just" defTabSz="914400">
+              <a:lnSpc>
+                <a:spcPct val="90000"/>
+              </a:lnSpc>
+              <a:spcAft>
+                <a:spcPts val="600"/>
+              </a:spcAft>
+              <a:buClr>
+                <a:schemeClr val="accent1">
+                  <a:lumMod val="75000"/>
+                </a:schemeClr>
+              </a:buClr>
+              <a:buSzPct val="85000"/>
+              <a:buFont typeface="Wingdings" panose="05000000000000000000" pitchFamily="2" charset="2"/>
+              <a:buChar char="§"/>
+            </a:pPr>
+            <a:r>
+              <a:rPr lang="ro-RO" dirty="0"/>
+              <a:t>Faptul că majoritatea task-urilor au fost rezolvate cu 3-4 zile înainte de </a:t>
+            </a:r>
+            <a:r>
+              <a:rPr lang="ro-RO" dirty="0" err="1"/>
+              <a:t>demo</a:t>
+            </a:r>
+            <a:r>
+              <a:rPr lang="ro-RO" dirty="0"/>
+              <a:t> și de cele mai multe ori destul de târziu, lucru care a condus la foarte mult cod într-o perioadă scurtă de timp.</a:t>
+            </a:r>
+            <a:endParaRPr lang="en-US" dirty="0"/>
+          </a:p>
+          <a:p>
+            <a:pPr marL="388620" indent="-285750" algn="just" defTabSz="914400">
+              <a:lnSpc>
+                <a:spcPct val="90000"/>
+              </a:lnSpc>
+              <a:spcAft>
+                <a:spcPts val="600"/>
+              </a:spcAft>
+              <a:buClr>
+                <a:schemeClr val="accent1">
+                  <a:lumMod val="75000"/>
+                </a:schemeClr>
+              </a:buClr>
+              <a:buSzPct val="85000"/>
+              <a:buFont typeface="Wingdings" panose="05000000000000000000" pitchFamily="2" charset="2"/>
+              <a:buChar char="§"/>
+            </a:pPr>
+            <a:endParaRPr lang="en-US" dirty="0"/>
+          </a:p>
+          <a:p>
+            <a:pPr marL="388620" indent="-285750" algn="just" defTabSz="914400">
+              <a:lnSpc>
+                <a:spcPct val="90000"/>
+              </a:lnSpc>
+              <a:spcAft>
+                <a:spcPts val="600"/>
+              </a:spcAft>
+              <a:buClr>
+                <a:schemeClr val="accent1">
+                  <a:lumMod val="75000"/>
+                </a:schemeClr>
+              </a:buClr>
+              <a:buSzPct val="85000"/>
+              <a:buFont typeface="Wingdings" panose="05000000000000000000" pitchFamily="2" charset="2"/>
+              <a:buChar char="§"/>
+            </a:pPr>
+            <a:r>
+              <a:rPr lang="en-US" dirty="0" err="1"/>
+              <a:t>Timpul</a:t>
+            </a:r>
+            <a:r>
+              <a:rPr lang="en-US" dirty="0"/>
+              <a:t> de a</a:t>
+            </a:r>
+            <a:r>
+              <a:rPr lang="ro-RO" dirty="0" err="1"/>
+              <a:t>șteptare</a:t>
+            </a:r>
+            <a:r>
+              <a:rPr lang="ro-RO" dirty="0"/>
+              <a:t> să am la ce face </a:t>
+            </a:r>
+            <a:r>
+              <a:rPr lang="ro-RO" dirty="0" err="1"/>
+              <a:t>review</a:t>
+            </a:r>
+            <a:r>
+              <a:rPr lang="ro-RO" dirty="0"/>
+              <a:t> a fost prea mare.</a:t>
+            </a:r>
+          </a:p>
+          <a:p>
+            <a:pPr marL="102870" algn="just" defTabSz="914400">
+              <a:lnSpc>
+                <a:spcPct val="90000"/>
+              </a:lnSpc>
+              <a:spcAft>
+                <a:spcPts val="600"/>
+              </a:spcAft>
+              <a:buClr>
+                <a:schemeClr val="accent1">
+                  <a:lumMod val="75000"/>
+                </a:schemeClr>
+              </a:buClr>
+              <a:buSzPct val="85000"/>
+            </a:pPr>
+            <a:endParaRPr lang="ro-RO" dirty="0"/>
+          </a:p>
+        </p:txBody>
+      </p:sp>
+      <p:sp>
+        <p:nvSpPr>
+          <p:cNvPr id="15" name="Rectangle 14">
+            <a:extLst>
+              <a:ext uri="{FF2B5EF4-FFF2-40B4-BE49-F238E27FC236}">
+                <a16:creationId xmlns:a16="http://schemas.microsoft.com/office/drawing/2014/main" id="{AD9B3EAD-A2B3-42C4-927C-3455E3E69EE6}"/>
+              </a:ext>
+              <a:ext uri="{C183D7F6-B498-43B3-948B-1728B52AA6E4}">
+                <adec:decorative xmlns:adec="http://schemas.microsoft.com/office/drawing/2017/decorative" val="1"/>
+              </a:ext>
+            </a:extLst>
+          </p:cNvPr>
+          <p:cNvSpPr>
+            <a:spLocks noGrp="1" noRot="1" noChangeAspect="1" noMove="1" noResize="1" noEditPoints="1" noAdjustHandles="1" noChangeArrowheads="1" noChangeShapeType="1" noTextEdit="1"/>
+          </p:cNvSpPr>
+          <p:nvPr>
+            <p:extLst>
+              <p:ext uri="{386F3935-93C4-4BCD-93E2-E3B085C9AB24}">
+                <p16:designElem xmlns:p16="http://schemas.microsoft.com/office/powerpoint/2015/main" val="1"/>
+              </p:ext>
+            </p:extLst>
+          </p:nvPr>
+        </p:nvSpPr>
+        <p:spPr>
+          <a:xfrm rot="5400000">
+            <a:off x="5586983" y="3388659"/>
+            <a:ext cx="3657600" cy="80683"/>
+          </a:xfrm>
+          <a:prstGeom prst="rect">
+            <a:avLst/>
+          </a:prstGeom>
+          <a:blipFill dpi="0" rotWithShape="1">
+            <a:blip r:embed="rId4">
+              <a:alphaModFix amt="85000"/>
+              <a:lum bright="70000" contrast="-70000"/>
+              <a:extLst>
+                <a:ext uri="{BEBA8EAE-BF5A-486C-A8C5-ECC9F3942E4B}">
+                  <a14:imgProps xmlns:a14="http://schemas.microsoft.com/office/drawing/2010/main">
+                    <a14:imgLayer r:embed="rId5">
+                      <a14:imgEffect>
+                        <a14:sharpenSoften amount="61000"/>
+                      </a14:imgEffect>
+                    </a14:imgLayer>
+                  </a14:imgProps>
+                </a:ext>
+                <a:ext uri="{28A0092B-C50C-407E-A947-70E740481C1C}">
+                  <a14:useLocalDpi xmlns:a14="http://schemas.microsoft.com/office/drawing/2010/main" val="0"/>
+                </a:ext>
+              </a:extLst>
+            </a:blip>
+            <a:srcRect/>
+            <a:tile tx="0" ty="-717550" sx="92000" sy="89000" flip="xy" algn="ctr"/>
+          </a:blipFill>
+          <a:ln>
+            <a:noFill/>
+          </a:ln>
+        </p:spPr>
+        <p:style>
+          <a:lnRef idx="2">
+            <a:schemeClr val="accent1">
+              <a:shade val="50000"/>
+            </a:schemeClr>
+          </a:lnRef>
+          <a:fillRef idx="1">
+            <a:schemeClr val="accent1"/>
+          </a:fillRef>
+          <a:effectRef idx="0">
+            <a:schemeClr val="accent1"/>
+          </a:effectRef>
+          <a:fontRef idx="minor">
+            <a:schemeClr val="lt1"/>
+          </a:fontRef>
+        </p:style>
+      </p:sp>
+      <p:grpSp>
+        <p:nvGrpSpPr>
+          <p:cNvPr id="17" name="Group 16">
+            <a:extLst>
+              <a:ext uri="{FF2B5EF4-FFF2-40B4-BE49-F238E27FC236}">
+                <a16:creationId xmlns:a16="http://schemas.microsoft.com/office/drawing/2014/main" id="{4BF9B298-BC35-4C0F-8301-5D63A1E6D281}"/>
+              </a:ext>
+              <a:ext uri="{C183D7F6-B498-43B3-948B-1728B52AA6E4}">
+                <adec:decorative xmlns:adec="http://schemas.microsoft.com/office/drawing/2017/decorative" val="1"/>
+              </a:ext>
+            </a:extLst>
+          </p:cNvPr>
+          <p:cNvGrpSpPr>
+            <a:grpSpLocks noGrp="1" noUngrp="1" noRot="1" noChangeAspect="1" noMove="1" noResize="1"/>
+          </p:cNvGrpSpPr>
+          <p:nvPr>
+            <p:extLst>
+              <p:ext uri="{386F3935-93C4-4BCD-93E2-E3B085C9AB24}">
+                <p16:designElem xmlns:p16="http://schemas.microsoft.com/office/powerpoint/2015/main" val="1"/>
+              </p:ext>
+            </p:extLst>
+          </p:nvPr>
+        </p:nvGrpSpPr>
+        <p:grpSpPr>
+          <a:xfrm>
+            <a:off x="7942859" y="1679571"/>
+            <a:ext cx="3498864" cy="3498858"/>
+            <a:chOff x="7942859" y="1679571"/>
+            <a:chExt cx="3498864" cy="3498858"/>
+          </a:xfrm>
+        </p:grpSpPr>
+        <p:sp>
+          <p:nvSpPr>
+            <p:cNvPr id="18" name="Oval 17">
+              <a:extLst>
+                <a:ext uri="{FF2B5EF4-FFF2-40B4-BE49-F238E27FC236}">
+                  <a16:creationId xmlns:a16="http://schemas.microsoft.com/office/drawing/2014/main" id="{059D8741-EAD6-41B1-A882-70D70FC35821}"/>
+                </a:ext>
+                <a:ext uri="{C183D7F6-B498-43B3-948B-1728B52AA6E4}">
+                  <adec:decorative xmlns:adec="http://schemas.microsoft.com/office/drawing/2017/decorative" val="1"/>
+                </a:ext>
+              </a:extLst>
+            </p:cNvPr>
+            <p:cNvSpPr/>
+            <p:nvPr>
+              <p:extLst>
+                <p:ext uri="{386F3935-93C4-4BCD-93E2-E3B085C9AB24}">
+                  <p16:designElem xmlns:p16="http://schemas.microsoft.com/office/powerpoint/2015/main" val="1"/>
+                </p:ext>
+              </p:extLst>
+            </p:nvPr>
+          </p:nvSpPr>
+          <p:spPr>
+            <a:xfrm>
+              <a:off x="7942859" y="1679571"/>
+              <a:ext cx="3498864" cy="3498858"/>
+            </a:xfrm>
+            <a:prstGeom prst="ellipse">
+              <a:avLst/>
+            </a:prstGeom>
+            <a:blipFill dpi="0" rotWithShape="1">
+              <a:blip r:embed="rId6">
+                <a:duotone>
+                  <a:schemeClr val="accent1">
+                    <a:shade val="45000"/>
+                    <a:satMod val="135000"/>
+                  </a:schemeClr>
+                  <a:prstClr val="white"/>
+                </a:duotone>
+                <a:extLst>
+                  <a:ext uri="{BEBA8EAE-BF5A-486C-A8C5-ECC9F3942E4B}">
+                    <a14:imgProps xmlns:a14="http://schemas.microsoft.com/office/drawing/2010/main">
+                      <a14:imgLayer r:embed="rId7">
+                        <a14:imgEffect>
+                          <a14:saturation sat="400000"/>
+                        </a14:imgEffect>
+                        <a14:imgEffect>
+                          <a14:brightnessContrast bright="-40000" contrast="40000"/>
+                        </a14:imgEffect>
+                      </a14:imgLayer>
+                    </a14:imgProps>
+                  </a:ext>
+                </a:extLst>
+              </a:blip>
+              <a:srcRect/>
+              <a:tile tx="0" ty="0" sx="85000" sy="85000" flip="none" algn="tl"/>
+            </a:blipFill>
+            <a:ln w="25400" cap="flat" cmpd="sng" algn="ctr">
+              <a:noFill/>
+              <a:prstDash val="solid"/>
+            </a:ln>
+            <a:effectLst/>
+          </p:spPr>
+          <p:txBody>
+            <a:bodyPr lIns="0" tIns="0" rIns="0" bIns="0" rtlCol="0" anchor="ctr"/>
+            <a:lstStyle/>
+            <a:p>
+              <a:pPr marL="0" marR="0" lvl="0" indent="0" algn="ctr" defTabSz="914400" eaLnBrk="1" fontAlgn="auto" latinLnBrk="0" hangingPunct="1">
+                <a:lnSpc>
+                  <a:spcPct val="100000"/>
+                </a:lnSpc>
+                <a:spcBef>
+                  <a:spcPts val="0"/>
+                </a:spcBef>
+                <a:spcAft>
+                  <a:spcPts val="0"/>
+                </a:spcAft>
+                <a:buClrTx/>
+                <a:buSzTx/>
+                <a:buFontTx/>
+                <a:buNone/>
+                <a:tabLst/>
+                <a:defRPr/>
+              </a:pPr>
+              <a:endParaRPr kumimoji="0" lang="en-US" sz="2000" b="0" i="0" u="none" strike="noStrike" kern="0" cap="none" spc="0" normalizeH="0" baseline="0" noProof="0" dirty="0">
+                <a:ln>
+                  <a:noFill/>
+                </a:ln>
+                <a:solidFill>
+                  <a:prstClr val="white"/>
+                </a:solidFill>
+                <a:effectLst/>
+                <a:uLnTx/>
+                <a:uFillTx/>
+                <a:latin typeface="Rockwell Extra Bold" pitchFamily="18" charset="0"/>
+                <a:ea typeface="+mn-ea"/>
+                <a:cs typeface="+mn-cs"/>
+              </a:endParaRPr>
+            </a:p>
+          </p:txBody>
+        </p:sp>
+        <p:sp>
+          <p:nvSpPr>
+            <p:cNvPr id="19" name="Oval 18">
+              <a:extLst>
+                <a:ext uri="{FF2B5EF4-FFF2-40B4-BE49-F238E27FC236}">
+                  <a16:creationId xmlns:a16="http://schemas.microsoft.com/office/drawing/2014/main" id="{45444F36-3103-4D11-A25F-C054D4606DA4}"/>
+                </a:ext>
+                <a:ext uri="{C183D7F6-B498-43B3-948B-1728B52AA6E4}">
+                  <adec:decorative xmlns:adec="http://schemas.microsoft.com/office/drawing/2017/decorative" val="1"/>
+                </a:ext>
+              </a:extLst>
+            </p:cNvPr>
+            <p:cNvSpPr/>
+            <p:nvPr>
+              <p:extLst>
+                <p:ext uri="{386F3935-93C4-4BCD-93E2-E3B085C9AB24}">
+                  <p16:designElem xmlns:p16="http://schemas.microsoft.com/office/powerpoint/2015/main" val="1"/>
+                </p:ext>
+              </p:extLst>
+            </p:nvPr>
+          </p:nvSpPr>
+          <p:spPr>
+            <a:xfrm>
+              <a:off x="8127958" y="1864667"/>
+              <a:ext cx="3128666" cy="3128662"/>
+            </a:xfrm>
+            <a:prstGeom prst="ellipse">
+              <a:avLst/>
+            </a:prstGeom>
+            <a:noFill/>
+            <a:ln w="25400" cap="flat" cmpd="sng" algn="ctr">
+              <a:solidFill>
+                <a:sysClr val="window" lastClr="FFFFFF"/>
+              </a:solidFill>
+              <a:prstDash val="solid"/>
+            </a:ln>
+            <a:effectLst/>
+          </p:spPr>
+          <p:txBody>
+            <a:bodyPr rtlCol="0" anchor="ctr"/>
+            <a:lstStyle/>
+            <a:p>
+              <a:pPr marL="0" marR="0" lvl="0" indent="0" algn="ctr" defTabSz="914400" eaLnBrk="1" fontAlgn="auto" latinLnBrk="0" hangingPunct="1">
+                <a:lnSpc>
+                  <a:spcPct val="100000"/>
+                </a:lnSpc>
+                <a:spcBef>
+                  <a:spcPts val="0"/>
+                </a:spcBef>
+                <a:spcAft>
+                  <a:spcPts val="0"/>
+                </a:spcAft>
+                <a:buClrTx/>
+                <a:buSzTx/>
+                <a:buFontTx/>
+                <a:buNone/>
+                <a:tabLst/>
+                <a:defRPr/>
+              </a:pPr>
+              <a:endParaRPr kumimoji="0" lang="en-US" sz="1800" b="0" i="0" u="none" strike="noStrike" kern="0" cap="none" spc="0" normalizeH="0" baseline="0" noProof="0" dirty="0">
+                <a:ln>
+                  <a:noFill/>
+                </a:ln>
+                <a:solidFill>
+                  <a:prstClr val="white"/>
+                </a:solidFill>
+                <a:effectLst/>
+                <a:uLnTx/>
+                <a:uFillTx/>
+                <a:latin typeface="Calibri"/>
+                <a:ea typeface="+mn-ea"/>
+                <a:cs typeface="+mn-cs"/>
+              </a:endParaRPr>
+            </a:p>
+          </p:txBody>
+        </p:sp>
+      </p:grpSp>
+      <p:sp>
+        <p:nvSpPr>
+          <p:cNvPr id="2" name="Titlu 1">
+            <a:extLst>
+              <a:ext uri="{FF2B5EF4-FFF2-40B4-BE49-F238E27FC236}">
+                <a16:creationId xmlns:a16="http://schemas.microsoft.com/office/drawing/2014/main" id="{B94B73D2-D4BF-7644-E497-0B85B5F8E1DD}"/>
+              </a:ext>
+            </a:extLst>
+          </p:cNvPr>
+          <p:cNvSpPr>
+            <a:spLocks noGrp="1"/>
+          </p:cNvSpPr>
+          <p:nvPr>
+            <p:ph type="title"/>
+          </p:nvPr>
+        </p:nvSpPr>
+        <p:spPr>
+          <a:xfrm>
+            <a:off x="8371968" y="2376862"/>
+            <a:ext cx="2640646" cy="2104273"/>
+          </a:xfrm>
+          <a:noFill/>
+        </p:spPr>
+        <p:txBody>
+          <a:bodyPr vert="horz" lIns="91440" tIns="45720" rIns="91440" bIns="45720" rtlCol="0" anchor="ctr">
+            <a:normAutofit/>
+          </a:bodyPr>
+          <a:lstStyle/>
+          <a:p>
+            <a:pPr algn="ctr"/>
+            <a:r>
+              <a:rPr lang="ro-RO" sz="3200" i="1" dirty="0">
+                <a:solidFill>
+                  <a:schemeClr val="bg1">
+                    <a:shade val="97000"/>
+                    <a:satMod val="150000"/>
+                  </a:schemeClr>
+                </a:solidFill>
+                <a:effectLst>
+                  <a:outerShdw blurRad="38100" dist="38100" dir="2700000" algn="tl">
+                    <a:srgbClr val="000000">
+                      <a:alpha val="43137"/>
+                    </a:srgbClr>
+                  </a:outerShdw>
+                </a:effectLst>
+              </a:rPr>
+              <a:t>PROBLEME ÎNTÂMPINATE</a:t>
+            </a:r>
+            <a:endParaRPr lang="en-US" sz="3200" i="1" dirty="0">
+              <a:solidFill>
+                <a:schemeClr val="bg1">
+                  <a:shade val="97000"/>
+                  <a:satMod val="150000"/>
+                </a:schemeClr>
+              </a:solidFill>
+              <a:effectLst>
+                <a:outerShdw blurRad="38100" dist="38100" dir="2700000" algn="tl">
+                  <a:srgbClr val="000000">
+                    <a:alpha val="43137"/>
+                  </a:srgbClr>
+                </a:outerShdw>
+              </a:effectLst>
+            </a:endParaRPr>
+          </a:p>
+        </p:txBody>
+      </p:sp>
+      <p:sp>
+        <p:nvSpPr>
+          <p:cNvPr id="4" name="CasetăText 3">
+            <a:extLst>
+              <a:ext uri="{FF2B5EF4-FFF2-40B4-BE49-F238E27FC236}">
+                <a16:creationId xmlns:a16="http://schemas.microsoft.com/office/drawing/2014/main" id="{9FFCD8AD-7B49-B72C-442A-8CC0150B1EBA}"/>
+              </a:ext>
+            </a:extLst>
+          </p:cNvPr>
+          <p:cNvSpPr txBox="1"/>
+          <p:nvPr/>
+        </p:nvSpPr>
+        <p:spPr>
+          <a:xfrm>
+            <a:off x="249011" y="160982"/>
+            <a:ext cx="4216893" cy="523220"/>
+          </a:xfrm>
+          <a:prstGeom prst="rect">
+            <a:avLst/>
+          </a:prstGeom>
+          <a:noFill/>
+        </p:spPr>
+        <p:txBody>
+          <a:bodyPr wrap="square" rtlCol="0">
+            <a:spAutoFit/>
+          </a:bodyPr>
+          <a:lstStyle/>
+          <a:p>
+            <a:r>
+              <a:rPr lang="ro-RO" sz="2800" i="1" u="sng" dirty="0">
+                <a:effectLst>
+                  <a:outerShdw blurRad="38100" dist="38100" dir="2700000" algn="tl">
+                    <a:srgbClr val="000000">
+                      <a:alpha val="43137"/>
+                    </a:srgbClr>
+                  </a:outerShdw>
+                </a:effectLst>
+              </a:rPr>
+              <a:t>Stoica Daniela</a:t>
+            </a:r>
+          </a:p>
+        </p:txBody>
+      </p:sp>
+    </p:spTree>
+    <p:extLst>
+      <p:ext uri="{BB962C8B-B14F-4D97-AF65-F5344CB8AC3E}">
+        <p14:creationId xmlns:p14="http://schemas.microsoft.com/office/powerpoint/2010/main" val="2001324649"/>
+      </p:ext>
+    </p:extLst>
+  </p:cSld>
+  <p:clrMapOvr>
+    <a:masterClrMapping/>
+  </p:clrMapOvr>
+</p:sld>
+</file>
+
+<file path=ppt/slides/slide13.xml><?xml version="1.0" encoding="utf-8"?>
+<p:sld xmlns:a="http://schemas.openxmlformats.org/drawingml/2006/main" xmlns:r="http://schemas.openxmlformats.org/officeDocument/2006/relationships" xmlns:p="http://schemas.openxmlformats.org/presentationml/2006/main">
+  <p:cSld>
+    <p:bg>
+      <p:bgPr>
+        <a:solidFill>
+          <a:schemeClr val="bg1"/>
+        </a:solidFill>
+        <a:effectLst/>
+      </p:bgPr>
+    </p:bg>
+    <p:spTree>
+      <p:nvGrpSpPr>
+        <p:cNvPr id="1" name=""/>
+        <p:cNvGrpSpPr/>
+        <p:nvPr/>
+      </p:nvGrpSpPr>
+      <p:grpSpPr>
+        <a:xfrm>
+          <a:off x="0" y="0"/>
+          <a:ext cx="0" cy="0"/>
+          <a:chOff x="0" y="0"/>
+          <a:chExt cx="0" cy="0"/>
+        </a:xfrm>
+      </p:grpSpPr>
+      <p:grpSp>
+        <p:nvGrpSpPr>
+          <p:cNvPr id="9" name="Group 8">
+            <a:extLst>
+              <a:ext uri="{FF2B5EF4-FFF2-40B4-BE49-F238E27FC236}">
+                <a16:creationId xmlns:a16="http://schemas.microsoft.com/office/drawing/2014/main" id="{132FD491-28F3-42E7-AEBF-A9E3C462C92A}"/>
+              </a:ext>
+              <a:ext uri="{C183D7F6-B498-43B3-948B-1728B52AA6E4}">
+                <adec:decorative xmlns:adec="http://schemas.microsoft.com/office/drawing/2017/decorative" val="1"/>
+              </a:ext>
+            </a:extLst>
+          </p:cNvPr>
+          <p:cNvGrpSpPr>
+            <a:grpSpLocks noGrp="1" noUngrp="1" noRot="1" noChangeAspect="1" noMove="1" noResize="1"/>
+          </p:cNvGrpSpPr>
+          <p:nvPr>
+            <p:extLst>
+              <p:ext uri="{386F3935-93C4-4BCD-93E2-E3B085C9AB24}">
+                <p16:designElem xmlns:p16="http://schemas.microsoft.com/office/powerpoint/2015/main" val="1"/>
+              </p:ext>
+            </p:extLst>
+          </p:nvPr>
+        </p:nvGrpSpPr>
+        <p:grpSpPr>
+          <a:xfrm>
+            <a:off x="11401725" y="6229681"/>
+            <a:ext cx="457200" cy="457200"/>
+            <a:chOff x="11361456" y="6195813"/>
+            <a:chExt cx="548640" cy="548640"/>
+          </a:xfrm>
+        </p:grpSpPr>
+        <p:sp>
+          <p:nvSpPr>
+            <p:cNvPr id="10" name="Oval 9">
+              <a:extLst>
+                <a:ext uri="{FF2B5EF4-FFF2-40B4-BE49-F238E27FC236}">
+                  <a16:creationId xmlns:a16="http://schemas.microsoft.com/office/drawing/2014/main" id="{AD016B6E-F283-4CFB-9099-05C8DA6AB3FB}"/>
+                </a:ext>
+                <a:ext uri="{C183D7F6-B498-43B3-948B-1728B52AA6E4}">
+                  <adec:decorative xmlns:adec="http://schemas.microsoft.com/office/drawing/2017/decorative" val="1"/>
+                </a:ext>
+              </a:extLst>
+            </p:cNvPr>
+            <p:cNvSpPr/>
+            <p:nvPr>
+              <p:extLst>
+                <p:ext uri="{386F3935-93C4-4BCD-93E2-E3B085C9AB24}">
+                  <p16:designElem xmlns:p16="http://schemas.microsoft.com/office/powerpoint/2015/main" val="1"/>
+                </p:ext>
+              </p:extLst>
+            </p:nvPr>
+          </p:nvSpPr>
+          <p:spPr>
+            <a:xfrm>
+              <a:off x="11361456" y="6195813"/>
+              <a:ext cx="548640" cy="548640"/>
+            </a:xfrm>
+            <a:prstGeom prst="ellipse">
+              <a:avLst/>
+            </a:prstGeom>
+            <a:blipFill dpi="0" rotWithShape="1">
+              <a:blip r:embed="rId2">
+                <a:duotone>
+                  <a:schemeClr val="accent1">
+                    <a:shade val="45000"/>
+                    <a:satMod val="135000"/>
+                  </a:schemeClr>
+                  <a:prstClr val="white"/>
+                </a:duotone>
+                <a:extLst>
+                  <a:ext uri="{BEBA8EAE-BF5A-486C-A8C5-ECC9F3942E4B}">
+                    <a14:imgProps xmlns:a14="http://schemas.microsoft.com/office/drawing/2010/main">
+                      <a14:imgLayer r:embed="rId3">
+                        <a14:imgEffect>
+                          <a14:saturation sat="95000"/>
+                        </a14:imgEffect>
+                        <a14:imgEffect>
+                          <a14:brightnessContrast bright="-40000" contrast="20000"/>
+                        </a14:imgEffect>
+                      </a14:imgLayer>
+                    </a14:imgProps>
+                  </a:ext>
+                </a:extLst>
+              </a:blip>
+              <a:srcRect/>
+              <a:tile tx="50800" ty="0" sx="85000" sy="85000" flip="none" algn="tl"/>
+            </a:blipFill>
+            <a:ln w="25400" cap="flat" cmpd="sng" algn="ctr">
+              <a:noFill/>
+              <a:prstDash val="solid"/>
+            </a:ln>
+            <a:effectLst/>
+          </p:spPr>
+        </p:sp>
+        <p:sp>
+          <p:nvSpPr>
+            <p:cNvPr id="11" name="Oval 10">
+              <a:extLst>
+                <a:ext uri="{FF2B5EF4-FFF2-40B4-BE49-F238E27FC236}">
+                  <a16:creationId xmlns:a16="http://schemas.microsoft.com/office/drawing/2014/main" id="{72D0360E-345F-4790-B0A0-03ADC36B5E45}"/>
+                </a:ext>
+                <a:ext uri="{C183D7F6-B498-43B3-948B-1728B52AA6E4}">
+                  <adec:decorative xmlns:adec="http://schemas.microsoft.com/office/drawing/2017/decorative" val="1"/>
+                </a:ext>
+              </a:extLst>
+            </p:cNvPr>
+            <p:cNvSpPr/>
+            <p:nvPr>
+              <p:extLst>
+                <p:ext uri="{386F3935-93C4-4BCD-93E2-E3B085C9AB24}">
+                  <p16:designElem xmlns:p16="http://schemas.microsoft.com/office/powerpoint/2015/main" val="1"/>
+                </p:ext>
+              </p:extLst>
+            </p:nvPr>
+          </p:nvSpPr>
+          <p:spPr>
+            <a:xfrm>
+              <a:off x="11396488" y="6230844"/>
+              <a:ext cx="478576" cy="478578"/>
+            </a:xfrm>
+            <a:prstGeom prst="ellipse">
+              <a:avLst/>
+            </a:prstGeom>
+            <a:noFill/>
+            <a:ln w="12700" cap="flat" cmpd="sng" algn="ctr">
+              <a:solidFill>
+                <a:srgbClr val="FFFFFF"/>
+              </a:solidFill>
+              <a:prstDash val="solid"/>
+            </a:ln>
+            <a:effectLst/>
+          </p:spPr>
+        </p:sp>
+      </p:grpSp>
+      <p:sp useBgFill="1">
+        <p:nvSpPr>
+          <p:cNvPr id="13" name="Rectangle 12">
+            <a:extLst>
+              <a:ext uri="{FF2B5EF4-FFF2-40B4-BE49-F238E27FC236}">
+                <a16:creationId xmlns:a16="http://schemas.microsoft.com/office/drawing/2014/main" id="{5118BA95-03E7-41B7-B442-0AF8C0A7FF68}"/>
+              </a:ext>
+              <a:ext uri="{C183D7F6-B498-43B3-948B-1728B52AA6E4}">
+                <adec:decorative xmlns:adec="http://schemas.microsoft.com/office/drawing/2017/decorative" val="1"/>
+              </a:ext>
+            </a:extLst>
+          </p:cNvPr>
+          <p:cNvSpPr>
+            <a:spLocks noGrp="1" noRot="1" noChangeAspect="1" noMove="1" noResize="1" noEditPoints="1" noAdjustHandles="1" noChangeArrowheads="1" noChangeShapeType="1" noTextEdit="1"/>
+          </p:cNvSpPr>
+          <p:nvPr>
+            <p:extLst>
+              <p:ext uri="{386F3935-93C4-4BCD-93E2-E3B085C9AB24}">
+                <p16:designElem xmlns:p16="http://schemas.microsoft.com/office/powerpoint/2015/main" val="1"/>
+              </p:ext>
+            </p:extLst>
+          </p:nvPr>
+        </p:nvSpPr>
+        <p:spPr bwMode="white">
+          <a:xfrm>
+            <a:off x="0" y="0"/>
+            <a:ext cx="12188952" cy="6858001"/>
+          </a:xfrm>
+          <a:prstGeom prst="rect">
+            <a:avLst/>
+          </a:prstGeom>
+          <a:ln>
+            <a:noFill/>
+          </a:ln>
+        </p:spPr>
+        <p:style>
+          <a:lnRef idx="2">
+            <a:schemeClr val="accent1">
+              <a:shade val="50000"/>
+            </a:schemeClr>
+          </a:lnRef>
+          <a:fillRef idx="1">
+            <a:schemeClr val="accent1"/>
+          </a:fillRef>
+          <a:effectRef idx="0">
+            <a:schemeClr val="accent1"/>
+          </a:effectRef>
+          <a:fontRef idx="minor">
+            <a:schemeClr val="lt1"/>
+          </a:fontRef>
+        </p:style>
+        <p:txBody>
+          <a:bodyPr rot="0" spcFirstLastPara="0" vert="horz" wrap="square" lIns="91440" tIns="45720" rIns="91440" bIns="45720" numCol="1" spcCol="0" rtlCol="0" fromWordArt="0" anchor="ctr" anchorCtr="0" forceAA="0" compatLnSpc="1">
+            <a:prstTxWarp prst="textNoShape">
+              <a:avLst/>
+            </a:prstTxWarp>
+            <a:noAutofit/>
+          </a:bodyPr>
+          <a:lstStyle>
+            <a:defPPr>
+              <a:defRPr lang="en-US"/>
+            </a:defPPr>
+            <a:lvl1pPr marL="0" algn="l" defTabSz="914400" rtl="0" eaLnBrk="1" latinLnBrk="0" hangingPunct="1">
+              <a:defRPr sz="1800" kern="1200">
+                <a:solidFill>
+                  <a:schemeClr val="lt1"/>
+                </a:solidFill>
+                <a:latin typeface="+mn-lt"/>
+                <a:ea typeface="+mn-ea"/>
+                <a:cs typeface="+mn-cs"/>
+              </a:defRPr>
+            </a:lvl1pPr>
+            <a:lvl2pPr marL="457200" algn="l" defTabSz="914400" rtl="0" eaLnBrk="1" latinLnBrk="0" hangingPunct="1">
+              <a:defRPr sz="1800" kern="1200">
+                <a:solidFill>
+                  <a:schemeClr val="lt1"/>
+                </a:solidFill>
+                <a:latin typeface="+mn-lt"/>
+                <a:ea typeface="+mn-ea"/>
+                <a:cs typeface="+mn-cs"/>
+              </a:defRPr>
+            </a:lvl2pPr>
+            <a:lvl3pPr marL="914400" algn="l" defTabSz="914400" rtl="0" eaLnBrk="1" latinLnBrk="0" hangingPunct="1">
+              <a:defRPr sz="1800" kern="1200">
+                <a:solidFill>
+                  <a:schemeClr val="lt1"/>
+                </a:solidFill>
+                <a:latin typeface="+mn-lt"/>
+                <a:ea typeface="+mn-ea"/>
+                <a:cs typeface="+mn-cs"/>
+              </a:defRPr>
+            </a:lvl3pPr>
+            <a:lvl4pPr marL="1371600" algn="l" defTabSz="914400" rtl="0" eaLnBrk="1" latinLnBrk="0" hangingPunct="1">
+              <a:defRPr sz="1800" kern="1200">
+                <a:solidFill>
+                  <a:schemeClr val="lt1"/>
+                </a:solidFill>
+                <a:latin typeface="+mn-lt"/>
+                <a:ea typeface="+mn-ea"/>
+                <a:cs typeface="+mn-cs"/>
+              </a:defRPr>
+            </a:lvl4pPr>
+            <a:lvl5pPr marL="1828800" algn="l" defTabSz="914400" rtl="0" eaLnBrk="1" latinLnBrk="0" hangingPunct="1">
+              <a:defRPr sz="1800" kern="1200">
+                <a:solidFill>
+                  <a:schemeClr val="lt1"/>
+                </a:solidFill>
+                <a:latin typeface="+mn-lt"/>
+                <a:ea typeface="+mn-ea"/>
+                <a:cs typeface="+mn-cs"/>
+              </a:defRPr>
+            </a:lvl5pPr>
+            <a:lvl6pPr marL="2286000" algn="l" defTabSz="914400" rtl="0" eaLnBrk="1" latinLnBrk="0" hangingPunct="1">
+              <a:defRPr sz="1800" kern="1200">
+                <a:solidFill>
+                  <a:schemeClr val="lt1"/>
+                </a:solidFill>
+                <a:latin typeface="+mn-lt"/>
+                <a:ea typeface="+mn-ea"/>
+                <a:cs typeface="+mn-cs"/>
+              </a:defRPr>
+            </a:lvl6pPr>
+            <a:lvl7pPr marL="2743200" algn="l" defTabSz="914400" rtl="0" eaLnBrk="1" latinLnBrk="0" hangingPunct="1">
+              <a:defRPr sz="1800" kern="1200">
+                <a:solidFill>
+                  <a:schemeClr val="lt1"/>
+                </a:solidFill>
+                <a:latin typeface="+mn-lt"/>
+                <a:ea typeface="+mn-ea"/>
+                <a:cs typeface="+mn-cs"/>
+              </a:defRPr>
+            </a:lvl7pPr>
+            <a:lvl8pPr marL="3200400" algn="l" defTabSz="914400" rtl="0" eaLnBrk="1" latinLnBrk="0" hangingPunct="1">
+              <a:defRPr sz="1800" kern="1200">
+                <a:solidFill>
+                  <a:schemeClr val="lt1"/>
+                </a:solidFill>
+                <a:latin typeface="+mn-lt"/>
+                <a:ea typeface="+mn-ea"/>
+                <a:cs typeface="+mn-cs"/>
+              </a:defRPr>
+            </a:lvl8pPr>
+            <a:lvl9pPr marL="3657600" algn="l" defTabSz="914400" rtl="0" eaLnBrk="1" latinLnBrk="0" hangingPunct="1">
+              <a:defRPr sz="1800" kern="1200">
+                <a:solidFill>
+                  <a:schemeClr val="lt1"/>
+                </a:solidFill>
+                <a:latin typeface="+mn-lt"/>
+                <a:ea typeface="+mn-ea"/>
+                <a:cs typeface="+mn-cs"/>
+              </a:defRPr>
+            </a:lvl9pPr>
+          </a:lstStyle>
+          <a:p>
+            <a:pPr algn="ctr"/>
+            <a:endParaRPr lang="en-US"/>
+          </a:p>
+        </p:txBody>
+      </p:sp>
+      <p:sp>
+        <p:nvSpPr>
+          <p:cNvPr id="3" name="CasetăText 2">
+            <a:extLst>
+              <a:ext uri="{FF2B5EF4-FFF2-40B4-BE49-F238E27FC236}">
+                <a16:creationId xmlns:a16="http://schemas.microsoft.com/office/drawing/2014/main" id="{F7FD7598-B4B7-6151-490A-5223DDEF00E0}"/>
+              </a:ext>
+            </a:extLst>
+          </p:cNvPr>
+          <p:cNvSpPr txBox="1"/>
+          <p:nvPr/>
+        </p:nvSpPr>
+        <p:spPr>
+          <a:xfrm>
+            <a:off x="46322" y="1679571"/>
+            <a:ext cx="7207114" cy="3341265"/>
+          </a:xfrm>
+          <a:prstGeom prst="rect">
+            <a:avLst/>
+          </a:prstGeom>
+        </p:spPr>
+        <p:txBody>
+          <a:bodyPr vert="horz" lIns="91440" tIns="45720" rIns="91440" bIns="45720" rtlCol="0" anchor="ctr">
+            <a:normAutofit/>
+          </a:bodyPr>
+          <a:lstStyle/>
+          <a:p>
+            <a:pPr marL="285750" indent="-182880" algn="just" defTabSz="914400">
+              <a:lnSpc>
+                <a:spcPct val="90000"/>
+              </a:lnSpc>
+              <a:spcAft>
+                <a:spcPts val="600"/>
+              </a:spcAft>
+              <a:buClr>
+                <a:schemeClr val="accent1">
+                  <a:lumMod val="75000"/>
+                </a:schemeClr>
+              </a:buClr>
+              <a:buSzPct val="85000"/>
+              <a:buFont typeface="Wingdings" pitchFamily="2" charset="2"/>
+              <a:buChar char="§"/>
+            </a:pPr>
+            <a:r>
+              <a:rPr lang="ro-RO" dirty="0"/>
+              <a:t>Să comunicăm mai mult și să participăm cu toții la atribuirea task-urilor ca să încercăm să evităm dependențele.</a:t>
+            </a:r>
+          </a:p>
+          <a:p>
+            <a:pPr marL="102870" algn="just" defTabSz="914400">
+              <a:lnSpc>
+                <a:spcPct val="90000"/>
+              </a:lnSpc>
+              <a:spcAft>
+                <a:spcPts val="600"/>
+              </a:spcAft>
+              <a:buClr>
+                <a:schemeClr val="accent1">
+                  <a:lumMod val="75000"/>
+                </a:schemeClr>
+              </a:buClr>
+              <a:buSzPct val="85000"/>
+            </a:pPr>
+            <a:endParaRPr lang="ro-RO" dirty="0"/>
+          </a:p>
+          <a:p>
+            <a:pPr marL="285750" indent="-182880" algn="just" defTabSz="914400">
+              <a:lnSpc>
+                <a:spcPct val="90000"/>
+              </a:lnSpc>
+              <a:spcAft>
+                <a:spcPts val="600"/>
+              </a:spcAft>
+              <a:buClr>
+                <a:schemeClr val="accent1">
+                  <a:lumMod val="75000"/>
+                </a:schemeClr>
+              </a:buClr>
+              <a:buSzPct val="85000"/>
+              <a:buFont typeface="Wingdings" pitchFamily="2" charset="2"/>
+              <a:buChar char="§"/>
+            </a:pPr>
+            <a:r>
+              <a:rPr lang="ro-RO" dirty="0"/>
+              <a:t>Să încercăm să lucrăm treptat la proiect.</a:t>
+            </a:r>
+          </a:p>
+          <a:p>
+            <a:pPr marL="102870" algn="just" defTabSz="914400">
+              <a:lnSpc>
+                <a:spcPct val="90000"/>
+              </a:lnSpc>
+              <a:spcAft>
+                <a:spcPts val="600"/>
+              </a:spcAft>
+              <a:buClr>
+                <a:schemeClr val="accent1">
+                  <a:lumMod val="75000"/>
+                </a:schemeClr>
+              </a:buClr>
+              <a:buSzPct val="85000"/>
+            </a:pPr>
+            <a:endParaRPr lang="ro-RO" dirty="0"/>
+          </a:p>
+          <a:p>
+            <a:pPr marL="285750" indent="-182880" algn="just" defTabSz="914400">
+              <a:lnSpc>
+                <a:spcPct val="90000"/>
+              </a:lnSpc>
+              <a:spcAft>
+                <a:spcPts val="600"/>
+              </a:spcAft>
+              <a:buClr>
+                <a:schemeClr val="accent1">
+                  <a:lumMod val="75000"/>
+                </a:schemeClr>
+              </a:buClr>
+              <a:buSzPct val="85000"/>
+              <a:buFont typeface="Wingdings" pitchFamily="2" charset="2"/>
+              <a:buChar char="§"/>
+            </a:pPr>
+            <a:r>
+              <a:rPr lang="ro-RO" dirty="0"/>
+              <a:t>Să încercăm să privim funcționalitățile care trebuie implementate în ansamblu, nu în mod individual.</a:t>
+            </a:r>
+          </a:p>
+          <a:p>
+            <a:pPr marL="285750" indent="-182880" algn="just" defTabSz="914400">
+              <a:lnSpc>
+                <a:spcPct val="90000"/>
+              </a:lnSpc>
+              <a:spcAft>
+                <a:spcPts val="600"/>
+              </a:spcAft>
+              <a:buClr>
+                <a:schemeClr val="accent1">
+                  <a:lumMod val="75000"/>
+                </a:schemeClr>
+              </a:buClr>
+              <a:buSzPct val="85000"/>
+              <a:buFont typeface="Wingdings" pitchFamily="2" charset="2"/>
+              <a:buChar char="§"/>
+            </a:pPr>
+            <a:endParaRPr lang="ro-RO" dirty="0"/>
+          </a:p>
+          <a:p>
+            <a:pPr marL="285750" indent="-182880" algn="just" defTabSz="914400">
+              <a:lnSpc>
+                <a:spcPct val="90000"/>
+              </a:lnSpc>
+              <a:spcAft>
+                <a:spcPts val="600"/>
+              </a:spcAft>
+              <a:buClr>
+                <a:schemeClr val="accent1">
+                  <a:lumMod val="75000"/>
+                </a:schemeClr>
+              </a:buClr>
+              <a:buSzPct val="85000"/>
+              <a:buFont typeface="Wingdings" pitchFamily="2" charset="2"/>
+              <a:buChar char="§"/>
+            </a:pPr>
+            <a:r>
+              <a:rPr lang="ro-RO" dirty="0"/>
+              <a:t>Să încercăm să ne concentrăm întâi pe funcționalitatea de bază a aplicației, apoi pe posibilele dezvoltări și îmbunătățiri.</a:t>
+            </a:r>
+          </a:p>
+          <a:p>
+            <a:pPr marL="102870" algn="just" defTabSz="914400">
+              <a:lnSpc>
+                <a:spcPct val="90000"/>
+              </a:lnSpc>
+              <a:spcAft>
+                <a:spcPts val="600"/>
+              </a:spcAft>
+              <a:buClr>
+                <a:schemeClr val="accent1">
+                  <a:lumMod val="75000"/>
+                </a:schemeClr>
+              </a:buClr>
+              <a:buSzPct val="85000"/>
+            </a:pPr>
+            <a:endParaRPr lang="ro-RO" dirty="0"/>
+          </a:p>
+        </p:txBody>
+      </p:sp>
+      <p:sp>
+        <p:nvSpPr>
+          <p:cNvPr id="15" name="Rectangle 14">
+            <a:extLst>
+              <a:ext uri="{FF2B5EF4-FFF2-40B4-BE49-F238E27FC236}">
+                <a16:creationId xmlns:a16="http://schemas.microsoft.com/office/drawing/2014/main" id="{AD9B3EAD-A2B3-42C4-927C-3455E3E69EE6}"/>
+              </a:ext>
+              <a:ext uri="{C183D7F6-B498-43B3-948B-1728B52AA6E4}">
+                <adec:decorative xmlns:adec="http://schemas.microsoft.com/office/drawing/2017/decorative" val="1"/>
+              </a:ext>
+            </a:extLst>
+          </p:cNvPr>
+          <p:cNvSpPr>
+            <a:spLocks noGrp="1" noRot="1" noChangeAspect="1" noMove="1" noResize="1" noEditPoints="1" noAdjustHandles="1" noChangeArrowheads="1" noChangeShapeType="1" noTextEdit="1"/>
+          </p:cNvSpPr>
+          <p:nvPr>
+            <p:extLst>
+              <p:ext uri="{386F3935-93C4-4BCD-93E2-E3B085C9AB24}">
+                <p16:designElem xmlns:p16="http://schemas.microsoft.com/office/powerpoint/2015/main" val="1"/>
+              </p:ext>
+            </p:extLst>
+          </p:nvPr>
+        </p:nvSpPr>
+        <p:spPr>
+          <a:xfrm rot="5400000">
+            <a:off x="5586983" y="3388659"/>
+            <a:ext cx="3657600" cy="80683"/>
+          </a:xfrm>
+          <a:prstGeom prst="rect">
+            <a:avLst/>
+          </a:prstGeom>
+          <a:blipFill dpi="0" rotWithShape="1">
+            <a:blip r:embed="rId4">
+              <a:alphaModFix amt="85000"/>
+              <a:lum bright="70000" contrast="-70000"/>
+              <a:extLst>
+                <a:ext uri="{BEBA8EAE-BF5A-486C-A8C5-ECC9F3942E4B}">
+                  <a14:imgProps xmlns:a14="http://schemas.microsoft.com/office/drawing/2010/main">
+                    <a14:imgLayer r:embed="rId5">
+                      <a14:imgEffect>
+                        <a14:sharpenSoften amount="61000"/>
+                      </a14:imgEffect>
+                    </a14:imgLayer>
+                  </a14:imgProps>
+                </a:ext>
+                <a:ext uri="{28A0092B-C50C-407E-A947-70E740481C1C}">
+                  <a14:useLocalDpi xmlns:a14="http://schemas.microsoft.com/office/drawing/2010/main" val="0"/>
+                </a:ext>
+              </a:extLst>
+            </a:blip>
+            <a:srcRect/>
+            <a:tile tx="0" ty="-717550" sx="92000" sy="89000" flip="xy" algn="ctr"/>
+          </a:blipFill>
+          <a:ln>
+            <a:noFill/>
+          </a:ln>
+        </p:spPr>
+        <p:style>
+          <a:lnRef idx="2">
+            <a:schemeClr val="accent1">
+              <a:shade val="50000"/>
+            </a:schemeClr>
+          </a:lnRef>
+          <a:fillRef idx="1">
+            <a:schemeClr val="accent1"/>
+          </a:fillRef>
+          <a:effectRef idx="0">
+            <a:schemeClr val="accent1"/>
+          </a:effectRef>
+          <a:fontRef idx="minor">
+            <a:schemeClr val="lt1"/>
+          </a:fontRef>
+        </p:style>
+      </p:sp>
+      <p:grpSp>
+        <p:nvGrpSpPr>
+          <p:cNvPr id="17" name="Group 16">
+            <a:extLst>
+              <a:ext uri="{FF2B5EF4-FFF2-40B4-BE49-F238E27FC236}">
+                <a16:creationId xmlns:a16="http://schemas.microsoft.com/office/drawing/2014/main" id="{4BF9B298-BC35-4C0F-8301-5D63A1E6D281}"/>
+              </a:ext>
+              <a:ext uri="{C183D7F6-B498-43B3-948B-1728B52AA6E4}">
+                <adec:decorative xmlns:adec="http://schemas.microsoft.com/office/drawing/2017/decorative" val="1"/>
+              </a:ext>
+            </a:extLst>
+          </p:cNvPr>
+          <p:cNvGrpSpPr>
+            <a:grpSpLocks noGrp="1" noUngrp="1" noRot="1" noChangeAspect="1" noMove="1" noResize="1"/>
+          </p:cNvGrpSpPr>
+          <p:nvPr>
+            <p:extLst>
+              <p:ext uri="{386F3935-93C4-4BCD-93E2-E3B085C9AB24}">
+                <p16:designElem xmlns:p16="http://schemas.microsoft.com/office/powerpoint/2015/main" val="1"/>
+              </p:ext>
+            </p:extLst>
+          </p:nvPr>
+        </p:nvGrpSpPr>
+        <p:grpSpPr>
+          <a:xfrm>
+            <a:off x="7942859" y="1679571"/>
+            <a:ext cx="3498864" cy="3498858"/>
+            <a:chOff x="7942859" y="1679571"/>
+            <a:chExt cx="3498864" cy="3498858"/>
+          </a:xfrm>
+        </p:grpSpPr>
+        <p:sp>
+          <p:nvSpPr>
+            <p:cNvPr id="18" name="Oval 17">
+              <a:extLst>
+                <a:ext uri="{FF2B5EF4-FFF2-40B4-BE49-F238E27FC236}">
+                  <a16:creationId xmlns:a16="http://schemas.microsoft.com/office/drawing/2014/main" id="{059D8741-EAD6-41B1-A882-70D70FC35821}"/>
+                </a:ext>
+                <a:ext uri="{C183D7F6-B498-43B3-948B-1728B52AA6E4}">
+                  <adec:decorative xmlns:adec="http://schemas.microsoft.com/office/drawing/2017/decorative" val="1"/>
+                </a:ext>
+              </a:extLst>
+            </p:cNvPr>
+            <p:cNvSpPr/>
+            <p:nvPr>
+              <p:extLst>
+                <p:ext uri="{386F3935-93C4-4BCD-93E2-E3B085C9AB24}">
+                  <p16:designElem xmlns:p16="http://schemas.microsoft.com/office/powerpoint/2015/main" val="1"/>
+                </p:ext>
+              </p:extLst>
+            </p:nvPr>
+          </p:nvSpPr>
+          <p:spPr>
+            <a:xfrm>
+              <a:off x="7942859" y="1679571"/>
+              <a:ext cx="3498864" cy="3498858"/>
+            </a:xfrm>
+            <a:prstGeom prst="ellipse">
+              <a:avLst/>
+            </a:prstGeom>
+            <a:blipFill dpi="0" rotWithShape="1">
+              <a:blip r:embed="rId6">
+                <a:duotone>
+                  <a:schemeClr val="accent1">
+                    <a:shade val="45000"/>
+                    <a:satMod val="135000"/>
+                  </a:schemeClr>
+                  <a:prstClr val="white"/>
+                </a:duotone>
+                <a:extLst>
+                  <a:ext uri="{BEBA8EAE-BF5A-486C-A8C5-ECC9F3942E4B}">
+                    <a14:imgProps xmlns:a14="http://schemas.microsoft.com/office/drawing/2010/main">
+                      <a14:imgLayer r:embed="rId7">
+                        <a14:imgEffect>
+                          <a14:saturation sat="400000"/>
+                        </a14:imgEffect>
+                        <a14:imgEffect>
+                          <a14:brightnessContrast bright="-40000" contrast="40000"/>
+                        </a14:imgEffect>
+                      </a14:imgLayer>
+                    </a14:imgProps>
+                  </a:ext>
+                </a:extLst>
+              </a:blip>
+              <a:srcRect/>
+              <a:tile tx="0" ty="0" sx="85000" sy="85000" flip="none" algn="tl"/>
+            </a:blipFill>
+            <a:ln w="25400" cap="flat" cmpd="sng" algn="ctr">
+              <a:noFill/>
+              <a:prstDash val="solid"/>
+            </a:ln>
+            <a:effectLst/>
+          </p:spPr>
+          <p:txBody>
+            <a:bodyPr lIns="0" tIns="0" rIns="0" bIns="0" rtlCol="0" anchor="ctr"/>
+            <a:lstStyle/>
+            <a:p>
+              <a:pPr marL="0" marR="0" lvl="0" indent="0" algn="ctr" defTabSz="914400" eaLnBrk="1" fontAlgn="auto" latinLnBrk="0" hangingPunct="1">
+                <a:lnSpc>
+                  <a:spcPct val="100000"/>
+                </a:lnSpc>
+                <a:spcBef>
+                  <a:spcPts val="0"/>
+                </a:spcBef>
+                <a:spcAft>
+                  <a:spcPts val="0"/>
+                </a:spcAft>
+                <a:buClrTx/>
+                <a:buSzTx/>
+                <a:buFontTx/>
+                <a:buNone/>
+                <a:tabLst/>
+                <a:defRPr/>
+              </a:pPr>
+              <a:endParaRPr kumimoji="0" lang="en-US" sz="2000" b="0" i="0" u="none" strike="noStrike" kern="0" cap="none" spc="0" normalizeH="0" baseline="0" noProof="0" dirty="0">
+                <a:ln>
+                  <a:noFill/>
+                </a:ln>
+                <a:solidFill>
+                  <a:prstClr val="white"/>
+                </a:solidFill>
+                <a:effectLst/>
+                <a:uLnTx/>
+                <a:uFillTx/>
+                <a:latin typeface="Rockwell Extra Bold" pitchFamily="18" charset="0"/>
+                <a:ea typeface="+mn-ea"/>
+                <a:cs typeface="+mn-cs"/>
+              </a:endParaRPr>
+            </a:p>
+          </p:txBody>
+        </p:sp>
+        <p:sp>
+          <p:nvSpPr>
+            <p:cNvPr id="19" name="Oval 18">
+              <a:extLst>
+                <a:ext uri="{FF2B5EF4-FFF2-40B4-BE49-F238E27FC236}">
+                  <a16:creationId xmlns:a16="http://schemas.microsoft.com/office/drawing/2014/main" id="{45444F36-3103-4D11-A25F-C054D4606DA4}"/>
+                </a:ext>
+                <a:ext uri="{C183D7F6-B498-43B3-948B-1728B52AA6E4}">
+                  <adec:decorative xmlns:adec="http://schemas.microsoft.com/office/drawing/2017/decorative" val="1"/>
+                </a:ext>
+              </a:extLst>
+            </p:cNvPr>
+            <p:cNvSpPr/>
+            <p:nvPr>
+              <p:extLst>
+                <p:ext uri="{386F3935-93C4-4BCD-93E2-E3B085C9AB24}">
+                  <p16:designElem xmlns:p16="http://schemas.microsoft.com/office/powerpoint/2015/main" val="1"/>
+                </p:ext>
+              </p:extLst>
+            </p:nvPr>
+          </p:nvSpPr>
+          <p:spPr>
+            <a:xfrm>
+              <a:off x="8127958" y="1864667"/>
+              <a:ext cx="3128666" cy="3128662"/>
+            </a:xfrm>
+            <a:prstGeom prst="ellipse">
+              <a:avLst/>
+            </a:prstGeom>
+            <a:noFill/>
+            <a:ln w="25400" cap="flat" cmpd="sng" algn="ctr">
+              <a:solidFill>
+                <a:sysClr val="window" lastClr="FFFFFF"/>
+              </a:solidFill>
+              <a:prstDash val="solid"/>
+            </a:ln>
+            <a:effectLst/>
+          </p:spPr>
+          <p:txBody>
+            <a:bodyPr rtlCol="0" anchor="ctr"/>
+            <a:lstStyle/>
+            <a:p>
+              <a:pPr marL="0" marR="0" lvl="0" indent="0" algn="ctr" defTabSz="914400" eaLnBrk="1" fontAlgn="auto" latinLnBrk="0" hangingPunct="1">
+                <a:lnSpc>
+                  <a:spcPct val="100000"/>
+                </a:lnSpc>
+                <a:spcBef>
+                  <a:spcPts val="0"/>
+                </a:spcBef>
+                <a:spcAft>
+                  <a:spcPts val="0"/>
+                </a:spcAft>
+                <a:buClrTx/>
+                <a:buSzTx/>
+                <a:buFontTx/>
+                <a:buNone/>
+                <a:tabLst/>
+                <a:defRPr/>
+              </a:pPr>
+              <a:endParaRPr kumimoji="0" lang="en-US" sz="1800" b="0" i="0" u="none" strike="noStrike" kern="0" cap="none" spc="0" normalizeH="0" baseline="0" noProof="0" dirty="0">
+                <a:ln>
+                  <a:noFill/>
+                </a:ln>
+                <a:solidFill>
+                  <a:prstClr val="white"/>
+                </a:solidFill>
+                <a:effectLst/>
+                <a:uLnTx/>
+                <a:uFillTx/>
+                <a:latin typeface="Calibri"/>
+                <a:ea typeface="+mn-ea"/>
+                <a:cs typeface="+mn-cs"/>
+              </a:endParaRPr>
+            </a:p>
+          </p:txBody>
+        </p:sp>
+      </p:grpSp>
+      <p:sp>
+        <p:nvSpPr>
+          <p:cNvPr id="2" name="Titlu 1">
+            <a:extLst>
+              <a:ext uri="{FF2B5EF4-FFF2-40B4-BE49-F238E27FC236}">
+                <a16:creationId xmlns:a16="http://schemas.microsoft.com/office/drawing/2014/main" id="{B94B73D2-D4BF-7644-E497-0B85B5F8E1DD}"/>
+              </a:ext>
+            </a:extLst>
+          </p:cNvPr>
+          <p:cNvSpPr>
+            <a:spLocks noGrp="1"/>
+          </p:cNvSpPr>
+          <p:nvPr>
+            <p:ph type="title"/>
+          </p:nvPr>
+        </p:nvSpPr>
+        <p:spPr>
+          <a:xfrm>
+            <a:off x="8371968" y="2376862"/>
+            <a:ext cx="2640646" cy="2104273"/>
+          </a:xfrm>
+          <a:noFill/>
+        </p:spPr>
+        <p:txBody>
+          <a:bodyPr vert="horz" lIns="91440" tIns="45720" rIns="91440" bIns="45720" rtlCol="0" anchor="ctr">
+            <a:normAutofit/>
+          </a:bodyPr>
+          <a:lstStyle/>
+          <a:p>
+            <a:pPr algn="ctr"/>
+            <a:r>
+              <a:rPr lang="ro-RO" sz="3200" i="1" dirty="0">
+                <a:solidFill>
+                  <a:schemeClr val="bg1">
+                    <a:shade val="97000"/>
+                    <a:satMod val="150000"/>
+                  </a:schemeClr>
+                </a:solidFill>
+                <a:effectLst>
+                  <a:outerShdw blurRad="38100" dist="38100" dir="2700000" algn="tl">
+                    <a:srgbClr val="000000">
+                      <a:alpha val="43137"/>
+                    </a:srgbClr>
+                  </a:outerShdw>
+                </a:effectLst>
+              </a:rPr>
+              <a:t>Aspecte de îmbunătățit</a:t>
+            </a:r>
+            <a:endParaRPr lang="en-US" sz="3200" i="1" dirty="0">
+              <a:solidFill>
+                <a:schemeClr val="bg1">
+                  <a:shade val="97000"/>
+                  <a:satMod val="150000"/>
+                </a:schemeClr>
+              </a:solidFill>
+              <a:effectLst>
+                <a:outerShdw blurRad="38100" dist="38100" dir="2700000" algn="tl">
+                  <a:srgbClr val="000000">
+                    <a:alpha val="43137"/>
+                  </a:srgbClr>
+                </a:outerShdw>
+              </a:effectLst>
+            </a:endParaRPr>
+          </a:p>
+        </p:txBody>
+      </p:sp>
+      <p:sp>
+        <p:nvSpPr>
+          <p:cNvPr id="4" name="CasetăText 3">
+            <a:extLst>
+              <a:ext uri="{FF2B5EF4-FFF2-40B4-BE49-F238E27FC236}">
+                <a16:creationId xmlns:a16="http://schemas.microsoft.com/office/drawing/2014/main" id="{9FFCD8AD-7B49-B72C-442A-8CC0150B1EBA}"/>
+              </a:ext>
+            </a:extLst>
+          </p:cNvPr>
+          <p:cNvSpPr txBox="1"/>
+          <p:nvPr/>
+        </p:nvSpPr>
+        <p:spPr>
+          <a:xfrm>
+            <a:off x="341186" y="160982"/>
+            <a:ext cx="4216893" cy="523220"/>
+          </a:xfrm>
+          <a:prstGeom prst="rect">
+            <a:avLst/>
+          </a:prstGeom>
+          <a:noFill/>
+        </p:spPr>
+        <p:txBody>
+          <a:bodyPr wrap="square" rtlCol="0">
+            <a:spAutoFit/>
+          </a:bodyPr>
+          <a:lstStyle/>
+          <a:p>
+            <a:r>
+              <a:rPr lang="ro-RO" sz="2800" i="1" u="sng" dirty="0">
+                <a:effectLst>
+                  <a:outerShdw blurRad="38100" dist="38100" dir="2700000" algn="tl">
+                    <a:srgbClr val="000000">
+                      <a:alpha val="43137"/>
+                    </a:srgbClr>
+                  </a:outerShdw>
+                </a:effectLst>
+              </a:rPr>
+              <a:t>Stoica Daniela</a:t>
+            </a:r>
+          </a:p>
+        </p:txBody>
+      </p:sp>
+    </p:spTree>
+    <p:extLst>
+      <p:ext uri="{BB962C8B-B14F-4D97-AF65-F5344CB8AC3E}">
+        <p14:creationId xmlns:p14="http://schemas.microsoft.com/office/powerpoint/2010/main" val="2599340265"/>
+      </p:ext>
+    </p:extLst>
+  </p:cSld>
+  <p:clrMapOvr>
+    <a:masterClrMapping/>
+  </p:clrMapOvr>
+</p:sld>
+</file>
+
+<file path=ppt/slides/slide14.xml><?xml version="1.0" encoding="utf-8"?>
+<p:sld xmlns:a="http://schemas.openxmlformats.org/drawingml/2006/main" xmlns:r="http://schemas.openxmlformats.org/officeDocument/2006/relationships" xmlns:p="http://schemas.openxmlformats.org/presentationml/2006/main">
+  <p:cSld>
+    <p:bg>
+      <p:bgPr>
+        <a:solidFill>
+          <a:schemeClr val="bg1"/>
+        </a:solidFill>
+        <a:effectLst/>
+      </p:bgPr>
+    </p:bg>
+    <p:spTree>
+      <p:nvGrpSpPr>
+        <p:cNvPr id="1" name=""/>
+        <p:cNvGrpSpPr/>
+        <p:nvPr/>
+      </p:nvGrpSpPr>
+      <p:grpSpPr>
+        <a:xfrm>
+          <a:off x="0" y="0"/>
+          <a:ext cx="0" cy="0"/>
+          <a:chOff x="0" y="0"/>
+          <a:chExt cx="0" cy="0"/>
+        </a:xfrm>
+      </p:grpSpPr>
+      <p:grpSp>
+        <p:nvGrpSpPr>
+          <p:cNvPr id="9" name="Group 8">
+            <a:extLst>
+              <a:ext uri="{FF2B5EF4-FFF2-40B4-BE49-F238E27FC236}">
+                <a16:creationId xmlns:a16="http://schemas.microsoft.com/office/drawing/2014/main" id="{132FD491-28F3-42E7-AEBF-A9E3C462C92A}"/>
+              </a:ext>
+              <a:ext uri="{C183D7F6-B498-43B3-948B-1728B52AA6E4}">
+                <adec:decorative xmlns:adec="http://schemas.microsoft.com/office/drawing/2017/decorative" val="1"/>
+              </a:ext>
+            </a:extLst>
+          </p:cNvPr>
+          <p:cNvGrpSpPr>
+            <a:grpSpLocks noGrp="1" noUngrp="1" noRot="1" noChangeAspect="1" noMove="1" noResize="1"/>
+          </p:cNvGrpSpPr>
+          <p:nvPr>
+            <p:extLst>
+              <p:ext uri="{386F3935-93C4-4BCD-93E2-E3B085C9AB24}">
+                <p16:designElem xmlns:p16="http://schemas.microsoft.com/office/powerpoint/2015/main" val="1"/>
+              </p:ext>
+            </p:extLst>
+          </p:nvPr>
+        </p:nvGrpSpPr>
+        <p:grpSpPr>
+          <a:xfrm>
+            <a:off x="11401725" y="6229681"/>
+            <a:ext cx="457200" cy="457200"/>
+            <a:chOff x="11361456" y="6195813"/>
+            <a:chExt cx="548640" cy="548640"/>
+          </a:xfrm>
+        </p:grpSpPr>
+        <p:sp>
+          <p:nvSpPr>
+            <p:cNvPr id="10" name="Oval 9">
+              <a:extLst>
+                <a:ext uri="{FF2B5EF4-FFF2-40B4-BE49-F238E27FC236}">
+                  <a16:creationId xmlns:a16="http://schemas.microsoft.com/office/drawing/2014/main" id="{AD016B6E-F283-4CFB-9099-05C8DA6AB3FB}"/>
+                </a:ext>
+                <a:ext uri="{C183D7F6-B498-43B3-948B-1728B52AA6E4}">
+                  <adec:decorative xmlns:adec="http://schemas.microsoft.com/office/drawing/2017/decorative" val="1"/>
+                </a:ext>
+              </a:extLst>
+            </p:cNvPr>
+            <p:cNvSpPr/>
+            <p:nvPr>
+              <p:extLst>
+                <p:ext uri="{386F3935-93C4-4BCD-93E2-E3B085C9AB24}">
+                  <p16:designElem xmlns:p16="http://schemas.microsoft.com/office/powerpoint/2015/main" val="1"/>
+                </p:ext>
+              </p:extLst>
+            </p:nvPr>
+          </p:nvSpPr>
+          <p:spPr>
+            <a:xfrm>
+              <a:off x="11361456" y="6195813"/>
+              <a:ext cx="548640" cy="548640"/>
+            </a:xfrm>
+            <a:prstGeom prst="ellipse">
+              <a:avLst/>
+            </a:prstGeom>
+            <a:blipFill dpi="0" rotWithShape="1">
+              <a:blip r:embed="rId2">
+                <a:duotone>
+                  <a:schemeClr val="accent1">
+                    <a:shade val="45000"/>
+                    <a:satMod val="135000"/>
+                  </a:schemeClr>
+                  <a:prstClr val="white"/>
+                </a:duotone>
+                <a:extLst>
+                  <a:ext uri="{BEBA8EAE-BF5A-486C-A8C5-ECC9F3942E4B}">
+                    <a14:imgProps xmlns:a14="http://schemas.microsoft.com/office/drawing/2010/main">
+                      <a14:imgLayer r:embed="rId3">
+                        <a14:imgEffect>
+                          <a14:saturation sat="95000"/>
+                        </a14:imgEffect>
+                        <a14:imgEffect>
+                          <a14:brightnessContrast bright="-40000" contrast="20000"/>
+                        </a14:imgEffect>
+                      </a14:imgLayer>
+                    </a14:imgProps>
+                  </a:ext>
+                </a:extLst>
+              </a:blip>
+              <a:srcRect/>
+              <a:tile tx="50800" ty="0" sx="85000" sy="85000" flip="none" algn="tl"/>
+            </a:blipFill>
+            <a:ln w="25400" cap="flat" cmpd="sng" algn="ctr">
+              <a:noFill/>
+              <a:prstDash val="solid"/>
+            </a:ln>
+            <a:effectLst/>
+          </p:spPr>
+        </p:sp>
+        <p:sp>
+          <p:nvSpPr>
+            <p:cNvPr id="11" name="Oval 10">
+              <a:extLst>
+                <a:ext uri="{FF2B5EF4-FFF2-40B4-BE49-F238E27FC236}">
+                  <a16:creationId xmlns:a16="http://schemas.microsoft.com/office/drawing/2014/main" id="{72D0360E-345F-4790-B0A0-03ADC36B5E45}"/>
+                </a:ext>
+                <a:ext uri="{C183D7F6-B498-43B3-948B-1728B52AA6E4}">
+                  <adec:decorative xmlns:adec="http://schemas.microsoft.com/office/drawing/2017/decorative" val="1"/>
+                </a:ext>
+              </a:extLst>
+            </p:cNvPr>
+            <p:cNvSpPr/>
+            <p:nvPr>
+              <p:extLst>
+                <p:ext uri="{386F3935-93C4-4BCD-93E2-E3B085C9AB24}">
+                  <p16:designElem xmlns:p16="http://schemas.microsoft.com/office/powerpoint/2015/main" val="1"/>
+                </p:ext>
+              </p:extLst>
+            </p:nvPr>
+          </p:nvSpPr>
+          <p:spPr>
+            <a:xfrm>
+              <a:off x="11396488" y="6230844"/>
+              <a:ext cx="478576" cy="478578"/>
+            </a:xfrm>
+            <a:prstGeom prst="ellipse">
+              <a:avLst/>
+            </a:prstGeom>
+            <a:noFill/>
+            <a:ln w="12700" cap="flat" cmpd="sng" algn="ctr">
+              <a:solidFill>
+                <a:srgbClr val="FFFFFF"/>
+              </a:solidFill>
+              <a:prstDash val="solid"/>
+            </a:ln>
+            <a:effectLst/>
+          </p:spPr>
+        </p:sp>
+      </p:grpSp>
+      <p:sp useBgFill="1">
+        <p:nvSpPr>
+          <p:cNvPr id="13" name="Rectangle 12">
+            <a:extLst>
+              <a:ext uri="{FF2B5EF4-FFF2-40B4-BE49-F238E27FC236}">
+                <a16:creationId xmlns:a16="http://schemas.microsoft.com/office/drawing/2014/main" id="{5118BA95-03E7-41B7-B442-0AF8C0A7FF68}"/>
+              </a:ext>
+              <a:ext uri="{C183D7F6-B498-43B3-948B-1728B52AA6E4}">
+                <adec:decorative xmlns:adec="http://schemas.microsoft.com/office/drawing/2017/decorative" val="1"/>
+              </a:ext>
+            </a:extLst>
+          </p:cNvPr>
+          <p:cNvSpPr>
+            <a:spLocks noGrp="1" noRot="1" noChangeAspect="1" noMove="1" noResize="1" noEditPoints="1" noAdjustHandles="1" noChangeArrowheads="1" noChangeShapeType="1" noTextEdit="1"/>
+          </p:cNvSpPr>
+          <p:nvPr>
+            <p:extLst>
+              <p:ext uri="{386F3935-93C4-4BCD-93E2-E3B085C9AB24}">
+                <p16:designElem xmlns:p16="http://schemas.microsoft.com/office/powerpoint/2015/main" val="1"/>
+              </p:ext>
+            </p:extLst>
+          </p:nvPr>
+        </p:nvSpPr>
+        <p:spPr bwMode="white">
+          <a:xfrm>
+            <a:off x="0" y="0"/>
+            <a:ext cx="12188952" cy="6858001"/>
+          </a:xfrm>
+          <a:prstGeom prst="rect">
+            <a:avLst/>
+          </a:prstGeom>
+          <a:ln>
+            <a:noFill/>
+          </a:ln>
+        </p:spPr>
+        <p:style>
+          <a:lnRef idx="2">
+            <a:schemeClr val="accent1">
+              <a:shade val="50000"/>
+            </a:schemeClr>
+          </a:lnRef>
+          <a:fillRef idx="1">
+            <a:schemeClr val="accent1"/>
+          </a:fillRef>
+          <a:effectRef idx="0">
+            <a:schemeClr val="accent1"/>
+          </a:effectRef>
+          <a:fontRef idx="minor">
+            <a:schemeClr val="lt1"/>
+          </a:fontRef>
+        </p:style>
+        <p:txBody>
+          <a:bodyPr rot="0" spcFirstLastPara="0" vert="horz" wrap="square" lIns="91440" tIns="45720" rIns="91440" bIns="45720" numCol="1" spcCol="0" rtlCol="0" fromWordArt="0" anchor="ctr" anchorCtr="0" forceAA="0" compatLnSpc="1">
+            <a:prstTxWarp prst="textNoShape">
+              <a:avLst/>
+            </a:prstTxWarp>
+            <a:noAutofit/>
+          </a:bodyPr>
+          <a:lstStyle>
+            <a:defPPr>
+              <a:defRPr lang="en-US"/>
+            </a:defPPr>
+            <a:lvl1pPr marL="0" algn="l" defTabSz="914400" rtl="0" eaLnBrk="1" latinLnBrk="0" hangingPunct="1">
+              <a:defRPr sz="1800" kern="1200">
+                <a:solidFill>
+                  <a:schemeClr val="lt1"/>
+                </a:solidFill>
+                <a:latin typeface="+mn-lt"/>
+                <a:ea typeface="+mn-ea"/>
+                <a:cs typeface="+mn-cs"/>
+              </a:defRPr>
+            </a:lvl1pPr>
+            <a:lvl2pPr marL="457200" algn="l" defTabSz="914400" rtl="0" eaLnBrk="1" latinLnBrk="0" hangingPunct="1">
+              <a:defRPr sz="1800" kern="1200">
+                <a:solidFill>
+                  <a:schemeClr val="lt1"/>
+                </a:solidFill>
+                <a:latin typeface="+mn-lt"/>
+                <a:ea typeface="+mn-ea"/>
+                <a:cs typeface="+mn-cs"/>
+              </a:defRPr>
+            </a:lvl2pPr>
+            <a:lvl3pPr marL="914400" algn="l" defTabSz="914400" rtl="0" eaLnBrk="1" latinLnBrk="0" hangingPunct="1">
+              <a:defRPr sz="1800" kern="1200">
+                <a:solidFill>
+                  <a:schemeClr val="lt1"/>
+                </a:solidFill>
+                <a:latin typeface="+mn-lt"/>
+                <a:ea typeface="+mn-ea"/>
+                <a:cs typeface="+mn-cs"/>
+              </a:defRPr>
+            </a:lvl3pPr>
+            <a:lvl4pPr marL="1371600" algn="l" defTabSz="914400" rtl="0" eaLnBrk="1" latinLnBrk="0" hangingPunct="1">
+              <a:defRPr sz="1800" kern="1200">
+                <a:solidFill>
+                  <a:schemeClr val="lt1"/>
+                </a:solidFill>
+                <a:latin typeface="+mn-lt"/>
+                <a:ea typeface="+mn-ea"/>
+                <a:cs typeface="+mn-cs"/>
+              </a:defRPr>
+            </a:lvl4pPr>
+            <a:lvl5pPr marL="1828800" algn="l" defTabSz="914400" rtl="0" eaLnBrk="1" latinLnBrk="0" hangingPunct="1">
+              <a:defRPr sz="1800" kern="1200">
+                <a:solidFill>
+                  <a:schemeClr val="lt1"/>
+                </a:solidFill>
+                <a:latin typeface="+mn-lt"/>
+                <a:ea typeface="+mn-ea"/>
+                <a:cs typeface="+mn-cs"/>
+              </a:defRPr>
+            </a:lvl5pPr>
+            <a:lvl6pPr marL="2286000" algn="l" defTabSz="914400" rtl="0" eaLnBrk="1" latinLnBrk="0" hangingPunct="1">
+              <a:defRPr sz="1800" kern="1200">
+                <a:solidFill>
+                  <a:schemeClr val="lt1"/>
+                </a:solidFill>
+                <a:latin typeface="+mn-lt"/>
+                <a:ea typeface="+mn-ea"/>
+                <a:cs typeface="+mn-cs"/>
+              </a:defRPr>
+            </a:lvl6pPr>
+            <a:lvl7pPr marL="2743200" algn="l" defTabSz="914400" rtl="0" eaLnBrk="1" latinLnBrk="0" hangingPunct="1">
+              <a:defRPr sz="1800" kern="1200">
+                <a:solidFill>
+                  <a:schemeClr val="lt1"/>
+                </a:solidFill>
+                <a:latin typeface="+mn-lt"/>
+                <a:ea typeface="+mn-ea"/>
+                <a:cs typeface="+mn-cs"/>
+              </a:defRPr>
+            </a:lvl7pPr>
+            <a:lvl8pPr marL="3200400" algn="l" defTabSz="914400" rtl="0" eaLnBrk="1" latinLnBrk="0" hangingPunct="1">
+              <a:defRPr sz="1800" kern="1200">
+                <a:solidFill>
+                  <a:schemeClr val="lt1"/>
+                </a:solidFill>
+                <a:latin typeface="+mn-lt"/>
+                <a:ea typeface="+mn-ea"/>
+                <a:cs typeface="+mn-cs"/>
+              </a:defRPr>
+            </a:lvl8pPr>
+            <a:lvl9pPr marL="3657600" algn="l" defTabSz="914400" rtl="0" eaLnBrk="1" latinLnBrk="0" hangingPunct="1">
+              <a:defRPr sz="1800" kern="1200">
+                <a:solidFill>
+                  <a:schemeClr val="lt1"/>
+                </a:solidFill>
+                <a:latin typeface="+mn-lt"/>
+                <a:ea typeface="+mn-ea"/>
+                <a:cs typeface="+mn-cs"/>
+              </a:defRPr>
+            </a:lvl9pPr>
+          </a:lstStyle>
+          <a:p>
+            <a:pPr algn="ctr"/>
+            <a:endParaRPr lang="en-US"/>
+          </a:p>
+        </p:txBody>
+      </p:sp>
+      <p:sp>
+        <p:nvSpPr>
+          <p:cNvPr id="3" name="CasetăText 2">
+            <a:extLst>
+              <a:ext uri="{FF2B5EF4-FFF2-40B4-BE49-F238E27FC236}">
+                <a16:creationId xmlns:a16="http://schemas.microsoft.com/office/drawing/2014/main" id="{F7FD7598-B4B7-6151-490A-5223DDEF00E0}"/>
+              </a:ext>
+            </a:extLst>
+          </p:cNvPr>
+          <p:cNvSpPr txBox="1"/>
+          <p:nvPr/>
+        </p:nvSpPr>
+        <p:spPr>
+          <a:xfrm>
+            <a:off x="323948" y="805865"/>
+            <a:ext cx="7207114" cy="4941465"/>
+          </a:xfrm>
+          <a:prstGeom prst="rect">
+            <a:avLst/>
+          </a:prstGeom>
+        </p:spPr>
+        <p:txBody>
+          <a:bodyPr vert="horz" lIns="91440" tIns="45720" rIns="91440" bIns="45720" rtlCol="0" anchor="ctr">
+            <a:normAutofit/>
+          </a:bodyPr>
+          <a:lstStyle/>
+          <a:p>
+            <a:pPr indent="-182880" defTabSz="914400">
+              <a:lnSpc>
+                <a:spcPct val="90000"/>
+              </a:lnSpc>
+              <a:spcAft>
+                <a:spcPts val="600"/>
+              </a:spcAft>
+              <a:buClr>
+                <a:schemeClr val="accent1">
+                  <a:lumMod val="75000"/>
+                </a:schemeClr>
+              </a:buClr>
+              <a:buSzPct val="85000"/>
+              <a:buFont typeface="Wingdings" pitchFamily="2" charset="2"/>
+              <a:buChar char="§"/>
+            </a:pPr>
+            <a:r>
+              <a:rPr lang="en-US" b="1" u="sng" dirty="0"/>
+              <a:t>POZITIVE:</a:t>
+            </a:r>
+          </a:p>
+          <a:p>
+            <a:pPr marL="285750" indent="-182880" defTabSz="914400">
+              <a:lnSpc>
+                <a:spcPct val="90000"/>
+              </a:lnSpc>
+              <a:spcAft>
+                <a:spcPts val="600"/>
+              </a:spcAft>
+              <a:buClr>
+                <a:schemeClr val="accent1">
+                  <a:lumMod val="75000"/>
+                </a:schemeClr>
+              </a:buClr>
+              <a:buSzPct val="85000"/>
+              <a:buFont typeface="Wingdings" pitchFamily="2" charset="2"/>
+              <a:buChar char="§"/>
+            </a:pPr>
+            <a:r>
+              <a:rPr lang="en-US" dirty="0" err="1"/>
+              <a:t>Îmbunătățirea</a:t>
+            </a:r>
+            <a:r>
+              <a:rPr lang="en-US" dirty="0"/>
+              <a:t> </a:t>
+            </a:r>
+            <a:r>
+              <a:rPr lang="en-US" dirty="0" err="1"/>
+              <a:t>lucrului</a:t>
+            </a:r>
+            <a:r>
+              <a:rPr lang="en-US" dirty="0"/>
+              <a:t> </a:t>
+            </a:r>
+            <a:r>
+              <a:rPr lang="en-US" dirty="0" err="1"/>
+              <a:t>în</a:t>
+            </a:r>
+            <a:r>
+              <a:rPr lang="en-US" dirty="0"/>
+              <a:t> </a:t>
+            </a:r>
+            <a:r>
+              <a:rPr lang="en-US" dirty="0" err="1"/>
+              <a:t>echipă</a:t>
+            </a:r>
+            <a:endParaRPr lang="en-US" dirty="0"/>
+          </a:p>
+          <a:p>
+            <a:pPr marL="285750" indent="-182880" defTabSz="914400">
+              <a:lnSpc>
+                <a:spcPct val="90000"/>
+              </a:lnSpc>
+              <a:spcAft>
+                <a:spcPts val="600"/>
+              </a:spcAft>
+              <a:buClr>
+                <a:schemeClr val="accent1">
+                  <a:lumMod val="75000"/>
+                </a:schemeClr>
+              </a:buClr>
+              <a:buSzPct val="85000"/>
+              <a:buFont typeface="Wingdings" pitchFamily="2" charset="2"/>
+              <a:buChar char="§"/>
+            </a:pPr>
+            <a:endParaRPr lang="en-US" dirty="0"/>
+          </a:p>
+          <a:p>
+            <a:pPr marL="285750" indent="-182880" defTabSz="914400">
+              <a:lnSpc>
+                <a:spcPct val="90000"/>
+              </a:lnSpc>
+              <a:spcAft>
+                <a:spcPts val="600"/>
+              </a:spcAft>
+              <a:buClr>
+                <a:schemeClr val="accent1">
+                  <a:lumMod val="75000"/>
+                </a:schemeClr>
+              </a:buClr>
+              <a:buSzPct val="85000"/>
+              <a:buFont typeface="Wingdings" pitchFamily="2" charset="2"/>
+              <a:buChar char="§"/>
+            </a:pPr>
+            <a:r>
+              <a:rPr lang="en-US" dirty="0" err="1"/>
+              <a:t>Oportunitatea</a:t>
+            </a:r>
+            <a:r>
+              <a:rPr lang="en-US" dirty="0"/>
+              <a:t> de a </a:t>
+            </a:r>
+            <a:r>
+              <a:rPr lang="en-US" dirty="0" err="1"/>
+              <a:t>învăța</a:t>
+            </a:r>
+            <a:r>
+              <a:rPr lang="en-US" dirty="0"/>
+              <a:t> </a:t>
+            </a:r>
+            <a:r>
+              <a:rPr lang="en-US" dirty="0" err="1"/>
+              <a:t>noi</a:t>
+            </a:r>
+            <a:r>
+              <a:rPr lang="en-US" dirty="0"/>
+              <a:t> </a:t>
+            </a:r>
+            <a:r>
+              <a:rPr lang="en-US" dirty="0" err="1"/>
+              <a:t>modalități</a:t>
+            </a:r>
+            <a:r>
+              <a:rPr lang="en-US" dirty="0"/>
+              <a:t> de </a:t>
+            </a:r>
+            <a:r>
+              <a:rPr lang="en-US" dirty="0" err="1"/>
+              <a:t>lucru</a:t>
+            </a:r>
+            <a:r>
+              <a:rPr lang="en-US" dirty="0"/>
+              <a:t> </a:t>
+            </a:r>
+            <a:r>
+              <a:rPr lang="en-US" dirty="0" err="1"/>
+              <a:t>și</a:t>
+            </a:r>
+            <a:r>
+              <a:rPr lang="en-US" dirty="0"/>
+              <a:t> de a </a:t>
+            </a:r>
+            <a:r>
+              <a:rPr lang="en-US" dirty="0" err="1"/>
+              <a:t>primi</a:t>
+            </a:r>
+            <a:r>
+              <a:rPr lang="en-US" dirty="0"/>
+              <a:t> </a:t>
+            </a:r>
+            <a:r>
+              <a:rPr lang="en-US" dirty="0" err="1"/>
+              <a:t>sfaturi</a:t>
+            </a:r>
+            <a:endParaRPr lang="ro-RO" dirty="0"/>
+          </a:p>
+          <a:p>
+            <a:pPr marL="102870" defTabSz="914400">
+              <a:lnSpc>
+                <a:spcPct val="90000"/>
+              </a:lnSpc>
+              <a:spcAft>
+                <a:spcPts val="600"/>
+              </a:spcAft>
+              <a:buClr>
+                <a:schemeClr val="accent1">
+                  <a:lumMod val="75000"/>
+                </a:schemeClr>
+              </a:buClr>
+              <a:buSzPct val="85000"/>
+            </a:pPr>
+            <a:endParaRPr lang="en-US" dirty="0"/>
+          </a:p>
+          <a:p>
+            <a:pPr marL="285750" indent="-182880" defTabSz="914400">
+              <a:lnSpc>
+                <a:spcPct val="90000"/>
+              </a:lnSpc>
+              <a:spcAft>
+                <a:spcPts val="600"/>
+              </a:spcAft>
+              <a:buClr>
+                <a:schemeClr val="accent1">
+                  <a:lumMod val="75000"/>
+                </a:schemeClr>
+              </a:buClr>
+              <a:buSzPct val="85000"/>
+              <a:buFont typeface="Wingdings" pitchFamily="2" charset="2"/>
+              <a:buChar char="§"/>
+            </a:pPr>
+            <a:endParaRPr lang="ro-RO" dirty="0"/>
+          </a:p>
+          <a:p>
+            <a:pPr marL="285750" indent="-285750">
+              <a:spcAft>
+                <a:spcPts val="600"/>
+              </a:spcAft>
+              <a:buClr>
+                <a:schemeClr val="accent2"/>
+              </a:buClr>
+              <a:buFont typeface="Wingdings" panose="05000000000000000000" pitchFamily="2" charset="2"/>
+              <a:buChar char="§"/>
+            </a:pPr>
+            <a:r>
+              <a:rPr lang="ro-RO" b="1" u="sng" dirty="0"/>
+              <a:t>NEGATIVE:</a:t>
+            </a:r>
+          </a:p>
+          <a:p>
+            <a:pPr marL="742950" lvl="1" indent="-285750">
+              <a:spcAft>
+                <a:spcPts val="600"/>
+              </a:spcAft>
+              <a:buClr>
+                <a:schemeClr val="accent2"/>
+              </a:buClr>
+              <a:buFont typeface="Wingdings" panose="05000000000000000000" pitchFamily="2" charset="2"/>
+              <a:buChar char="§"/>
+            </a:pPr>
+            <a:r>
+              <a:rPr lang="ro-RO" dirty="0"/>
+              <a:t>Sincronizarea între coechipieri</a:t>
+            </a:r>
+          </a:p>
+          <a:p>
+            <a:pPr>
+              <a:spcAft>
+                <a:spcPts val="600"/>
+              </a:spcAft>
+            </a:pPr>
+            <a:endParaRPr lang="ro-RO" dirty="0"/>
+          </a:p>
+        </p:txBody>
+      </p:sp>
+      <p:sp>
+        <p:nvSpPr>
+          <p:cNvPr id="15" name="Rectangle 14">
+            <a:extLst>
+              <a:ext uri="{FF2B5EF4-FFF2-40B4-BE49-F238E27FC236}">
+                <a16:creationId xmlns:a16="http://schemas.microsoft.com/office/drawing/2014/main" id="{AD9B3EAD-A2B3-42C4-927C-3455E3E69EE6}"/>
+              </a:ext>
+              <a:ext uri="{C183D7F6-B498-43B3-948B-1728B52AA6E4}">
+                <adec:decorative xmlns:adec="http://schemas.microsoft.com/office/drawing/2017/decorative" val="1"/>
+              </a:ext>
+            </a:extLst>
+          </p:cNvPr>
+          <p:cNvSpPr>
+            <a:spLocks noGrp="1" noRot="1" noChangeAspect="1" noMove="1" noResize="1" noEditPoints="1" noAdjustHandles="1" noChangeArrowheads="1" noChangeShapeType="1" noTextEdit="1"/>
+          </p:cNvSpPr>
+          <p:nvPr>
+            <p:extLst>
+              <p:ext uri="{386F3935-93C4-4BCD-93E2-E3B085C9AB24}">
+                <p16:designElem xmlns:p16="http://schemas.microsoft.com/office/powerpoint/2015/main" val="1"/>
+              </p:ext>
+            </p:extLst>
+          </p:nvPr>
+        </p:nvSpPr>
+        <p:spPr>
+          <a:xfrm rot="5400000">
+            <a:off x="5586983" y="3388659"/>
+            <a:ext cx="3657600" cy="80683"/>
+          </a:xfrm>
+          <a:prstGeom prst="rect">
+            <a:avLst/>
+          </a:prstGeom>
+          <a:blipFill dpi="0" rotWithShape="1">
+            <a:blip r:embed="rId4">
+              <a:alphaModFix amt="85000"/>
+              <a:lum bright="70000" contrast="-70000"/>
+              <a:extLst>
+                <a:ext uri="{BEBA8EAE-BF5A-486C-A8C5-ECC9F3942E4B}">
+                  <a14:imgProps xmlns:a14="http://schemas.microsoft.com/office/drawing/2010/main">
+                    <a14:imgLayer r:embed="rId5">
+                      <a14:imgEffect>
+                        <a14:sharpenSoften amount="61000"/>
+                      </a14:imgEffect>
+                    </a14:imgLayer>
+                  </a14:imgProps>
+                </a:ext>
+                <a:ext uri="{28A0092B-C50C-407E-A947-70E740481C1C}">
+                  <a14:useLocalDpi xmlns:a14="http://schemas.microsoft.com/office/drawing/2010/main" val="0"/>
+                </a:ext>
+              </a:extLst>
+            </a:blip>
+            <a:srcRect/>
+            <a:tile tx="0" ty="-717550" sx="92000" sy="89000" flip="xy" algn="ctr"/>
+          </a:blipFill>
+          <a:ln>
+            <a:noFill/>
+          </a:ln>
+        </p:spPr>
+        <p:style>
+          <a:lnRef idx="2">
+            <a:schemeClr val="accent1">
+              <a:shade val="50000"/>
+            </a:schemeClr>
+          </a:lnRef>
+          <a:fillRef idx="1">
+            <a:schemeClr val="accent1"/>
+          </a:fillRef>
+          <a:effectRef idx="0">
+            <a:schemeClr val="accent1"/>
+          </a:effectRef>
+          <a:fontRef idx="minor">
+            <a:schemeClr val="lt1"/>
+          </a:fontRef>
+        </p:style>
+      </p:sp>
+      <p:grpSp>
+        <p:nvGrpSpPr>
+          <p:cNvPr id="17" name="Group 16">
+            <a:extLst>
+              <a:ext uri="{FF2B5EF4-FFF2-40B4-BE49-F238E27FC236}">
+                <a16:creationId xmlns:a16="http://schemas.microsoft.com/office/drawing/2014/main" id="{4BF9B298-BC35-4C0F-8301-5D63A1E6D281}"/>
+              </a:ext>
+              <a:ext uri="{C183D7F6-B498-43B3-948B-1728B52AA6E4}">
+                <adec:decorative xmlns:adec="http://schemas.microsoft.com/office/drawing/2017/decorative" val="1"/>
+              </a:ext>
+            </a:extLst>
+          </p:cNvPr>
+          <p:cNvGrpSpPr>
+            <a:grpSpLocks noGrp="1" noUngrp="1" noRot="1" noChangeAspect="1" noMove="1" noResize="1"/>
+          </p:cNvGrpSpPr>
+          <p:nvPr>
+            <p:extLst>
+              <p:ext uri="{386F3935-93C4-4BCD-93E2-E3B085C9AB24}">
+                <p16:designElem xmlns:p16="http://schemas.microsoft.com/office/powerpoint/2015/main" val="1"/>
+              </p:ext>
+            </p:extLst>
+          </p:nvPr>
+        </p:nvGrpSpPr>
+        <p:grpSpPr>
+          <a:xfrm>
+            <a:off x="7942859" y="1679571"/>
+            <a:ext cx="3498864" cy="3498858"/>
+            <a:chOff x="7942859" y="1679571"/>
+            <a:chExt cx="3498864" cy="3498858"/>
+          </a:xfrm>
+        </p:grpSpPr>
+        <p:sp>
+          <p:nvSpPr>
+            <p:cNvPr id="18" name="Oval 17">
+              <a:extLst>
+                <a:ext uri="{FF2B5EF4-FFF2-40B4-BE49-F238E27FC236}">
+                  <a16:creationId xmlns:a16="http://schemas.microsoft.com/office/drawing/2014/main" id="{059D8741-EAD6-41B1-A882-70D70FC35821}"/>
+                </a:ext>
+                <a:ext uri="{C183D7F6-B498-43B3-948B-1728B52AA6E4}">
+                  <adec:decorative xmlns:adec="http://schemas.microsoft.com/office/drawing/2017/decorative" val="1"/>
+                </a:ext>
+              </a:extLst>
+            </p:cNvPr>
+            <p:cNvSpPr/>
+            <p:nvPr>
+              <p:extLst>
+                <p:ext uri="{386F3935-93C4-4BCD-93E2-E3B085C9AB24}">
+                  <p16:designElem xmlns:p16="http://schemas.microsoft.com/office/powerpoint/2015/main" val="1"/>
+                </p:ext>
+              </p:extLst>
+            </p:nvPr>
+          </p:nvSpPr>
+          <p:spPr>
+            <a:xfrm>
+              <a:off x="7942859" y="1679571"/>
+              <a:ext cx="3498864" cy="3498858"/>
+            </a:xfrm>
+            <a:prstGeom prst="ellipse">
+              <a:avLst/>
+            </a:prstGeom>
+            <a:blipFill dpi="0" rotWithShape="1">
+              <a:blip r:embed="rId6">
+                <a:duotone>
+                  <a:schemeClr val="accent1">
+                    <a:shade val="45000"/>
+                    <a:satMod val="135000"/>
+                  </a:schemeClr>
+                  <a:prstClr val="white"/>
+                </a:duotone>
+                <a:extLst>
+                  <a:ext uri="{BEBA8EAE-BF5A-486C-A8C5-ECC9F3942E4B}">
+                    <a14:imgProps xmlns:a14="http://schemas.microsoft.com/office/drawing/2010/main">
+                      <a14:imgLayer r:embed="rId7">
+                        <a14:imgEffect>
+                          <a14:saturation sat="400000"/>
+                        </a14:imgEffect>
+                        <a14:imgEffect>
+                          <a14:brightnessContrast bright="-40000" contrast="40000"/>
+                        </a14:imgEffect>
+                      </a14:imgLayer>
+                    </a14:imgProps>
+                  </a:ext>
+                </a:extLst>
+              </a:blip>
+              <a:srcRect/>
+              <a:tile tx="0" ty="0" sx="85000" sy="85000" flip="none" algn="tl"/>
+            </a:blipFill>
+            <a:ln w="25400" cap="flat" cmpd="sng" algn="ctr">
+              <a:noFill/>
+              <a:prstDash val="solid"/>
+            </a:ln>
+            <a:effectLst/>
+          </p:spPr>
+          <p:txBody>
+            <a:bodyPr lIns="0" tIns="0" rIns="0" bIns="0" rtlCol="0" anchor="ctr"/>
+            <a:lstStyle/>
+            <a:p>
+              <a:pPr marL="0" marR="0" lvl="0" indent="0" algn="ctr" defTabSz="914400" eaLnBrk="1" fontAlgn="auto" latinLnBrk="0" hangingPunct="1">
+                <a:lnSpc>
+                  <a:spcPct val="100000"/>
+                </a:lnSpc>
+                <a:spcBef>
+                  <a:spcPts val="0"/>
+                </a:spcBef>
+                <a:spcAft>
+                  <a:spcPts val="0"/>
+                </a:spcAft>
+                <a:buClrTx/>
+                <a:buSzTx/>
+                <a:buFontTx/>
+                <a:buNone/>
+                <a:tabLst/>
+                <a:defRPr/>
+              </a:pPr>
+              <a:endParaRPr kumimoji="0" lang="en-US" sz="2000" b="0" i="0" u="none" strike="noStrike" kern="0" cap="none" spc="0" normalizeH="0" baseline="0" noProof="0" dirty="0">
+                <a:ln>
+                  <a:noFill/>
+                </a:ln>
+                <a:solidFill>
+                  <a:prstClr val="white"/>
+                </a:solidFill>
+                <a:effectLst/>
+                <a:uLnTx/>
+                <a:uFillTx/>
+                <a:latin typeface="Rockwell Extra Bold" pitchFamily="18" charset="0"/>
+                <a:ea typeface="+mn-ea"/>
+                <a:cs typeface="+mn-cs"/>
+              </a:endParaRPr>
+            </a:p>
+          </p:txBody>
+        </p:sp>
+        <p:sp>
+          <p:nvSpPr>
+            <p:cNvPr id="19" name="Oval 18">
+              <a:extLst>
+                <a:ext uri="{FF2B5EF4-FFF2-40B4-BE49-F238E27FC236}">
+                  <a16:creationId xmlns:a16="http://schemas.microsoft.com/office/drawing/2014/main" id="{45444F36-3103-4D11-A25F-C054D4606DA4}"/>
+                </a:ext>
+                <a:ext uri="{C183D7F6-B498-43B3-948B-1728B52AA6E4}">
+                  <adec:decorative xmlns:adec="http://schemas.microsoft.com/office/drawing/2017/decorative" val="1"/>
+                </a:ext>
+              </a:extLst>
+            </p:cNvPr>
+            <p:cNvSpPr/>
+            <p:nvPr>
+              <p:extLst>
+                <p:ext uri="{386F3935-93C4-4BCD-93E2-E3B085C9AB24}">
+                  <p16:designElem xmlns:p16="http://schemas.microsoft.com/office/powerpoint/2015/main" val="1"/>
+                </p:ext>
+              </p:extLst>
+            </p:nvPr>
+          </p:nvSpPr>
+          <p:spPr>
+            <a:xfrm>
+              <a:off x="8127958" y="1864667"/>
+              <a:ext cx="3128666" cy="3128662"/>
+            </a:xfrm>
+            <a:prstGeom prst="ellipse">
+              <a:avLst/>
+            </a:prstGeom>
+            <a:noFill/>
+            <a:ln w="25400" cap="flat" cmpd="sng" algn="ctr">
+              <a:solidFill>
+                <a:sysClr val="window" lastClr="FFFFFF"/>
+              </a:solidFill>
+              <a:prstDash val="solid"/>
+            </a:ln>
+            <a:effectLst/>
+          </p:spPr>
+          <p:txBody>
+            <a:bodyPr rtlCol="0" anchor="ctr"/>
+            <a:lstStyle/>
+            <a:p>
+              <a:pPr marL="0" marR="0" lvl="0" indent="0" algn="ctr" defTabSz="914400" eaLnBrk="1" fontAlgn="auto" latinLnBrk="0" hangingPunct="1">
+                <a:lnSpc>
+                  <a:spcPct val="100000"/>
+                </a:lnSpc>
+                <a:spcBef>
+                  <a:spcPts val="0"/>
+                </a:spcBef>
+                <a:spcAft>
+                  <a:spcPts val="0"/>
+                </a:spcAft>
+                <a:buClrTx/>
+                <a:buSzTx/>
+                <a:buFontTx/>
+                <a:buNone/>
+                <a:tabLst/>
+                <a:defRPr/>
+              </a:pPr>
+              <a:endParaRPr kumimoji="0" lang="en-US" sz="1800" b="0" i="0" u="none" strike="noStrike" kern="0" cap="none" spc="0" normalizeH="0" baseline="0" noProof="0" dirty="0">
+                <a:ln>
+                  <a:noFill/>
+                </a:ln>
+                <a:solidFill>
+                  <a:prstClr val="white"/>
+                </a:solidFill>
+                <a:effectLst/>
+                <a:uLnTx/>
+                <a:uFillTx/>
+                <a:latin typeface="Calibri"/>
+                <a:ea typeface="+mn-ea"/>
+                <a:cs typeface="+mn-cs"/>
+              </a:endParaRPr>
+            </a:p>
+          </p:txBody>
+        </p:sp>
+      </p:grpSp>
+      <p:sp>
+        <p:nvSpPr>
+          <p:cNvPr id="2" name="Titlu 1">
+            <a:extLst>
+              <a:ext uri="{FF2B5EF4-FFF2-40B4-BE49-F238E27FC236}">
+                <a16:creationId xmlns:a16="http://schemas.microsoft.com/office/drawing/2014/main" id="{B94B73D2-D4BF-7644-E497-0B85B5F8E1DD}"/>
+              </a:ext>
+            </a:extLst>
+          </p:cNvPr>
+          <p:cNvSpPr>
+            <a:spLocks noGrp="1"/>
+          </p:cNvSpPr>
+          <p:nvPr>
+            <p:ph type="title"/>
+          </p:nvPr>
+        </p:nvSpPr>
+        <p:spPr>
+          <a:xfrm>
+            <a:off x="8371968" y="2376862"/>
+            <a:ext cx="2640646" cy="2104273"/>
+          </a:xfrm>
+          <a:noFill/>
+        </p:spPr>
+        <p:txBody>
+          <a:bodyPr vert="horz" lIns="91440" tIns="45720" rIns="91440" bIns="45720" rtlCol="0" anchor="ctr">
+            <a:normAutofit/>
+          </a:bodyPr>
+          <a:lstStyle/>
+          <a:p>
+            <a:pPr algn="ctr"/>
+            <a:r>
               <a:rPr lang="en-US" sz="2800" i="1" dirty="0" err="1">
                 <a:solidFill>
                   <a:schemeClr val="bg1">
@@ -5894,7 +9461,7 @@
 </p:sld>
 </file>
 
-<file path=ppt/slides/slide11.xml><?xml version="1.0" encoding="utf-8"?>
+<file path=ppt/slides/slide15.xml><?xml version="1.0" encoding="utf-8"?>
 <p:sld xmlns:a="http://schemas.openxmlformats.org/drawingml/2006/main" xmlns:r="http://schemas.openxmlformats.org/officeDocument/2006/relationships" xmlns:p="http://schemas.openxmlformats.org/presentationml/2006/main">
   <p:cSld>
     <p:spTree>
@@ -8440,8 +12007,8 @@
         </p:nvSpPr>
         <p:spPr>
           <a:xfrm>
-            <a:off x="168327" y="1139870"/>
-            <a:ext cx="7207114" cy="3341265"/>
+            <a:off x="75778" y="604303"/>
+            <a:ext cx="7207114" cy="4941465"/>
           </a:xfrm>
           <a:prstGeom prst="rect">
             <a:avLst/>
@@ -8471,81 +12038,25 @@
             </a:pPr>
             <a:r>
               <a:rPr lang="en-US" dirty="0"/>
-              <a:t>Sa </a:t>
-            </a:r>
-            <a:r>
-              <a:rPr lang="en-US" dirty="0" err="1"/>
-              <a:t>comunicam</a:t>
-            </a:r>
-            <a:r>
-              <a:rPr lang="en-US" dirty="0"/>
-              <a:t> </a:t>
-            </a:r>
-            <a:r>
-              <a:rPr lang="en-US" dirty="0" err="1"/>
-              <a:t>mai</a:t>
-            </a:r>
-            <a:r>
-              <a:rPr lang="en-US" dirty="0"/>
-              <a:t> </a:t>
-            </a:r>
-            <a:r>
-              <a:rPr lang="en-US" dirty="0" err="1"/>
-              <a:t>mult</a:t>
-            </a:r>
-            <a:r>
-              <a:rPr lang="en-US" dirty="0"/>
-              <a:t> in </a:t>
-            </a:r>
-            <a:r>
-              <a:rPr lang="en-US" dirty="0" err="1"/>
-              <a:t>ceea</a:t>
-            </a:r>
-            <a:r>
-              <a:rPr lang="en-US" dirty="0"/>
-              <a:t> </a:t>
-            </a:r>
-            <a:r>
-              <a:rPr lang="en-US" dirty="0" err="1"/>
-              <a:t>ce</a:t>
-            </a:r>
-            <a:r>
-              <a:rPr lang="en-US" dirty="0"/>
-              <a:t> tine de </a:t>
-            </a:r>
-            <a:r>
-              <a:rPr lang="en-US" dirty="0" err="1"/>
-              <a:t>ce</a:t>
-            </a:r>
-            <a:r>
-              <a:rPr lang="en-US" dirty="0"/>
-              <a:t> </a:t>
-            </a:r>
-            <a:r>
-              <a:rPr lang="en-US" dirty="0" err="1"/>
-              <a:t>librarii</a:t>
-            </a:r>
-            <a:r>
-              <a:rPr lang="en-US" dirty="0"/>
-              <a:t>/ framework-</a:t>
-            </a:r>
-            <a:r>
-              <a:rPr lang="en-US" dirty="0" err="1"/>
-              <a:t>uri</a:t>
-            </a:r>
-            <a:r>
-              <a:rPr lang="en-US" dirty="0"/>
-              <a:t> </a:t>
-            </a:r>
-            <a:r>
-              <a:rPr lang="en-US" dirty="0" err="1"/>
-              <a:t>folosim</a:t>
-            </a:r>
-            <a:r>
-              <a:rPr lang="en-US" dirty="0"/>
-              <a:t>.</a:t>
-            </a:r>
-            <a:endParaRPr lang="ro-RO" dirty="0"/>
+              <a:t>FE: add review, landmark card, add landmark</a:t>
+            </a:r>
+          </a:p>
+          <a:p>
+            <a:pPr marL="102870" algn="just" defTabSz="914400">
+              <a:lnSpc>
+                <a:spcPct val="90000"/>
+              </a:lnSpc>
+              <a:spcAft>
+                <a:spcPts val="600"/>
+              </a:spcAft>
+              <a:buClr>
+                <a:schemeClr val="accent1">
+                  <a:lumMod val="75000"/>
+                </a:schemeClr>
+              </a:buClr>
+              <a:buSzPct val="85000"/>
+            </a:pPr>
+            <a:endParaRPr lang="en-US" dirty="0"/>
           </a:p>
           <a:p>
             <a:pPr marL="285750" indent="-182880" algn="just" defTabSz="914400">
@@ -8564,69 +12075,39 @@
               <a:buFont typeface="Wingdings" pitchFamily="2" charset="2"/>
               <a:buChar char="§"/>
             </a:pPr>
-            <a:endParaRPr lang="ro-RO" dirty="0"/>
-          </a:p>
-          <a:p>
-            <a:pPr marL="285750" indent="-182880" algn="just" defTabSz="914400">
-              <a:lnSpc>
-                <a:spcPct val="90000"/>
-              </a:lnSpc>
-              <a:spcAft>
-                <a:spcPts val="600"/>
-              </a:spcAft>
-              <a:buClr>
-                <a:schemeClr val="accent1">
-                  <a:lumMod val="75000"/>
-                </a:schemeClr>
-              </a:buClr>
-              <a:buSzPct val="85000"/>
-              <a:buFont typeface="Wingdings" pitchFamily="2" charset="2"/>
-              <a:buChar char="§"/>
-            </a:pPr>
             <a:r>
               <a:rPr lang="en-US" dirty="0"/>
-              <a:t>Sa ne </a:t>
+              <a:t>BE: user entity, role entity, </a:t>
             </a:r>
             <a:r>
               <a:rPr lang="en-US" dirty="0" err="1"/>
-              <a:t>facem</a:t>
+              <a:t>wishlist</a:t>
             </a:r>
             <a:r>
               <a:rPr lang="en-US" dirty="0"/>
-              <a:t> </a:t>
+              <a:t> entity, user </a:t>
             </a:r>
             <a:r>
               <a:rPr lang="en-US" dirty="0" err="1"/>
-              <a:t>mai</a:t>
+              <a:t>registratrion</a:t>
             </a:r>
             <a:r>
               <a:rPr lang="en-US" dirty="0"/>
-              <a:t> </a:t>
+              <a:t>, create </a:t>
             </a:r>
             <a:r>
               <a:rPr lang="en-US" dirty="0" err="1"/>
-              <a:t>mult</a:t>
+              <a:t>wishlist</a:t>
             </a:r>
             <a:r>
               <a:rPr lang="en-US" dirty="0"/>
-              <a:t> </a:t>
+              <a:t>, filter landmarks, get </a:t>
             </a:r>
             <a:r>
               <a:rPr lang="en-US" dirty="0" err="1"/>
-              <a:t>timp</a:t>
-            </a:r>
-            <a:r>
-              <a:rPr lang="en-US" dirty="0"/>
-              <a:t> </a:t>
-            </a:r>
-            <a:r>
-              <a:rPr lang="en-US" dirty="0" err="1"/>
-              <a:t>pentru</a:t>
-            </a:r>
-            <a:r>
-              <a:rPr lang="en-US" dirty="0"/>
-              <a:t> code review.</a:t>
-            </a:r>
+              <a:t>wishlist</a:t>
+            </a:r>
+            <a:endParaRPr lang="en-US" dirty="0"/>
           </a:p>
         </p:txBody>
       </p:sp>
@@ -8943,7 +12424,7 @@
           <a:p>
             <a:pPr algn="ctr"/>
             <a:r>
-              <a:rPr lang="ro-RO" sz="3200" i="1" dirty="0">
+              <a:rPr lang="en-US" sz="3200" i="1" dirty="0" err="1">
                 <a:solidFill>
                   <a:schemeClr val="bg1">
                     <a:shade val="97000"/>
@@ -8958,7 +12439,7 @@
                   </a:outerShdw>
                 </a:effectLst>
               </a:rPr>
-              <a:t>Aspecte de îmbunătățit</a:t>
+              <a:t>implementare</a:t>
             </a:r>
             <a:endParaRPr lang="en-US" sz="3200" i="1" dirty="0">
               <a:solidFill>
@@ -9057,7 +12538,7 @@
     </p:spTree>
     <p:extLst>
       <p:ext uri="{BB962C8B-B14F-4D97-AF65-F5344CB8AC3E}">
-        <p14:creationId xmlns:p14="http://schemas.microsoft.com/office/powerpoint/2010/main" val="1506849197"/>
+        <p14:creationId xmlns:p14="http://schemas.microsoft.com/office/powerpoint/2010/main" val="1139744818"/>
       </p:ext>
     </p:extLst>
   </p:cSld>
@@ -9399,8 +12880,8 @@
         </p:nvSpPr>
         <p:spPr>
           <a:xfrm>
-            <a:off x="46322" y="836928"/>
-            <a:ext cx="7207114" cy="4941465"/>
+            <a:off x="168327" y="1139870"/>
+            <a:ext cx="7207114" cy="3341265"/>
           </a:xfrm>
           <a:prstGeom prst="rect">
             <a:avLst/>
@@ -9429,16 +12910,12 @@
               <a:buChar char="§"/>
             </a:pPr>
             <a:r>
+              <a:rPr lang="en-US" dirty="0"/>
+              <a:t>Sa </a:t>
+            </a:r>
+            <a:r>
               <a:rPr lang="en-US" dirty="0" err="1"/>
-              <a:t>Legat</a:t>
-            </a:r>
-            <a:r>
-              <a:rPr lang="en-US" dirty="0"/>
-              <a:t> de </a:t>
-            </a:r>
-            <a:r>
-              <a:rPr lang="en-US" dirty="0" err="1"/>
-              <a:t>aspectele</a:t>
+              <a:t>comunicam</a:t>
             </a:r>
             <a:r>
               <a:rPr lang="en-US" dirty="0"/>
@@ -9446,15 +12923,7 @@
             </a:r>
             <a:r>
               <a:rPr lang="en-US" dirty="0" err="1"/>
-              <a:t>tehnice</a:t>
-            </a:r>
-            <a:r>
-              <a:rPr lang="en-US" dirty="0"/>
-              <a:t>, nu am </a:t>
-            </a:r>
-            <a:r>
-              <a:rPr lang="en-US" dirty="0" err="1"/>
-              <a:t>intampinat</a:t>
+              <a:t>mai</a:t>
             </a:r>
             <a:r>
               <a:rPr lang="en-US" dirty="0"/>
@@ -9462,15 +12931,15 @@
             </a:r>
             <a:r>
               <a:rPr lang="en-US" dirty="0" err="1"/>
-              <a:t>probleme</a:t>
+              <a:t>mult</a:t>
             </a:r>
             <a:r>
               <a:rPr lang="en-US" dirty="0"/>
-              <a:t> grave in </a:t>
+              <a:t> in </a:t>
             </a:r>
             <a:r>
               <a:rPr lang="en-US" dirty="0" err="1"/>
-              <a:t>rezolvarea</a:t>
+              <a:t>ceea</a:t>
             </a:r>
             <a:r>
               <a:rPr lang="en-US" dirty="0"/>
@@ -9478,7 +12947,15 @@
             </a:r>
             <a:r>
               <a:rPr lang="en-US" dirty="0" err="1"/>
-              <a:t>taskurilor</a:t>
+              <a:t>ce</a:t>
+            </a:r>
+            <a:r>
+              <a:rPr lang="en-US" dirty="0"/>
+              <a:t> tine de </a:t>
+            </a:r>
+            <a:r>
+              <a:rPr lang="en-US" dirty="0" err="1"/>
+              <a:t>ce</a:t>
             </a:r>
             <a:r>
               <a:rPr lang="en-US" dirty="0"/>
@@ -9486,27 +12963,11 @@
             </a:r>
             <a:r>
               <a:rPr lang="en-US" dirty="0" err="1"/>
-              <a:t>insa</a:t>
+              <a:t>librarii</a:t>
             </a:r>
             <a:r>
               <a:rPr lang="en-US" dirty="0"/>
-              <a:t> per total</a:t>
-            </a:r>
-            <a:r>
-              <a:rPr lang="ro-RO" dirty="0"/>
-              <a:t> </a:t>
-            </a:r>
-            <a:r>
-              <a:rPr lang="en-US" dirty="0"/>
-              <a:t>cred ca </a:t>
-            </a:r>
-            <a:r>
-              <a:rPr lang="en-US" dirty="0" err="1"/>
-              <a:t>unele</a:t>
-            </a:r>
-            <a:r>
-              <a:rPr lang="en-US" dirty="0"/>
-              <a:t> user story-</a:t>
+              <a:t>/ framework-</a:t>
             </a:r>
             <a:r>
               <a:rPr lang="en-US" dirty="0" err="1"/>
@@ -9514,190 +12975,17 @@
             </a:r>
             <a:r>
               <a:rPr lang="en-US" dirty="0"/>
-              <a:t> nu sunt </a:t>
+              <a:t> </a:t>
             </a:r>
             <a:r>
               <a:rPr lang="en-US" dirty="0" err="1"/>
-              <a:t>neaparat</a:t>
-            </a:r>
-            <a:r>
-              <a:rPr lang="en-US" dirty="0"/>
-              <a:t> </a:t>
-            </a:r>
-            <a:r>
-              <a:rPr lang="en-US" dirty="0" err="1"/>
-              <a:t>implementate</a:t>
-            </a:r>
-            <a:r>
-              <a:rPr lang="en-US" dirty="0"/>
-              <a:t> cum </a:t>
-            </a:r>
-            <a:r>
-              <a:rPr lang="en-US" dirty="0" err="1"/>
-              <a:t>ar</a:t>
-            </a:r>
-            <a:r>
-              <a:rPr lang="en-US" dirty="0"/>
-              <a:t> fi </a:t>
-            </a:r>
-            <a:r>
-              <a:rPr lang="en-US" dirty="0" err="1"/>
-              <a:t>trebuit</a:t>
-            </a:r>
-            <a:r>
-              <a:rPr lang="en-US" dirty="0"/>
-              <a:t> </a:t>
-            </a:r>
-            <a:r>
-              <a:rPr lang="en-US" dirty="0" err="1"/>
-              <a:t>deoraece</a:t>
-            </a:r>
-            <a:r>
-              <a:rPr lang="en-US" dirty="0"/>
-              <a:t> </a:t>
-            </a:r>
-            <a:r>
-              <a:rPr lang="en-US" dirty="0" err="1"/>
-              <a:t>fiecare</a:t>
-            </a:r>
-            <a:r>
-              <a:rPr lang="en-US" dirty="0"/>
-              <a:t> s-a </a:t>
-            </a:r>
-            <a:r>
-              <a:rPr lang="en-US" dirty="0" err="1"/>
-              <a:t>axat</a:t>
-            </a:r>
-            <a:r>
-              <a:rPr lang="en-US" dirty="0"/>
-              <a:t> pe </a:t>
-            </a:r>
-            <a:r>
-              <a:rPr lang="en-US" dirty="0" err="1"/>
-              <a:t>rezolvarea</a:t>
-            </a:r>
-            <a:r>
-              <a:rPr lang="en-US" dirty="0"/>
-              <a:t> "</a:t>
-            </a:r>
-            <a:r>
-              <a:rPr lang="en-US" dirty="0" err="1"/>
-              <a:t>obiectiva</a:t>
-            </a:r>
-            <a:r>
-              <a:rPr lang="en-US" dirty="0"/>
-              <a:t>" a </a:t>
-            </a:r>
-            <a:r>
-              <a:rPr lang="en-US" dirty="0" err="1"/>
-              <a:t>taskurilor</a:t>
-            </a:r>
-            <a:r>
-              <a:rPr lang="en-US" dirty="0"/>
-              <a:t>, </a:t>
-            </a:r>
-            <a:r>
-              <a:rPr lang="en-US" dirty="0" err="1"/>
-              <a:t>impactul</a:t>
-            </a:r>
-            <a:r>
-              <a:rPr lang="en-US" dirty="0"/>
-              <a:t> in </a:t>
-            </a:r>
-            <a:r>
-              <a:rPr lang="en-US" dirty="0" err="1"/>
-              <a:t>alte</a:t>
-            </a:r>
-            <a:r>
-              <a:rPr lang="en-US" dirty="0"/>
-              <a:t> </a:t>
-            </a:r>
-            <a:r>
-              <a:rPr lang="en-US" dirty="0" err="1"/>
-              <a:t>functionalitati</a:t>
-            </a:r>
-            <a:r>
-              <a:rPr lang="en-US" dirty="0"/>
-              <a:t> </a:t>
-            </a:r>
-            <a:r>
-              <a:rPr lang="en-US" dirty="0" err="1"/>
-              <a:t>fiind</a:t>
-            </a:r>
-            <a:r>
-              <a:rPr lang="en-US" dirty="0"/>
-              <a:t> </a:t>
-            </a:r>
-            <a:r>
-              <a:rPr lang="en-US" dirty="0" err="1"/>
-              <a:t>ignorat</a:t>
-            </a:r>
-            <a:r>
-              <a:rPr lang="en-US" dirty="0"/>
-              <a:t> </a:t>
-            </a:r>
-            <a:r>
-              <a:rPr lang="en-US" dirty="0" err="1"/>
-              <a:t>si</a:t>
-            </a:r>
-            <a:r>
-              <a:rPr lang="en-US" dirty="0"/>
-              <a:t> </a:t>
-            </a:r>
-            <a:r>
-              <a:rPr lang="en-US" dirty="0" err="1"/>
-              <a:t>ideea</a:t>
-            </a:r>
-            <a:r>
-              <a:rPr lang="en-US" dirty="0"/>
-              <a:t> de</a:t>
-            </a:r>
-            <a:r>
-              <a:rPr lang="ro-RO" dirty="0"/>
-              <a:t> </a:t>
-            </a:r>
-            <a:r>
-              <a:rPr lang="en-US" dirty="0" err="1"/>
-              <a:t>anasmblu</a:t>
-            </a:r>
-            <a:r>
-              <a:rPr lang="en-US" dirty="0"/>
-              <a:t> </a:t>
-            </a:r>
-            <a:r>
-              <a:rPr lang="en-US" dirty="0" err="1"/>
-              <a:t>fiind</a:t>
-            </a:r>
-            <a:r>
-              <a:rPr lang="en-US" dirty="0"/>
-              <a:t> </a:t>
-            </a:r>
-            <a:r>
-              <a:rPr lang="en-US" dirty="0" err="1"/>
-              <a:t>neglijata</a:t>
+              <a:t>folosim</a:t>
             </a:r>
             <a:r>
               <a:rPr lang="en-US" dirty="0"/>
               <a:t>.</a:t>
             </a:r>
             <a:endParaRPr lang="ro-RO" dirty="0"/>
-          </a:p>
-          <a:p>
-            <a:pPr marL="102870" algn="just" defTabSz="914400">
-              <a:lnSpc>
-                <a:spcPct val="90000"/>
-              </a:lnSpc>
-              <a:spcAft>
-                <a:spcPts val="600"/>
-              </a:spcAft>
-              <a:buClr>
-                <a:schemeClr val="accent1">
-                  <a:lumMod val="75000"/>
-                </a:schemeClr>
-              </a:buClr>
-              <a:buSzPct val="85000"/>
-            </a:pPr>
-            <a:endParaRPr lang="en-US" dirty="0"/>
           </a:p>
           <a:p>
             <a:pPr marL="285750" indent="-182880" algn="just" defTabSz="914400">
@@ -9716,13 +13004,32 @@
               <a:buFont typeface="Wingdings" pitchFamily="2" charset="2"/>
               <a:buChar char="§"/>
             </a:pPr>
+            <a:endParaRPr lang="ro-RO" dirty="0"/>
+          </a:p>
+          <a:p>
+            <a:pPr marL="285750" indent="-182880" algn="just" defTabSz="914400">
+              <a:lnSpc>
+                <a:spcPct val="90000"/>
+              </a:lnSpc>
+              <a:spcAft>
+                <a:spcPts val="600"/>
+              </a:spcAft>
+              <a:buClr>
+                <a:schemeClr val="accent1">
+                  <a:lumMod val="75000"/>
+                </a:schemeClr>
+              </a:buClr>
+              <a:buSzPct val="85000"/>
+              <a:buFont typeface="Wingdings" pitchFamily="2" charset="2"/>
+              <a:buChar char="§"/>
+            </a:pPr>
             <a:r>
               <a:rPr lang="en-US" dirty="0"/>
-              <a:t>O </a:t>
+              <a:t>Sa ne </a:t>
             </a:r>
             <a:r>
               <a:rPr lang="en-US" dirty="0" err="1"/>
-              <a:t>alta</a:t>
+              <a:t>facem</a:t>
             </a:r>
             <a:r>
               <a:rPr lang="en-US" dirty="0"/>
@@ -9730,15 +13037,7 @@
             </a:r>
             <a:r>
               <a:rPr lang="en-US" dirty="0" err="1"/>
-              <a:t>problema</a:t>
-            </a:r>
-            <a:r>
-              <a:rPr lang="en-US" dirty="0"/>
-              <a:t> a </a:t>
-            </a:r>
-            <a:r>
-              <a:rPr lang="en-US" dirty="0" err="1"/>
-              <a:t>fost</a:t>
+              <a:t>mai</a:t>
             </a:r>
             <a:r>
               <a:rPr lang="en-US" dirty="0"/>
@@ -9746,7 +13045,7 @@
             </a:r>
             <a:r>
               <a:rPr lang="en-US" dirty="0" err="1"/>
-              <a:t>sincronizarea</a:t>
+              <a:t>mult</a:t>
             </a:r>
             <a:r>
               <a:rPr lang="en-US" dirty="0"/>
@@ -9754,15 +13053,7 @@
             </a:r>
             <a:r>
               <a:rPr lang="en-US" dirty="0" err="1"/>
-              <a:t>intrucat</a:t>
-            </a:r>
-            <a:r>
-              <a:rPr lang="en-US" dirty="0"/>
-              <a:t> am </a:t>
-            </a:r>
-            <a:r>
-              <a:rPr lang="en-US" dirty="0" err="1"/>
-              <a:t>ramas</a:t>
+              <a:t>timp</a:t>
             </a:r>
             <a:r>
               <a:rPr lang="en-US" dirty="0"/>
@@ -9770,113 +13061,12 @@
             </a:r>
             <a:r>
               <a:rPr lang="en-US" dirty="0" err="1"/>
-              <a:t>blocati</a:t>
+              <a:t>pentru</a:t>
             </a:r>
             <a:r>
               <a:rPr lang="en-US" dirty="0"/>
-              <a:t> in </a:t>
-            </a:r>
-            <a:r>
-              <a:rPr lang="en-US" dirty="0" err="1"/>
-              <a:t>rezolvarea</a:t>
-            </a:r>
-            <a:r>
-              <a:rPr lang="en-US" dirty="0"/>
-              <a:t> </a:t>
-            </a:r>
-            <a:r>
-              <a:rPr lang="en-US" dirty="0" err="1"/>
-              <a:t>unor</a:t>
-            </a:r>
-            <a:r>
-              <a:rPr lang="en-US" dirty="0"/>
-              <a:t> </a:t>
-            </a:r>
-            <a:r>
-              <a:rPr lang="en-US" dirty="0" err="1"/>
-              <a:t>taskuri</a:t>
-            </a:r>
-            <a:r>
-              <a:rPr lang="en-US" dirty="0"/>
-              <a:t> </a:t>
-            </a:r>
-            <a:r>
-              <a:rPr lang="en-US" dirty="0" err="1"/>
-              <a:t>datorita</a:t>
-            </a:r>
-            <a:r>
-              <a:rPr lang="ro-RO" dirty="0"/>
-              <a:t> </a:t>
-            </a:r>
-            <a:r>
-              <a:rPr lang="en-US" dirty="0"/>
-              <a:t>code review-</a:t>
-            </a:r>
-            <a:r>
-              <a:rPr lang="en-US" dirty="0" err="1"/>
-              <a:t>ului</a:t>
-            </a:r>
-            <a:r>
-              <a:rPr lang="en-US" dirty="0"/>
-              <a:t> </a:t>
-            </a:r>
-            <a:r>
-              <a:rPr lang="en-US" dirty="0" err="1"/>
-              <a:t>sau</a:t>
-            </a:r>
-            <a:r>
-              <a:rPr lang="en-US" dirty="0"/>
-              <a:t> am </a:t>
-            </a:r>
-            <a:r>
-              <a:rPr lang="en-US" dirty="0" err="1"/>
-              <a:t>avut</a:t>
-            </a:r>
-            <a:r>
-              <a:rPr lang="en-US" dirty="0"/>
-              <a:t> </a:t>
-            </a:r>
-            <a:r>
-              <a:rPr lang="en-US" dirty="0" err="1"/>
-              <a:t>nevoie</a:t>
-            </a:r>
-            <a:r>
-              <a:rPr lang="en-US" dirty="0"/>
-              <a:t> de un task de la alt </a:t>
-            </a:r>
-            <a:r>
-              <a:rPr lang="en-US" dirty="0" err="1"/>
-              <a:t>coleg</a:t>
-            </a:r>
-            <a:r>
-              <a:rPr lang="en-US" dirty="0"/>
-              <a:t> </a:t>
-            </a:r>
-            <a:r>
-              <a:rPr lang="en-US" dirty="0" err="1"/>
-              <a:t>pentru</a:t>
-            </a:r>
-            <a:r>
-              <a:rPr lang="en-US" dirty="0"/>
-              <a:t> a ne </a:t>
-            </a:r>
-            <a:r>
-              <a:rPr lang="en-US" dirty="0" err="1"/>
-              <a:t>rezolva</a:t>
-            </a:r>
-            <a:r>
-              <a:rPr lang="en-US" dirty="0"/>
-              <a:t> </a:t>
-            </a:r>
-            <a:r>
-              <a:rPr lang="en-US" dirty="0" err="1"/>
-              <a:t>partea</a:t>
-            </a:r>
-            <a:r>
-              <a:rPr lang="ro-RO" dirty="0"/>
-              <a:t>.</a:t>
-            </a:r>
-            <a:endParaRPr lang="en-US" dirty="0"/>
+              <a:t> code review.</a:t>
+            </a:r>
           </a:p>
         </p:txBody>
       </p:sp>
@@ -10208,7 +13398,7 @@
                   </a:outerShdw>
                 </a:effectLst>
               </a:rPr>
-              <a:t>PROBLEME ÎNTÂMPINATE</a:t>
+              <a:t>Aspecte de îmbunătățit</a:t>
             </a:r>
             <a:endParaRPr lang="en-US" sz="3200" i="1" dirty="0">
               <a:solidFill>
@@ -10242,7 +13432,7 @@
         </p:nvSpPr>
         <p:spPr>
           <a:xfrm>
-            <a:off x="249011" y="160982"/>
+            <a:off x="341186" y="160982"/>
             <a:ext cx="4216893" cy="523220"/>
           </a:xfrm>
           <a:prstGeom prst="rect">
@@ -10257,7 +13447,7 @@
           <a:lstStyle/>
           <a:p>
             <a:r>
-              <a:rPr lang="ro-RO" sz="2800" i="1" u="sng" dirty="0">
+              <a:rPr lang="en-US" sz="2800" i="1" u="sng" dirty="0" err="1">
                 <a:effectLst>
                   <a:outerShdw blurRad="38100" dist="38100" dir="2700000" algn="tl">
                     <a:srgbClr val="000000">
@@ -10266,15 +13456,48 @@
                   </a:outerShdw>
                 </a:effectLst>
               </a:rPr>
-              <a:t>Tătar Andreea</a:t>
-            </a:r>
+              <a:t>Madar</a:t>
+            </a:r>
+            <a:r>
+              <a:rPr lang="en-US" sz="2800" i="1" u="sng" dirty="0">
+                <a:effectLst>
+                  <a:outerShdw blurRad="38100" dist="38100" dir="2700000" algn="tl">
+                    <a:srgbClr val="000000">
+                      <a:alpha val="43137"/>
+                    </a:srgbClr>
+                  </a:outerShdw>
+                </a:effectLst>
+              </a:rPr>
+              <a:t> R</a:t>
+            </a:r>
+            <a:r>
+              <a:rPr lang="ro-RO" sz="2800" i="1" u="sng" dirty="0" err="1">
+                <a:effectLst>
+                  <a:outerShdw blurRad="38100" dist="38100" dir="2700000" algn="tl">
+                    <a:srgbClr val="000000">
+                      <a:alpha val="43137"/>
+                    </a:srgbClr>
+                  </a:outerShdw>
+                </a:effectLst>
+              </a:rPr>
+              <a:t>ăzvan</a:t>
+            </a:r>
+            <a:endParaRPr lang="ro-RO" sz="2800" i="1" u="sng" dirty="0">
+              <a:effectLst>
+                <a:outerShdw blurRad="38100" dist="38100" dir="2700000" algn="tl">
+                  <a:srgbClr val="000000">
+                    <a:alpha val="43137"/>
+                  </a:srgbClr>
+                </a:outerShdw>
+              </a:effectLst>
+            </a:endParaRPr>
           </a:p>
         </p:txBody>
       </p:sp>
     </p:spTree>
     <p:extLst>
       <p:ext uri="{BB962C8B-B14F-4D97-AF65-F5344CB8AC3E}">
-        <p14:creationId xmlns:p14="http://schemas.microsoft.com/office/powerpoint/2010/main" val="365060740"/>
+        <p14:creationId xmlns:p14="http://schemas.microsoft.com/office/powerpoint/2010/main" val="1506849197"/>
       </p:ext>
     </p:extLst>
   </p:cSld>
@@ -10616,8 +13839,8 @@
         </p:nvSpPr>
         <p:spPr>
           <a:xfrm>
-            <a:off x="46322" y="1600200"/>
-            <a:ext cx="7207114" cy="3341265"/>
+            <a:off x="46322" y="836928"/>
+            <a:ext cx="7207114" cy="4941465"/>
           </a:xfrm>
           <a:prstGeom prst="rect">
             <a:avLst/>
@@ -10646,12 +13869,16 @@
               <a:buChar char="§"/>
             </a:pPr>
             <a:r>
+              <a:rPr lang="en-US" dirty="0" err="1"/>
+              <a:t>Legat</a:t>
+            </a:r>
+            <a:r>
               <a:rPr lang="en-US" dirty="0"/>
-              <a:t>Sa </a:t>
+              <a:t> de </a:t>
             </a:r>
             <a:r>
               <a:rPr lang="en-US" dirty="0" err="1"/>
-              <a:t>comunicam</a:t>
+              <a:t>aspectele</a:t>
             </a:r>
             <a:r>
               <a:rPr lang="en-US" dirty="0"/>
@@ -10659,7 +13886,15 @@
             </a:r>
             <a:r>
               <a:rPr lang="en-US" dirty="0" err="1"/>
-              <a:t>si</a:t>
+              <a:t>tehnice</a:t>
+            </a:r>
+            <a:r>
+              <a:rPr lang="en-US" dirty="0"/>
+              <a:t>, nu am </a:t>
+            </a:r>
+            <a:r>
+              <a:rPr lang="en-US" dirty="0" err="1"/>
+              <a:t>intampinat</a:t>
             </a:r>
             <a:r>
               <a:rPr lang="en-US" dirty="0"/>
@@ -10667,15 +13902,15 @@
             </a:r>
             <a:r>
               <a:rPr lang="en-US" dirty="0" err="1"/>
-              <a:t>sa</a:t>
+              <a:t>probleme</a:t>
             </a:r>
             <a:r>
               <a:rPr lang="en-US" dirty="0"/>
-              <a:t> ne </a:t>
+              <a:t> grave in </a:t>
             </a:r>
             <a:r>
               <a:rPr lang="en-US" dirty="0" err="1"/>
-              <a:t>prioritizam</a:t>
+              <a:t>rezolvarea</a:t>
             </a:r>
             <a:r>
               <a:rPr lang="en-US" dirty="0"/>
@@ -10683,15 +13918,7 @@
             </a:r>
             <a:r>
               <a:rPr lang="en-US" dirty="0" err="1"/>
-              <a:t>mai</a:t>
-            </a:r>
-            <a:r>
-              <a:rPr lang="en-US" dirty="0"/>
-              <a:t> bine </a:t>
-            </a:r>
-            <a:r>
-              <a:rPr lang="en-US" dirty="0" err="1"/>
-              <a:t>ticketele</a:t>
+              <a:t>taskurilor</a:t>
             </a:r>
             <a:r>
               <a:rPr lang="en-US" dirty="0"/>
@@ -10699,15 +13926,39 @@
             </a:r>
             <a:r>
               <a:rPr lang="en-US" dirty="0" err="1"/>
-              <a:t>intrucat</a:t>
+              <a:t>insa</a:t>
             </a:r>
             <a:r>
               <a:rPr lang="en-US" dirty="0"/>
-              <a:t> nu </a:t>
+              <a:t> per total</a:t>
+            </a:r>
+            <a:r>
+              <a:rPr lang="ro-RO" dirty="0"/>
+              <a:t> </a:t>
+            </a:r>
+            <a:r>
+              <a:rPr lang="en-US" dirty="0"/>
+              <a:t>cred ca </a:t>
             </a:r>
             <a:r>
               <a:rPr lang="en-US" dirty="0" err="1"/>
-              <a:t>putem</a:t>
+              <a:t>unele</a:t>
+            </a:r>
+            <a:r>
+              <a:rPr lang="en-US" dirty="0"/>
+              <a:t> user story-</a:t>
+            </a:r>
+            <a:r>
+              <a:rPr lang="en-US" dirty="0" err="1"/>
+              <a:t>uri</a:t>
+            </a:r>
+            <a:r>
+              <a:rPr lang="en-US" dirty="0"/>
+              <a:t> nu sunt </a:t>
+            </a:r>
+            <a:r>
+              <a:rPr lang="en-US" dirty="0" err="1"/>
+              <a:t>neaparat</a:t>
             </a:r>
             <a:r>
               <a:rPr lang="en-US" dirty="0"/>
@@ -10715,7 +13966,23 @@
             </a:r>
             <a:r>
               <a:rPr lang="en-US" dirty="0" err="1"/>
-              <a:t>lucra</a:t>
+              <a:t>implementate</a:t>
+            </a:r>
+            <a:r>
+              <a:rPr lang="en-US" dirty="0"/>
+              <a:t> cum </a:t>
+            </a:r>
+            <a:r>
+              <a:rPr lang="en-US" dirty="0" err="1"/>
+              <a:t>ar</a:t>
+            </a:r>
+            <a:r>
+              <a:rPr lang="en-US" dirty="0"/>
+              <a:t> fi </a:t>
+            </a:r>
+            <a:r>
+              <a:rPr lang="en-US" dirty="0" err="1"/>
+              <a:t>trebuit</a:t>
             </a:r>
             <a:r>
               <a:rPr lang="en-US" dirty="0"/>
@@ -10723,7 +13990,55 @@
             </a:r>
             <a:r>
               <a:rPr lang="en-US" dirty="0" err="1"/>
-              <a:t>toti</a:t>
+              <a:t>deoraece</a:t>
+            </a:r>
+            <a:r>
+              <a:rPr lang="en-US" dirty="0"/>
+              <a:t> </a:t>
+            </a:r>
+            <a:r>
+              <a:rPr lang="en-US" dirty="0" err="1"/>
+              <a:t>fiecare</a:t>
+            </a:r>
+            <a:r>
+              <a:rPr lang="en-US" dirty="0"/>
+              <a:t> s-a </a:t>
+            </a:r>
+            <a:r>
+              <a:rPr lang="en-US" dirty="0" err="1"/>
+              <a:t>axat</a:t>
+            </a:r>
+            <a:r>
+              <a:rPr lang="en-US" dirty="0"/>
+              <a:t> pe </a:t>
+            </a:r>
+            <a:r>
+              <a:rPr lang="en-US" dirty="0" err="1"/>
+              <a:t>rezolvarea</a:t>
+            </a:r>
+            <a:r>
+              <a:rPr lang="en-US" dirty="0"/>
+              <a:t> "</a:t>
+            </a:r>
+            <a:r>
+              <a:rPr lang="en-US" dirty="0" err="1"/>
+              <a:t>obiectiva</a:t>
+            </a:r>
+            <a:r>
+              <a:rPr lang="en-US" dirty="0"/>
+              <a:t>" a </a:t>
+            </a:r>
+            <a:r>
+              <a:rPr lang="en-US" dirty="0" err="1"/>
+              <a:t>taskurilor</a:t>
+            </a:r>
+            <a:r>
+              <a:rPr lang="en-US" dirty="0"/>
+              <a:t>, </a:t>
+            </a:r>
+            <a:r>
+              <a:rPr lang="en-US" dirty="0" err="1"/>
+              <a:t>impactul</a:t>
             </a:r>
             <a:r>
               <a:rPr lang="en-US" dirty="0"/>
@@ -10731,25 +14046,98 @@
             </a:r>
             <a:r>
               <a:rPr lang="en-US" dirty="0" err="1"/>
-              <a:t>acelasi</a:t>
+              <a:t>alte</a:t>
             </a:r>
             <a:r>
               <a:rPr lang="en-US" dirty="0"/>
-              <a:t> interval </a:t>
+              <a:t> </a:t>
+            </a:r>
+            <a:r>
+              <a:rPr lang="en-US" dirty="0" err="1"/>
+              <a:t>functionalitati</a:t>
+            </a:r>
+            <a:r>
+              <a:rPr lang="en-US" dirty="0"/>
+              <a:t> </a:t>
+            </a:r>
+            <a:r>
+              <a:rPr lang="en-US" dirty="0" err="1"/>
+              <a:t>fiind</a:t>
+            </a:r>
+            <a:r>
+              <a:rPr lang="en-US" dirty="0"/>
+              <a:t> </a:t>
+            </a:r>
+            <a:r>
+              <a:rPr lang="en-US" dirty="0" err="1"/>
+              <a:t>ignorat</a:t>
+            </a:r>
+            <a:r>
+              <a:rPr lang="en-US" dirty="0"/>
+              <a:t> </a:t>
+            </a:r>
+            <a:r>
+              <a:rPr lang="en-US" dirty="0" err="1"/>
+              <a:t>si</a:t>
+            </a:r>
+            <a:r>
+              <a:rPr lang="en-US" dirty="0"/>
+              <a:t> </a:t>
+            </a:r>
+            <a:r>
+              <a:rPr lang="en-US" dirty="0" err="1"/>
+              <a:t>ideea</a:t>
+            </a:r>
+            <a:r>
+              <a:rPr lang="en-US" dirty="0"/>
+              <a:t> de</a:t>
             </a:r>
             <a:r>
               <a:rPr lang="ro-RO" dirty="0"/>
-              <a:t>d</a:t>
+              <a:t> </a:t>
+            </a:r>
+            <a:r>
+              <a:rPr lang="en-US" dirty="0" err="1"/>
+              <a:t>anasmblu</a:t>
             </a:r>
             <a:r>
               <a:rPr lang="en-US" dirty="0"/>
-              <a:t>e </a:t>
+              <a:t> </a:t>
             </a:r>
             <a:r>
               <a:rPr lang="en-US" dirty="0" err="1"/>
-              <a:t>timp</a:t>
+              <a:t>fiind</a:t>
+            </a:r>
+            <a:r>
+              <a:rPr lang="en-US" dirty="0"/>
+              <a:t> </a:t>
+            </a:r>
+            <a:r>
+              <a:rPr lang="en-US" dirty="0" err="1"/>
+              <a:t>neglijata</a:t>
+            </a:r>
+            <a:r>
+              <a:rPr lang="en-US" dirty="0"/>
+              <a:t>.</a:t>
             </a:r>
             <a:endParaRPr lang="ro-RO" dirty="0"/>
+          </a:p>
+          <a:p>
+            <a:pPr marL="102870" algn="just" defTabSz="914400">
+              <a:lnSpc>
+                <a:spcPct val="90000"/>
+              </a:lnSpc>
+              <a:spcAft>
+                <a:spcPts val="600"/>
+              </a:spcAft>
+              <a:buClr>
+                <a:schemeClr val="accent1">
+                  <a:lumMod val="75000"/>
+                </a:schemeClr>
+              </a:buClr>
+              <a:buSzPct val="85000"/>
+            </a:pPr>
+            <a:endParaRPr lang="en-US" dirty="0"/>
           </a:p>
           <a:p>
             <a:pPr marL="285750" indent="-182880" algn="just" defTabSz="914400">
@@ -10768,32 +14156,13 @@
               <a:buFont typeface="Wingdings" pitchFamily="2" charset="2"/>
               <a:buChar char="§"/>
             </a:pPr>
-            <a:endParaRPr lang="en-US" dirty="0"/>
-          </a:p>
-          <a:p>
-            <a:pPr marL="285750" indent="-182880" algn="just" defTabSz="914400">
-              <a:lnSpc>
-                <a:spcPct val="90000"/>
-              </a:lnSpc>
-              <a:spcAft>
-                <a:spcPts val="600"/>
-              </a:spcAft>
-              <a:buClr>
-                <a:schemeClr val="accent1">
-                  <a:lumMod val="75000"/>
-                </a:schemeClr>
-              </a:buClr>
-              <a:buSzPct val="85000"/>
-              <a:buFont typeface="Wingdings" pitchFamily="2" charset="2"/>
-              <a:buChar char="§"/>
-            </a:pPr>
             <a:r>
               <a:rPr lang="en-US" dirty="0"/>
-              <a:t>Sa </a:t>
+              <a:t>O </a:t>
             </a:r>
             <a:r>
               <a:rPr lang="en-US" dirty="0" err="1"/>
-              <a:t>discutam</a:t>
+              <a:t>alta</a:t>
             </a:r>
             <a:r>
               <a:rPr lang="en-US" dirty="0"/>
@@ -10801,7 +14170,15 @@
             </a:r>
             <a:r>
               <a:rPr lang="en-US" dirty="0" err="1"/>
-              <a:t>mai</a:t>
+              <a:t>problema</a:t>
+            </a:r>
+            <a:r>
+              <a:rPr lang="en-US" dirty="0"/>
+              <a:t> a </a:t>
+            </a:r>
+            <a:r>
+              <a:rPr lang="en-US" dirty="0" err="1"/>
+              <a:t>fost</a:t>
             </a:r>
             <a:r>
               <a:rPr lang="en-US" dirty="0"/>
@@ -10809,7 +14186,7 @@
             </a:r>
             <a:r>
               <a:rPr lang="en-US" dirty="0" err="1"/>
-              <a:t>mult</a:t>
+              <a:t>sincronizarea</a:t>
             </a:r>
             <a:r>
               <a:rPr lang="en-US" dirty="0"/>
@@ -10817,7 +14194,15 @@
             </a:r>
             <a:r>
               <a:rPr lang="en-US" dirty="0" err="1"/>
-              <a:t>despre</a:t>
+              <a:t>intrucat</a:t>
+            </a:r>
+            <a:r>
+              <a:rPr lang="en-US" dirty="0"/>
+              <a:t> am </a:t>
+            </a:r>
+            <a:r>
+              <a:rPr lang="en-US" dirty="0" err="1"/>
+              <a:t>ramas</a:t>
             </a:r>
             <a:r>
               <a:rPr lang="en-US" dirty="0"/>
@@ -10825,53 +14210,15 @@
             </a:r>
             <a:r>
               <a:rPr lang="en-US" dirty="0" err="1"/>
-              <a:t>functionalitati</a:t>
-            </a:r>
-            <a:endParaRPr lang="ro-RO" dirty="0"/>
-          </a:p>
-          <a:p>
-            <a:pPr marL="285750" indent="-182880" algn="just" defTabSz="914400">
-              <a:lnSpc>
-                <a:spcPct val="90000"/>
-              </a:lnSpc>
-              <a:spcAft>
-                <a:spcPts val="600"/>
-              </a:spcAft>
-              <a:buClr>
-                <a:schemeClr val="accent1">
-                  <a:lumMod val="75000"/>
-                </a:schemeClr>
-              </a:buClr>
-              <a:buSzPct val="85000"/>
-              <a:buFont typeface="Wingdings" pitchFamily="2" charset="2"/>
-              <a:buChar char="§"/>
-            </a:pPr>
-            <a:endParaRPr lang="en-US" dirty="0"/>
-          </a:p>
-          <a:p>
-            <a:pPr marL="285750" indent="-182880" algn="just" defTabSz="914400">
-              <a:lnSpc>
-                <a:spcPct val="90000"/>
-              </a:lnSpc>
-              <a:spcAft>
-                <a:spcPts val="600"/>
-              </a:spcAft>
-              <a:buClr>
-                <a:schemeClr val="accent1">
-                  <a:lumMod val="75000"/>
-                </a:schemeClr>
-              </a:buClr>
-              <a:buSzPct val="85000"/>
-              <a:buFont typeface="Wingdings" pitchFamily="2" charset="2"/>
-              <a:buChar char="§"/>
-            </a:pPr>
+              <a:t>blocati</a:t>
+            </a:r>
             <a:r>
               <a:rPr lang="en-US" dirty="0"/>
-              <a:t>Sa </a:t>
+              <a:t> in </a:t>
             </a:r>
             <a:r>
               <a:rPr lang="en-US" dirty="0" err="1"/>
-              <a:t>incercam</a:t>
+              <a:t>rezolvarea</a:t>
             </a:r>
             <a:r>
               <a:rPr lang="en-US" dirty="0"/>
@@ -10879,7 +14226,7 @@
             </a:r>
             <a:r>
               <a:rPr lang="en-US" dirty="0" err="1"/>
-              <a:t>sa</a:t>
+              <a:t>unor</a:t>
             </a:r>
             <a:r>
               <a:rPr lang="en-US" dirty="0"/>
@@ -10887,7 +14234,7 @@
             </a:r>
             <a:r>
               <a:rPr lang="en-US" dirty="0" err="1"/>
-              <a:t>si</a:t>
+              <a:t>taskuri</a:t>
             </a:r>
             <a:r>
               <a:rPr lang="en-US" dirty="0"/>
@@ -10895,7 +14242,19 @@
             </a:r>
             <a:r>
               <a:rPr lang="en-US" dirty="0" err="1"/>
-              <a:t>testam</a:t>
+              <a:t>datorita</a:t>
+            </a:r>
+            <a:r>
+              <a:rPr lang="ro-RO" dirty="0"/>
+              <a:t> </a:t>
+            </a:r>
+            <a:r>
+              <a:rPr lang="en-US" dirty="0"/>
+              <a:t>code review-</a:t>
+            </a:r>
+            <a:r>
+              <a:rPr lang="en-US" dirty="0" err="1"/>
+              <a:t>ului</a:t>
             </a:r>
             <a:r>
               <a:rPr lang="en-US" dirty="0"/>
@@ -10903,20 +14262,61 @@
             </a:r>
             <a:r>
               <a:rPr lang="en-US" dirty="0" err="1"/>
-              <a:t>functionlaitatile</a:t>
+              <a:t>sau</a:t>
             </a:r>
             <a:r>
               <a:rPr lang="en-US" dirty="0"/>
-              <a:t> in </a:t>
+              <a:t> am </a:t>
+            </a:r>
+            <a:r>
+              <a:rPr lang="en-US" dirty="0" err="1"/>
+              <a:t>avut</a:t>
+            </a:r>
+            <a:r>
+              <a:rPr lang="en-US" dirty="0"/>
+              <a:t> </a:t>
+            </a:r>
+            <a:r>
+              <a:rPr lang="en-US" dirty="0" err="1"/>
+              <a:t>nevoie</a:t>
+            </a:r>
+            <a:r>
+              <a:rPr lang="en-US" dirty="0"/>
+              <a:t> de un task de la alt </a:t>
+            </a:r>
+            <a:r>
+              <a:rPr lang="en-US" dirty="0" err="1"/>
+              <a:t>coleg</a:t>
+            </a:r>
+            <a:r>
+              <a:rPr lang="en-US" dirty="0"/>
+              <a:t> </a:t>
+            </a:r>
+            <a:r>
+              <a:rPr lang="en-US" dirty="0" err="1"/>
+              <a:t>pentru</a:t>
+            </a:r>
+            <a:r>
+              <a:rPr lang="en-US" dirty="0"/>
+              <a:t> a ne </a:t>
+            </a:r>
+            <a:r>
+              <a:rPr lang="en-US" dirty="0" err="1"/>
+              <a:t>rezolva</a:t>
+            </a:r>
+            <a:r>
+              <a:rPr lang="en-US" dirty="0"/>
+              <a:t> </a:t>
             </a:r>
             <a:r>
               <a:rPr lang="en-US" dirty="0" err="1"/>
               <a:t>partea</a:t>
             </a:r>
             <a:r>
-              <a:rPr lang="en-US" dirty="0"/>
-              <a:t> de code review</a:t>
-            </a:r>
+              <a:rPr lang="ro-RO" dirty="0"/>
+              <a:t>.</a:t>
+            </a:r>
+            <a:endParaRPr lang="en-US" dirty="0"/>
           </a:p>
         </p:txBody>
       </p:sp>
@@ -11248,7 +14648,7 @@
                   </a:outerShdw>
                 </a:effectLst>
               </a:rPr>
-              <a:t>Aspecte de îmbunătățit</a:t>
+              <a:t>PROBLEME ÎNTÂMPINATE</a:t>
             </a:r>
             <a:endParaRPr lang="en-US" sz="3200" i="1" dirty="0">
               <a:solidFill>
@@ -11282,7 +14682,7 @@
         </p:nvSpPr>
         <p:spPr>
           <a:xfrm>
-            <a:off x="341186" y="160982"/>
+            <a:off x="249011" y="160982"/>
             <a:ext cx="4216893" cy="523220"/>
           </a:xfrm>
           <a:prstGeom prst="rect">
@@ -11314,7 +14714,7 @@
     </p:spTree>
     <p:extLst>
       <p:ext uri="{BB962C8B-B14F-4D97-AF65-F5344CB8AC3E}">
-        <p14:creationId xmlns:p14="http://schemas.microsoft.com/office/powerpoint/2010/main" val="2098189577"/>
+        <p14:creationId xmlns:p14="http://schemas.microsoft.com/office/powerpoint/2010/main" val="365060740"/>
       </p:ext>
     </p:extLst>
   </p:cSld>
@@ -11656,8 +15056,8 @@
         </p:nvSpPr>
         <p:spPr>
           <a:xfrm>
-            <a:off x="46322" y="1600200"/>
-            <a:ext cx="7207114" cy="3341265"/>
+            <a:off x="46322" y="836928"/>
+            <a:ext cx="7207114" cy="4941465"/>
           </a:xfrm>
           <a:prstGeom prst="rect">
             <a:avLst/>
@@ -11685,7 +15085,145 @@
               <a:buFont typeface="Wingdings" pitchFamily="2" charset="2"/>
               <a:buChar char="§"/>
             </a:pPr>
+            <a:r>
+              <a:rPr lang="en-US" dirty="0"/>
+              <a:t>FE: </a:t>
+            </a:r>
+            <a:r>
+              <a:rPr lang="en-US" dirty="0" err="1"/>
+              <a:t>adaugare</a:t>
+            </a:r>
+            <a:r>
+              <a:rPr lang="en-US" dirty="0"/>
+              <a:t> landmark la favorite, </a:t>
+            </a:r>
+            <a:r>
+              <a:rPr lang="en-US" dirty="0" err="1"/>
+              <a:t>filtrare</a:t>
+            </a:r>
+            <a:r>
+              <a:rPr lang="en-US" dirty="0"/>
+              <a:t>, </a:t>
+            </a:r>
+            <a:r>
+              <a:rPr lang="en-US" dirty="0" err="1"/>
+              <a:t>creeare</a:t>
+            </a:r>
+            <a:r>
+              <a:rPr lang="en-US" dirty="0"/>
+              <a:t> mockup </a:t>
+            </a:r>
+            <a:r>
+              <a:rPr lang="en-US" dirty="0" err="1"/>
+              <a:t>detalii</a:t>
+            </a:r>
+            <a:r>
+              <a:rPr lang="en-US" dirty="0"/>
+              <a:t> card , </a:t>
+            </a:r>
+            <a:r>
+              <a:rPr lang="en-US" dirty="0" err="1"/>
+              <a:t>fromular</a:t>
+            </a:r>
+            <a:r>
+              <a:rPr lang="en-US" dirty="0"/>
+              <a:t> register </a:t>
+            </a:r>
+          </a:p>
+          <a:p>
+            <a:pPr marL="102870" algn="just" defTabSz="914400">
+              <a:lnSpc>
+                <a:spcPct val="90000"/>
+              </a:lnSpc>
+              <a:spcAft>
+                <a:spcPts val="600"/>
+              </a:spcAft>
+              <a:buClr>
+                <a:schemeClr val="accent1">
+                  <a:lumMod val="75000"/>
+                </a:schemeClr>
+              </a:buClr>
+              <a:buSzPct val="85000"/>
+            </a:pPr>
             <a:endParaRPr lang="en-US" dirty="0"/>
+          </a:p>
+          <a:p>
+            <a:pPr marL="285750" indent="-182880" algn="just" defTabSz="914400">
+              <a:lnSpc>
+                <a:spcPct val="90000"/>
+              </a:lnSpc>
+              <a:spcAft>
+                <a:spcPts val="600"/>
+              </a:spcAft>
+              <a:buClr>
+                <a:schemeClr val="accent1">
+                  <a:lumMod val="75000"/>
+                </a:schemeClr>
+              </a:buClr>
+              <a:buSzPct val="85000"/>
+              <a:buFont typeface="Wingdings" pitchFamily="2" charset="2"/>
+              <a:buChar char="§"/>
+            </a:pPr>
+            <a:r>
+              <a:rPr lang="en-US" dirty="0"/>
+              <a:t> BE: GET endpoints </a:t>
+            </a:r>
+            <a:r>
+              <a:rPr lang="en-US" dirty="0" err="1"/>
+              <a:t>detalii</a:t>
+            </a:r>
+            <a:r>
+              <a:rPr lang="en-US" dirty="0"/>
+              <a:t> text </a:t>
+            </a:r>
+            <a:r>
+              <a:rPr lang="en-US" dirty="0" err="1"/>
+              <a:t>ob</a:t>
+            </a:r>
+            <a:r>
+              <a:rPr lang="en-US" dirty="0"/>
+              <a:t> </a:t>
+            </a:r>
+            <a:r>
+              <a:rPr lang="en-US" dirty="0" err="1"/>
+              <a:t>turistic</a:t>
+            </a:r>
+            <a:r>
+              <a:rPr lang="en-US" dirty="0"/>
+              <a:t>, PUT endpoint landmark,  GET audio description, POST </a:t>
+            </a:r>
+            <a:r>
+              <a:rPr lang="en-US" dirty="0" err="1"/>
+              <a:t>adaugare</a:t>
+            </a:r>
+            <a:r>
+              <a:rPr lang="en-US" dirty="0"/>
+              <a:t> review </a:t>
+            </a:r>
+            <a:r>
+              <a:rPr lang="en-US" dirty="0" err="1"/>
+              <a:t>si</a:t>
+            </a:r>
+            <a:r>
+              <a:rPr lang="en-US" dirty="0"/>
+              <a:t> </a:t>
+            </a:r>
+            <a:r>
+              <a:rPr lang="en-US" dirty="0" err="1"/>
+              <a:t>creeare</a:t>
+            </a:r>
+            <a:r>
+              <a:rPr lang="en-US" dirty="0"/>
+              <a:t> </a:t>
+            </a:r>
+            <a:r>
+              <a:rPr lang="en-US" dirty="0" err="1"/>
+              <a:t>entitate</a:t>
+            </a:r>
+            <a:r>
+              <a:rPr lang="en-US" dirty="0"/>
+              <a:t> de review</a:t>
+            </a:r>
           </a:p>
         </p:txBody>
       </p:sp>
@@ -12001,21 +15539,24 @@
           <a:lstStyle/>
           <a:p>
             <a:pPr algn="ctr"/>
-            <a:endParaRPr lang="en-US" sz="3200" i="1" dirty="0">
-              <a:solidFill>
-                <a:schemeClr val="bg1">
-                  <a:shade val="97000"/>
-                  <a:satMod val="150000"/>
-                </a:schemeClr>
-              </a:solidFill>
-              <a:effectLst>
-                <a:outerShdw blurRad="38100" dist="38100" dir="2700000" algn="tl">
-                  <a:srgbClr val="000000">
-                    <a:alpha val="43137"/>
-                  </a:srgbClr>
-                </a:outerShdw>
-              </a:effectLst>
-            </a:endParaRPr>
+            <a:r>
+              <a:rPr lang="en-US" sz="3200" i="1" dirty="0">
+                <a:solidFill>
+                  <a:schemeClr val="bg1">
+                    <a:shade val="97000"/>
+                    <a:satMod val="150000"/>
+                  </a:schemeClr>
+                </a:solidFill>
+                <a:effectLst>
+                  <a:outerShdw blurRad="38100" dist="38100" dir="2700000" algn="tl">
+                    <a:srgbClr val="000000">
+                      <a:alpha val="43137"/>
+                    </a:srgbClr>
+                  </a:outerShdw>
+                </a:effectLst>
+              </a:rPr>
+              <a:t>IMPLEMENTARE</a:t>
+            </a:r>
           </a:p>
         </p:txBody>
       </p:sp>
@@ -12033,7 +15574,7 @@
         </p:nvSpPr>
         <p:spPr>
           <a:xfrm>
-            <a:off x="341186" y="160982"/>
+            <a:off x="249011" y="160982"/>
             <a:ext cx="4216893" cy="523220"/>
           </a:xfrm>
           <a:prstGeom prst="rect">
@@ -12048,18 +15589,6 @@
           <a:lstStyle/>
           <a:p>
             <a:r>
-              <a:rPr lang="ro-RO" sz="2800" i="1" u="sng" dirty="0" err="1">
-                <a:effectLst>
-                  <a:outerShdw blurRad="38100" dist="38100" dir="2700000" algn="tl">
-                    <a:srgbClr val="000000">
-                      <a:alpha val="43137"/>
-                    </a:srgbClr>
-                  </a:outerShdw>
-                </a:effectLst>
-              </a:rPr>
-              <a:t>Matioc</a:t>
-            </a:r>
-            <a:r>
               <a:rPr lang="ro-RO" sz="2800" i="1" u="sng" dirty="0">
                 <a:effectLst>
                   <a:outerShdw blurRad="38100" dist="38100" dir="2700000" algn="tl">
@@ -12069,7 +15598,7 @@
                   </a:outerShdw>
                 </a:effectLst>
               </a:rPr>
-              <a:t> Bogdan</a:t>
+              <a:t>Tătar Andreea</a:t>
             </a:r>
           </a:p>
         </p:txBody>
@@ -12077,7 +15606,7 @@
     </p:spTree>
     <p:extLst>
       <p:ext uri="{BB962C8B-B14F-4D97-AF65-F5344CB8AC3E}">
-        <p14:creationId xmlns:p14="http://schemas.microsoft.com/office/powerpoint/2010/main" val="1366985222"/>
+        <p14:creationId xmlns:p14="http://schemas.microsoft.com/office/powerpoint/2010/main" val="1817438149"/>
       </p:ext>
     </p:extLst>
   </p:cSld>
@@ -12419,8 +15948,8 @@
         </p:nvSpPr>
         <p:spPr>
           <a:xfrm>
-            <a:off x="46322" y="836928"/>
-            <a:ext cx="7207114" cy="4941465"/>
+            <a:off x="46322" y="1600200"/>
+            <a:ext cx="7207114" cy="3341265"/>
           </a:xfrm>
           <a:prstGeom prst="rect">
             <a:avLst/>
@@ -12432,7 +15961,7 @@
           </a:bodyPr>
           <a:lstStyle/>
           <a:p>
-            <a:pPr marL="388620" indent="-285750" algn="just" defTabSz="914400">
+            <a:pPr marL="285750" indent="-182880" algn="just" defTabSz="914400">
               <a:lnSpc>
                 <a:spcPct val="90000"/>
               </a:lnSpc>
@@ -12445,24 +15974,117 @@
                 </a:schemeClr>
               </a:buClr>
               <a:buSzPct val="85000"/>
-              <a:buFont typeface="Wingdings" panose="05000000000000000000" pitchFamily="2" charset="2"/>
+              <a:buFont typeface="Wingdings" pitchFamily="2" charset="2"/>
               <a:buChar char="§"/>
             </a:pPr>
             <a:r>
+              <a:rPr lang="en-US" dirty="0"/>
+              <a:t>Sa </a:t>
+            </a:r>
+            <a:r>
+              <a:rPr lang="en-US" dirty="0" err="1"/>
+              <a:t>comunicam</a:t>
+            </a:r>
+            <a:r>
+              <a:rPr lang="en-US" dirty="0"/>
+              <a:t> </a:t>
+            </a:r>
+            <a:r>
+              <a:rPr lang="en-US" dirty="0" err="1"/>
+              <a:t>si</a:t>
+            </a:r>
+            <a:r>
+              <a:rPr lang="en-US" dirty="0"/>
+              <a:t> </a:t>
+            </a:r>
+            <a:r>
+              <a:rPr lang="en-US" dirty="0" err="1"/>
+              <a:t>sa</a:t>
+            </a:r>
+            <a:r>
+              <a:rPr lang="en-US" dirty="0"/>
+              <a:t> ne </a:t>
+            </a:r>
+            <a:r>
+              <a:rPr lang="en-US" dirty="0" err="1"/>
+              <a:t>prioritizam</a:t>
+            </a:r>
+            <a:r>
+              <a:rPr lang="en-US" dirty="0"/>
+              <a:t> </a:t>
+            </a:r>
+            <a:r>
+              <a:rPr lang="en-US" dirty="0" err="1"/>
+              <a:t>mai</a:t>
+            </a:r>
+            <a:r>
+              <a:rPr lang="en-US" dirty="0"/>
+              <a:t> bine </a:t>
+            </a:r>
+            <a:r>
+              <a:rPr lang="en-US" dirty="0" err="1"/>
+              <a:t>ticketele</a:t>
+            </a:r>
+            <a:r>
+              <a:rPr lang="en-US" dirty="0"/>
+              <a:t> </a:t>
+            </a:r>
+            <a:r>
+              <a:rPr lang="en-US" dirty="0" err="1"/>
+              <a:t>intrucat</a:t>
+            </a:r>
+            <a:r>
+              <a:rPr lang="en-US" dirty="0"/>
+              <a:t> nu </a:t>
+            </a:r>
+            <a:r>
+              <a:rPr lang="en-US" dirty="0" err="1"/>
+              <a:t>putem</a:t>
+            </a:r>
+            <a:r>
+              <a:rPr lang="en-US" dirty="0"/>
+              <a:t> </a:t>
+            </a:r>
+            <a:r>
+              <a:rPr lang="en-US" dirty="0" err="1"/>
+              <a:t>lucra</a:t>
+            </a:r>
+            <a:r>
+              <a:rPr lang="en-US" dirty="0"/>
+              <a:t> </a:t>
+            </a:r>
+            <a:r>
+              <a:rPr lang="en-US" dirty="0" err="1"/>
+              <a:t>toti</a:t>
+            </a:r>
+            <a:r>
+              <a:rPr lang="en-US" dirty="0"/>
+              <a:t> in </a:t>
+            </a:r>
+            <a:r>
+              <a:rPr lang="en-US" dirty="0" err="1"/>
+              <a:t>acelasi</a:t>
+            </a:r>
+            <a:r>
+              <a:rPr lang="en-US" dirty="0"/>
+              <a:t> interval </a:t>
+            </a:r>
+            <a:r>
               <a:rPr lang="ro-RO" dirty="0"/>
-              <a:t>Faptul că majoritatea task-urilor au fost rezolvate cu 3-4 zile înainte de </a:t>
-            </a:r>
-            <a:r>
-              <a:rPr lang="ro-RO" dirty="0" err="1"/>
-              <a:t>demo</a:t>
-            </a:r>
-            <a:r>
-              <a:rPr lang="ro-RO" dirty="0"/>
-              <a:t> și de cele mai multe ori destul de târziu, lucru care a condus la foarte mult cod într-o perioadă scurtă de timp.</a:t>
-            </a:r>
-          </a:p>
-          <a:p>
-            <a:pPr marL="102870" algn="just" defTabSz="914400">
+              <a:t>d</a:t>
+            </a:r>
+            <a:r>
+              <a:rPr lang="en-US" dirty="0"/>
+              <a:t>e </a:t>
+            </a:r>
+            <a:r>
+              <a:rPr lang="en-US" dirty="0" err="1"/>
+              <a:t>timp</a:t>
+            </a:r>
+            <a:endParaRPr lang="ro-RO" dirty="0"/>
+          </a:p>
+          <a:p>
+            <a:pPr marL="285750" indent="-182880" algn="just" defTabSz="914400">
               <a:lnSpc>
                 <a:spcPct val="90000"/>
               </a:lnSpc>
@@ -12475,8 +16097,158 @@
                 </a:schemeClr>
               </a:buClr>
               <a:buSzPct val="85000"/>
+              <a:buFont typeface="Wingdings" pitchFamily="2" charset="2"/>
+              <a:buChar char="§"/>
             </a:pPr>
+            <a:endParaRPr lang="en-US" dirty="0"/>
+          </a:p>
+          <a:p>
+            <a:pPr marL="285750" indent="-182880" algn="just" defTabSz="914400">
+              <a:lnSpc>
+                <a:spcPct val="90000"/>
+              </a:lnSpc>
+              <a:spcAft>
+                <a:spcPts val="600"/>
+              </a:spcAft>
+              <a:buClr>
+                <a:schemeClr val="accent1">
+                  <a:lumMod val="75000"/>
+                </a:schemeClr>
+              </a:buClr>
+              <a:buSzPct val="85000"/>
+              <a:buFont typeface="Wingdings" pitchFamily="2" charset="2"/>
+              <a:buChar char="§"/>
+            </a:pPr>
+            <a:r>
+              <a:rPr lang="en-US" dirty="0"/>
+              <a:t>Sa </a:t>
+            </a:r>
+            <a:r>
+              <a:rPr lang="en-US" dirty="0" err="1"/>
+              <a:t>discutam</a:t>
+            </a:r>
+            <a:r>
+              <a:rPr lang="en-US" dirty="0"/>
+              <a:t> </a:t>
+            </a:r>
+            <a:r>
+              <a:rPr lang="en-US" dirty="0" err="1"/>
+              <a:t>mai</a:t>
+            </a:r>
+            <a:r>
+              <a:rPr lang="en-US" dirty="0"/>
+              <a:t> </a:t>
+            </a:r>
+            <a:r>
+              <a:rPr lang="en-US" dirty="0" err="1"/>
+              <a:t>mult</a:t>
+            </a:r>
+            <a:r>
+              <a:rPr lang="en-US" dirty="0"/>
+              <a:t> </a:t>
+            </a:r>
+            <a:r>
+              <a:rPr lang="en-US" dirty="0" err="1"/>
+              <a:t>despre</a:t>
+            </a:r>
+            <a:r>
+              <a:rPr lang="en-US" dirty="0"/>
+              <a:t> </a:t>
+            </a:r>
+            <a:r>
+              <a:rPr lang="en-US" dirty="0" err="1"/>
+              <a:t>functionalitati</a:t>
+            </a:r>
             <a:endParaRPr lang="ro-RO" dirty="0"/>
+          </a:p>
+          <a:p>
+            <a:pPr marL="285750" indent="-182880" algn="just" defTabSz="914400">
+              <a:lnSpc>
+                <a:spcPct val="90000"/>
+              </a:lnSpc>
+              <a:spcAft>
+                <a:spcPts val="600"/>
+              </a:spcAft>
+              <a:buClr>
+                <a:schemeClr val="accent1">
+                  <a:lumMod val="75000"/>
+                </a:schemeClr>
+              </a:buClr>
+              <a:buSzPct val="85000"/>
+              <a:buFont typeface="Wingdings" pitchFamily="2" charset="2"/>
+              <a:buChar char="§"/>
+            </a:pPr>
+            <a:endParaRPr lang="en-US" dirty="0"/>
+          </a:p>
+          <a:p>
+            <a:pPr marL="285750" indent="-182880" algn="just" defTabSz="914400">
+              <a:lnSpc>
+                <a:spcPct val="90000"/>
+              </a:lnSpc>
+              <a:spcAft>
+                <a:spcPts val="600"/>
+              </a:spcAft>
+              <a:buClr>
+                <a:schemeClr val="accent1">
+                  <a:lumMod val="75000"/>
+                </a:schemeClr>
+              </a:buClr>
+              <a:buSzPct val="85000"/>
+              <a:buFont typeface="Wingdings" pitchFamily="2" charset="2"/>
+              <a:buChar char="§"/>
+            </a:pPr>
+            <a:r>
+              <a:rPr lang="en-US" dirty="0"/>
+              <a:t>Sa </a:t>
+            </a:r>
+            <a:r>
+              <a:rPr lang="en-US" dirty="0" err="1"/>
+              <a:t>incercam</a:t>
+            </a:r>
+            <a:r>
+              <a:rPr lang="en-US" dirty="0"/>
+              <a:t> </a:t>
+            </a:r>
+            <a:r>
+              <a:rPr lang="en-US" dirty="0" err="1"/>
+              <a:t>sa</a:t>
+            </a:r>
+            <a:r>
+              <a:rPr lang="en-US" dirty="0"/>
+              <a:t> </a:t>
+            </a:r>
+            <a:r>
+              <a:rPr lang="en-US" dirty="0" err="1"/>
+              <a:t>si</a:t>
+            </a:r>
+            <a:r>
+              <a:rPr lang="en-US" dirty="0"/>
+              <a:t> </a:t>
+            </a:r>
+            <a:r>
+              <a:rPr lang="en-US" dirty="0" err="1"/>
+              <a:t>testam</a:t>
+            </a:r>
+            <a:r>
+              <a:rPr lang="en-US" dirty="0"/>
+              <a:t> </a:t>
+            </a:r>
+            <a:r>
+              <a:rPr lang="en-US" dirty="0" err="1"/>
+              <a:t>functionlaitatile</a:t>
+            </a:r>
+            <a:r>
+              <a:rPr lang="en-US" dirty="0"/>
+              <a:t> in </a:t>
+            </a:r>
+            <a:r>
+              <a:rPr lang="en-US" dirty="0" err="1"/>
+              <a:t>partea</a:t>
+            </a:r>
+            <a:r>
+              <a:rPr lang="en-US" dirty="0"/>
+              <a:t> de code review</a:t>
+            </a:r>
           </a:p>
         </p:txBody>
       </p:sp>
@@ -12808,7 +16580,7 @@
                   </a:outerShdw>
                 </a:effectLst>
               </a:rPr>
-              <a:t>PROBLEME ÎNTÂMPINATE</a:t>
+              <a:t>Aspecte de îmbunătățit</a:t>
             </a:r>
             <a:endParaRPr lang="en-US" sz="3200" i="1" dirty="0">
               <a:solidFill>
@@ -12842,7 +16614,7 @@
         </p:nvSpPr>
         <p:spPr>
           <a:xfrm>
-            <a:off x="249011" y="160982"/>
+            <a:off x="341186" y="160982"/>
             <a:ext cx="4216893" cy="523220"/>
           </a:xfrm>
           <a:prstGeom prst="rect">
@@ -12866,7 +16638,7 @@
                   </a:outerShdw>
                 </a:effectLst>
               </a:rPr>
-              <a:t>Stoica Daniela</a:t>
+              <a:t>Tătar Andreea</a:t>
             </a:r>
           </a:p>
         </p:txBody>
@@ -12874,7 +16646,7 @@
     </p:spTree>
     <p:extLst>
       <p:ext uri="{BB962C8B-B14F-4D97-AF65-F5344CB8AC3E}">
-        <p14:creationId xmlns:p14="http://schemas.microsoft.com/office/powerpoint/2010/main" val="2001324649"/>
+        <p14:creationId xmlns:p14="http://schemas.microsoft.com/office/powerpoint/2010/main" val="2098189577"/>
       </p:ext>
     </p:extLst>
   </p:cSld>
@@ -13245,88 +17017,7 @@
               <a:buFont typeface="Wingdings" pitchFamily="2" charset="2"/>
               <a:buChar char="§"/>
             </a:pPr>
-            <a:r>
-              <a:rPr lang="ro-RO" dirty="0"/>
-              <a:t>Să comunicăm mai mult și să participăm cu toții la atribuirea task-urilor ca să încercăm să evităm dependențele.</a:t>
-            </a:r>
-          </a:p>
-          <a:p>
-            <a:pPr marL="102870" algn="just" defTabSz="914400">
-              <a:lnSpc>
-                <a:spcPct val="90000"/>
-              </a:lnSpc>
-              <a:spcAft>
-                <a:spcPts val="600"/>
-              </a:spcAft>
-              <a:buClr>
-                <a:schemeClr val="accent1">
-                  <a:lumMod val="75000"/>
-                </a:schemeClr>
-              </a:buClr>
-              <a:buSzPct val="85000"/>
-            </a:pPr>
-            <a:endParaRPr lang="ro-RO" dirty="0"/>
-          </a:p>
-          <a:p>
-            <a:pPr marL="285750" indent="-182880" algn="just" defTabSz="914400">
-              <a:lnSpc>
-                <a:spcPct val="90000"/>
-              </a:lnSpc>
-              <a:spcAft>
-                <a:spcPts val="600"/>
-              </a:spcAft>
-              <a:buClr>
-                <a:schemeClr val="accent1">
-                  <a:lumMod val="75000"/>
-                </a:schemeClr>
-              </a:buClr>
-              <a:buSzPct val="85000"/>
-              <a:buFont typeface="Wingdings" pitchFamily="2" charset="2"/>
-              <a:buChar char="§"/>
-            </a:pPr>
-            <a:r>
-              <a:rPr lang="ro-RO" dirty="0"/>
-              <a:t>Să încercăm să lucrăm treptat la proiect.</a:t>
-            </a:r>
-          </a:p>
-          <a:p>
-            <a:pPr marL="102870" algn="just" defTabSz="914400">
-              <a:lnSpc>
-                <a:spcPct val="90000"/>
-              </a:lnSpc>
-              <a:spcAft>
-                <a:spcPts val="600"/>
-              </a:spcAft>
-              <a:buClr>
-                <a:schemeClr val="accent1">
-                  <a:lumMod val="75000"/>
-                </a:schemeClr>
-              </a:buClr>
-              <a:buSzPct val="85000"/>
-            </a:pPr>
-            <a:endParaRPr lang="ro-RO" dirty="0"/>
-          </a:p>
-          <a:p>
-            <a:pPr marL="285750" indent="-182880" algn="just" defTabSz="914400">
-              <a:lnSpc>
-                <a:spcPct val="90000"/>
-              </a:lnSpc>
-              <a:spcAft>
-                <a:spcPts val="600"/>
-              </a:spcAft>
-              <a:buClr>
-                <a:schemeClr val="accent1">
-                  <a:lumMod val="75000"/>
-                </a:schemeClr>
-              </a:buClr>
-              <a:buSzPct val="85000"/>
-              <a:buFont typeface="Wingdings" pitchFamily="2" charset="2"/>
-              <a:buChar char="§"/>
-            </a:pPr>
-            <a:r>
-              <a:rPr lang="ro-RO" dirty="0"/>
-              <a:t>Să încercăm să privim funcționalitățile care trebuie implementate în ansamblu, nu în mod individual.</a:t>
-            </a:r>
+            <a:endParaRPr lang="en-US" dirty="0"/>
           </a:p>
         </p:txBody>
       </p:sp>
@@ -13658,7 +17349,7 @@
                   </a:outerShdw>
                 </a:effectLst>
               </a:rPr>
-              <a:t>Aspecte de îmbunătățit</a:t>
+              <a:t>PROBLEME ÎNTÂMPINATE</a:t>
             </a:r>
             <a:endParaRPr lang="en-US" sz="3200" i="1" dirty="0">
               <a:solidFill>
@@ -13707,6 +17398,18 @@
           <a:lstStyle/>
           <a:p>
             <a:r>
+              <a:rPr lang="ro-RO" sz="2800" i="1" u="sng" dirty="0" err="1">
+                <a:effectLst>
+                  <a:outerShdw blurRad="38100" dist="38100" dir="2700000" algn="tl">
+                    <a:srgbClr val="000000">
+                      <a:alpha val="43137"/>
+                    </a:srgbClr>
+                  </a:outerShdw>
+                </a:effectLst>
+              </a:rPr>
+              <a:t>Matioc</a:t>
+            </a:r>
+            <a:r>
               <a:rPr lang="ro-RO" sz="2800" i="1" u="sng" dirty="0">
                 <a:effectLst>
                   <a:outerShdw blurRad="38100" dist="38100" dir="2700000" algn="tl">
@@ -13716,7 +17419,145 @@
                   </a:outerShdw>
                 </a:effectLst>
               </a:rPr>
-              <a:t>Stoica Daniela</a:t>
+              <a:t> Bogdan</a:t>
+            </a:r>
+          </a:p>
+        </p:txBody>
+      </p:sp>
+      <p:sp>
+        <p:nvSpPr>
+          <p:cNvPr id="5" name="CasetăText 4">
+            <a:extLst>
+              <a:ext uri="{FF2B5EF4-FFF2-40B4-BE49-F238E27FC236}">
+                <a16:creationId xmlns:a16="http://schemas.microsoft.com/office/drawing/2014/main" id="{46F33047-DECF-FEFE-14ED-1D85B5528AC9}"/>
+              </a:ext>
+            </a:extLst>
+          </p:cNvPr>
+          <p:cNvSpPr txBox="1"/>
+          <p:nvPr/>
+        </p:nvSpPr>
+        <p:spPr>
+          <a:xfrm>
+            <a:off x="523783" y="2116670"/>
+            <a:ext cx="6364924" cy="2308324"/>
+          </a:xfrm>
+          <a:prstGeom prst="rect">
+            <a:avLst/>
+          </a:prstGeom>
+          <a:noFill/>
+        </p:spPr>
+        <p:txBody>
+          <a:bodyPr wrap="square" rtlCol="0">
+            <a:spAutoFit/>
+          </a:bodyPr>
+          <a:lstStyle/>
+          <a:p>
+            <a:pPr marL="285750" indent="-285750" algn="just">
+              <a:buClr>
+                <a:schemeClr val="accent2"/>
+              </a:buClr>
+              <a:buFont typeface="Wingdings" panose="05000000000000000000" pitchFamily="2" charset="2"/>
+              <a:buChar char="§"/>
+            </a:pPr>
+            <a:r>
+              <a:rPr lang="ro-RO" dirty="0"/>
+              <a:t>Task-urile au fost prea vag definite, anumite aspecte din </a:t>
+            </a:r>
+            <a:r>
+              <a:rPr lang="ro-RO" dirty="0" err="1"/>
+              <a:t>aplicatii</a:t>
+            </a:r>
+            <a:r>
+              <a:rPr lang="ro-RO" dirty="0"/>
+              <a:t> nu au fost </a:t>
+            </a:r>
+            <a:r>
+              <a:rPr lang="ro-RO" dirty="0" err="1"/>
+              <a:t>incadrate</a:t>
+            </a:r>
+            <a:r>
+              <a:rPr lang="ro-RO" dirty="0"/>
+              <a:t> in niciun task.</a:t>
+            </a:r>
+            <a:endParaRPr lang="en-US" dirty="0"/>
+          </a:p>
+          <a:p>
+            <a:pPr marL="285750" indent="-285750" algn="just">
+              <a:buClr>
+                <a:schemeClr val="accent2"/>
+              </a:buClr>
+              <a:buFont typeface="Wingdings" panose="05000000000000000000" pitchFamily="2" charset="2"/>
+              <a:buChar char="§"/>
+            </a:pPr>
+            <a:endParaRPr lang="ro-RO" dirty="0"/>
+          </a:p>
+          <a:p>
+            <a:pPr marL="285750" indent="-285750" algn="just">
+              <a:buClr>
+                <a:schemeClr val="accent2"/>
+              </a:buClr>
+              <a:buFont typeface="Wingdings" panose="05000000000000000000" pitchFamily="2" charset="2"/>
+              <a:buChar char="§"/>
+            </a:pPr>
+            <a:r>
+              <a:rPr lang="ro-RO" dirty="0"/>
+              <a:t>Rezolvarea in mod aleatoriu (nerespectarea </a:t>
+            </a:r>
+            <a:r>
+              <a:rPr lang="ro-RO" dirty="0" err="1"/>
+              <a:t>prioritati</a:t>
+            </a:r>
+            <a:r>
+              <a:rPr lang="ro-RO" dirty="0"/>
+              <a:t> acordate taskurilor) a creat </a:t>
+            </a:r>
+            <a:r>
+              <a:rPr lang="ro-RO" dirty="0" err="1"/>
+              <a:t>blocari</a:t>
+            </a:r>
+            <a:r>
+              <a:rPr lang="ro-RO" dirty="0"/>
+              <a:t> in rezolvarea taskurilor.</a:t>
+            </a:r>
+            <a:endParaRPr lang="en-US" dirty="0"/>
+          </a:p>
+          <a:p>
+            <a:pPr marL="285750" indent="-285750" algn="just">
+              <a:buClr>
+                <a:schemeClr val="accent2"/>
+              </a:buClr>
+              <a:buFont typeface="Wingdings" panose="05000000000000000000" pitchFamily="2" charset="2"/>
+              <a:buChar char="§"/>
+            </a:pPr>
+            <a:endParaRPr lang="ro-RO" dirty="0"/>
+          </a:p>
+          <a:p>
+            <a:pPr marL="285750" indent="-285750" algn="just">
+              <a:buClr>
+                <a:schemeClr val="accent2"/>
+              </a:buClr>
+              <a:buFont typeface="Wingdings" panose="05000000000000000000" pitchFamily="2" charset="2"/>
+              <a:buChar char="§"/>
+            </a:pPr>
+            <a:r>
+              <a:rPr lang="ro-RO" dirty="0"/>
+              <a:t>Timpul de </a:t>
+            </a:r>
+            <a:r>
+              <a:rPr lang="ro-RO" dirty="0" err="1"/>
+              <a:t>asteptare</a:t>
+            </a:r>
+            <a:r>
+              <a:rPr lang="ro-RO" dirty="0"/>
+              <a:t> pentru  </a:t>
+            </a:r>
+            <a:r>
+              <a:rPr lang="ro-RO" dirty="0" err="1"/>
+              <a:t>review</a:t>
+            </a:r>
+            <a:r>
+              <a:rPr lang="ro-RO" dirty="0"/>
+              <a:t> a fost prea mare.</a:t>
             </a:r>
           </a:p>
         </p:txBody>
@@ -13724,7 +17565,7 @@
     </p:spTree>
     <p:extLst>
       <p:ext uri="{BB962C8B-B14F-4D97-AF65-F5344CB8AC3E}">
-        <p14:creationId xmlns:p14="http://schemas.microsoft.com/office/powerpoint/2010/main" val="2599340265"/>
+        <p14:creationId xmlns:p14="http://schemas.microsoft.com/office/powerpoint/2010/main" val="1366985222"/>
       </p:ext>
     </p:extLst>
   </p:cSld>
